--- a/resources/documents/ABIA presentation.pptx
+++ b/resources/documents/ABIA presentation.pptx
@@ -2,10 +2,13 @@
 <file path=ppt/presentation.xml><?xml version="1.0" encoding="utf-8"?>
 <p:presentation xmlns:a="http://schemas.openxmlformats.org/drawingml/2006/main" xmlns:r="http://schemas.openxmlformats.org/officeDocument/2006/relationships" xmlns:p="http://schemas.openxmlformats.org/presentationml/2006/main" saveSubsetFonts="1" autoCompressPictures="0">
   <p:sldMasterIdLst>
-    <p:sldMasterId id="2147483648" r:id="rId1"/>
+    <p:sldMasterId id="2147483689" r:id="rId1"/>
   </p:sldMasterIdLst>
+  <p:notesMasterIdLst>
+    <p:notesMasterId r:id="rId12"/>
+  </p:notesMasterIdLst>
   <p:sldIdLst>
-    <p:sldId id="256" r:id="rId2"/>
+    <p:sldId id="268" r:id="rId2"/>
     <p:sldId id="257" r:id="rId3"/>
     <p:sldId id="258" r:id="rId4"/>
     <p:sldId id="259" r:id="rId5"/>
@@ -13,6 +16,8 @@
     <p:sldId id="261" r:id="rId7"/>
     <p:sldId id="262" r:id="rId8"/>
     <p:sldId id="263" r:id="rId9"/>
+    <p:sldId id="269" r:id="rId10"/>
+    <p:sldId id="264" r:id="rId11"/>
   </p:sldIdLst>
   <p:sldSz cx="12192000" cy="6858000"/>
   <p:notesSz cx="6858000" cy="9144000"/>
@@ -20,7 +25,7 @@
     <a:defPPr>
       <a:defRPr lang="en-US"/>
     </a:defPPr>
-    <a:lvl1pPr marL="0" algn="l" defTabSz="914400" rtl="0" eaLnBrk="1" latinLnBrk="0" hangingPunct="1">
+    <a:lvl1pPr marL="0" algn="l" defTabSz="457200" rtl="0" eaLnBrk="1" latinLnBrk="0" hangingPunct="1">
       <a:defRPr sz="1800" kern="1200">
         <a:solidFill>
           <a:schemeClr val="tx1"/>
@@ -30,7 +35,7 @@
         <a:cs typeface="+mn-cs"/>
       </a:defRPr>
     </a:lvl1pPr>
-    <a:lvl2pPr marL="457200" algn="l" defTabSz="914400" rtl="0" eaLnBrk="1" latinLnBrk="0" hangingPunct="1">
+    <a:lvl2pPr marL="457200" algn="l" defTabSz="457200" rtl="0" eaLnBrk="1" latinLnBrk="0" hangingPunct="1">
       <a:defRPr sz="1800" kern="1200">
         <a:solidFill>
           <a:schemeClr val="tx1"/>
@@ -40,7 +45,7 @@
         <a:cs typeface="+mn-cs"/>
       </a:defRPr>
     </a:lvl2pPr>
-    <a:lvl3pPr marL="914400" algn="l" defTabSz="914400" rtl="0" eaLnBrk="1" latinLnBrk="0" hangingPunct="1">
+    <a:lvl3pPr marL="914400" algn="l" defTabSz="457200" rtl="0" eaLnBrk="1" latinLnBrk="0" hangingPunct="1">
       <a:defRPr sz="1800" kern="1200">
         <a:solidFill>
           <a:schemeClr val="tx1"/>
@@ -50,7 +55,7 @@
         <a:cs typeface="+mn-cs"/>
       </a:defRPr>
     </a:lvl3pPr>
-    <a:lvl4pPr marL="1371600" algn="l" defTabSz="914400" rtl="0" eaLnBrk="1" latinLnBrk="0" hangingPunct="1">
+    <a:lvl4pPr marL="1371600" algn="l" defTabSz="457200" rtl="0" eaLnBrk="1" latinLnBrk="0" hangingPunct="1">
       <a:defRPr sz="1800" kern="1200">
         <a:solidFill>
           <a:schemeClr val="tx1"/>
@@ -60,7 +65,7 @@
         <a:cs typeface="+mn-cs"/>
       </a:defRPr>
     </a:lvl4pPr>
-    <a:lvl5pPr marL="1828800" algn="l" defTabSz="914400" rtl="0" eaLnBrk="1" latinLnBrk="0" hangingPunct="1">
+    <a:lvl5pPr marL="1828800" algn="l" defTabSz="457200" rtl="0" eaLnBrk="1" latinLnBrk="0" hangingPunct="1">
       <a:defRPr sz="1800" kern="1200">
         <a:solidFill>
           <a:schemeClr val="tx1"/>
@@ -70,7 +75,7 @@
         <a:cs typeface="+mn-cs"/>
       </a:defRPr>
     </a:lvl5pPr>
-    <a:lvl6pPr marL="2286000" algn="l" defTabSz="914400" rtl="0" eaLnBrk="1" latinLnBrk="0" hangingPunct="1">
+    <a:lvl6pPr marL="2286000" algn="l" defTabSz="457200" rtl="0" eaLnBrk="1" latinLnBrk="0" hangingPunct="1">
       <a:defRPr sz="1800" kern="1200">
         <a:solidFill>
           <a:schemeClr val="tx1"/>
@@ -80,7 +85,7 @@
         <a:cs typeface="+mn-cs"/>
       </a:defRPr>
     </a:lvl6pPr>
-    <a:lvl7pPr marL="2743200" algn="l" defTabSz="914400" rtl="0" eaLnBrk="1" latinLnBrk="0" hangingPunct="1">
+    <a:lvl7pPr marL="2743200" algn="l" defTabSz="457200" rtl="0" eaLnBrk="1" latinLnBrk="0" hangingPunct="1">
       <a:defRPr sz="1800" kern="1200">
         <a:solidFill>
           <a:schemeClr val="tx1"/>
@@ -90,7 +95,7 @@
         <a:cs typeface="+mn-cs"/>
       </a:defRPr>
     </a:lvl7pPr>
-    <a:lvl8pPr marL="3200400" algn="l" defTabSz="914400" rtl="0" eaLnBrk="1" latinLnBrk="0" hangingPunct="1">
+    <a:lvl8pPr marL="3200400" algn="l" defTabSz="457200" rtl="0" eaLnBrk="1" latinLnBrk="0" hangingPunct="1">
       <a:defRPr sz="1800" kern="1200">
         <a:solidFill>
           <a:schemeClr val="tx1"/>
@@ -100,7 +105,7 @@
         <a:cs typeface="+mn-cs"/>
       </a:defRPr>
     </a:lvl8pPr>
-    <a:lvl9pPr marL="3657600" algn="l" defTabSz="914400" rtl="0" eaLnBrk="1" latinLnBrk="0" hangingPunct="1">
+    <a:lvl9pPr marL="3657600" algn="l" defTabSz="457200" rtl="0" eaLnBrk="1" latinLnBrk="0" hangingPunct="1">
       <a:defRPr sz="1800" kern="1200">
         <a:solidFill>
           <a:schemeClr val="tx1"/>
@@ -111,7 +116,3483 @@
       </a:defRPr>
     </a:lvl9pPr>
   </p:defaultTextStyle>
+  <p:extLst>
+    <p:ext uri="{EFAFB233-063F-42B5-8137-9DF3F51BA10A}">
+      <p15:sldGuideLst xmlns:p15="http://schemas.microsoft.com/office/powerpoint/2012/main"/>
+    </p:ext>
+  </p:extLst>
 </p:presentation>
+</file>
+
+<file path=ppt/diagrams/colors1.xml><?xml version="1.0" encoding="utf-8"?>
+<dgm:colorsDef xmlns:dgm="http://schemas.openxmlformats.org/drawingml/2006/diagram" xmlns:a="http://schemas.openxmlformats.org/drawingml/2006/main" uniqueId="urn:microsoft.com/office/officeart/2018/5/colors/Iconchunking_neutralbg_accent1_2">
+  <dgm:title val=""/>
+  <dgm:desc val=""/>
+  <dgm:catLst>
+    <dgm:cat type="accent1" pri="11200"/>
+  </dgm:catLst>
+  <dgm:styleLbl name="node0">
+    <dgm:fillClrLst meth="repeat">
+      <a:schemeClr val="accent1"/>
+    </dgm:fillClrLst>
+    <dgm:linClrLst meth="repeat">
+      <a:schemeClr val="lt1"/>
+    </dgm:linClrLst>
+    <dgm:effectClrLst/>
+    <dgm:txLinClrLst/>
+    <dgm:txFillClrLst/>
+    <dgm:txEffectClrLst/>
+  </dgm:styleLbl>
+  <dgm:styleLbl name="alignNode1">
+    <dgm:fillClrLst meth="repeat">
+      <a:schemeClr val="accent1"/>
+    </dgm:fillClrLst>
+    <dgm:linClrLst meth="repeat">
+      <a:schemeClr val="accent1"/>
+    </dgm:linClrLst>
+    <dgm:effectClrLst/>
+    <dgm:txLinClrLst/>
+    <dgm:txFillClrLst/>
+    <dgm:txEffectClrLst/>
+  </dgm:styleLbl>
+  <dgm:styleLbl name="node1">
+    <dgm:fillClrLst meth="repeat">
+      <a:schemeClr val="accent1"/>
+    </dgm:fillClrLst>
+    <dgm:linClrLst meth="repeat">
+      <a:schemeClr val="lt1">
+        <a:alpha val="0"/>
+      </a:schemeClr>
+    </dgm:linClrLst>
+    <dgm:effectClrLst/>
+    <dgm:txLinClrLst/>
+    <dgm:txFillClrLst/>
+    <dgm:txEffectClrLst/>
+  </dgm:styleLbl>
+  <dgm:styleLbl name="lnNode1">
+    <dgm:fillClrLst meth="repeat">
+      <a:schemeClr val="accent1"/>
+    </dgm:fillClrLst>
+    <dgm:linClrLst meth="repeat">
+      <a:schemeClr val="lt1"/>
+    </dgm:linClrLst>
+    <dgm:effectClrLst/>
+    <dgm:txLinClrLst/>
+    <dgm:txFillClrLst/>
+    <dgm:txEffectClrLst/>
+  </dgm:styleLbl>
+  <dgm:styleLbl name="vennNode1">
+    <dgm:fillClrLst meth="repeat">
+      <a:schemeClr val="accent1">
+        <a:alpha val="50000"/>
+      </a:schemeClr>
+    </dgm:fillClrLst>
+    <dgm:linClrLst meth="repeat">
+      <a:schemeClr val="lt1"/>
+    </dgm:linClrLst>
+    <dgm:effectClrLst/>
+    <dgm:txLinClrLst/>
+    <dgm:txFillClrLst/>
+    <dgm:txEffectClrLst/>
+  </dgm:styleLbl>
+  <dgm:styleLbl name="node2">
+    <dgm:fillClrLst meth="repeat">
+      <a:schemeClr val="accent1"/>
+    </dgm:fillClrLst>
+    <dgm:linClrLst meth="repeat">
+      <a:schemeClr val="lt1"/>
+    </dgm:linClrLst>
+    <dgm:effectClrLst/>
+    <dgm:txLinClrLst/>
+    <dgm:txFillClrLst/>
+    <dgm:txEffectClrLst/>
+  </dgm:styleLbl>
+  <dgm:styleLbl name="node3">
+    <dgm:fillClrLst meth="repeat">
+      <a:schemeClr val="accent1"/>
+    </dgm:fillClrLst>
+    <dgm:linClrLst meth="repeat">
+      <a:schemeClr val="lt1"/>
+    </dgm:linClrLst>
+    <dgm:effectClrLst/>
+    <dgm:txLinClrLst/>
+    <dgm:txFillClrLst/>
+    <dgm:txEffectClrLst/>
+  </dgm:styleLbl>
+  <dgm:styleLbl name="node4">
+    <dgm:fillClrLst meth="repeat">
+      <a:schemeClr val="accent1"/>
+    </dgm:fillClrLst>
+    <dgm:linClrLst meth="repeat">
+      <a:schemeClr val="lt1"/>
+    </dgm:linClrLst>
+    <dgm:effectClrLst/>
+    <dgm:txLinClrLst/>
+    <dgm:txFillClrLst/>
+    <dgm:txEffectClrLst/>
+  </dgm:styleLbl>
+  <dgm:styleLbl name="fgImgPlace1">
+    <dgm:fillClrLst meth="repeat">
+      <a:schemeClr val="accent1">
+        <a:tint val="50000"/>
+      </a:schemeClr>
+    </dgm:fillClrLst>
+    <dgm:linClrLst meth="repeat">
+      <a:schemeClr val="lt1"/>
+    </dgm:linClrLst>
+    <dgm:effectClrLst/>
+    <dgm:txLinClrLst/>
+    <dgm:txFillClrLst meth="repeat">
+      <a:schemeClr val="lt1"/>
+    </dgm:txFillClrLst>
+    <dgm:txEffectClrLst/>
+  </dgm:styleLbl>
+  <dgm:styleLbl name="alignImgPlace1">
+    <dgm:fillClrLst meth="repeat">
+      <a:schemeClr val="accent1">
+        <a:tint val="50000"/>
+      </a:schemeClr>
+    </dgm:fillClrLst>
+    <dgm:linClrLst meth="repeat">
+      <a:schemeClr val="lt1"/>
+    </dgm:linClrLst>
+    <dgm:effectClrLst/>
+    <dgm:txLinClrLst/>
+    <dgm:txFillClrLst meth="repeat">
+      <a:schemeClr val="lt1"/>
+    </dgm:txFillClrLst>
+    <dgm:txEffectClrLst/>
+  </dgm:styleLbl>
+  <dgm:styleLbl name="bgImgPlace1">
+    <dgm:fillClrLst meth="repeat">
+      <a:schemeClr val="accent1">
+        <a:tint val="50000"/>
+      </a:schemeClr>
+    </dgm:fillClrLst>
+    <dgm:linClrLst meth="repeat">
+      <a:schemeClr val="lt1"/>
+    </dgm:linClrLst>
+    <dgm:effectClrLst/>
+    <dgm:txLinClrLst/>
+    <dgm:txFillClrLst meth="repeat">
+      <a:schemeClr val="lt1"/>
+    </dgm:txFillClrLst>
+    <dgm:txEffectClrLst/>
+  </dgm:styleLbl>
+  <dgm:styleLbl name="sibTrans2D1">
+    <dgm:fillClrLst meth="repeat">
+      <a:schemeClr val="accent1">
+        <a:tint val="60000"/>
+      </a:schemeClr>
+    </dgm:fillClrLst>
+    <dgm:linClrLst meth="repeat">
+      <a:schemeClr val="accent1">
+        <a:tint val="60000"/>
+      </a:schemeClr>
+    </dgm:linClrLst>
+    <dgm:effectClrLst/>
+    <dgm:txLinClrLst/>
+    <dgm:txFillClrLst/>
+    <dgm:txEffectClrLst/>
+  </dgm:styleLbl>
+  <dgm:styleLbl name="fgSibTrans2D1">
+    <dgm:fillClrLst meth="repeat">
+      <a:schemeClr val="accent1">
+        <a:tint val="60000"/>
+      </a:schemeClr>
+    </dgm:fillClrLst>
+    <dgm:linClrLst meth="repeat">
+      <a:schemeClr val="accent1">
+        <a:tint val="60000"/>
+      </a:schemeClr>
+    </dgm:linClrLst>
+    <dgm:effectClrLst/>
+    <dgm:txLinClrLst/>
+    <dgm:txFillClrLst/>
+    <dgm:txEffectClrLst/>
+  </dgm:styleLbl>
+  <dgm:styleLbl name="bgSibTrans2D1">
+    <dgm:fillClrLst meth="repeat">
+      <a:schemeClr val="accent1">
+        <a:tint val="60000"/>
+      </a:schemeClr>
+    </dgm:fillClrLst>
+    <dgm:linClrLst meth="repeat">
+      <a:schemeClr val="accent1">
+        <a:tint val="60000"/>
+      </a:schemeClr>
+    </dgm:linClrLst>
+    <dgm:effectClrLst/>
+    <dgm:txLinClrLst/>
+    <dgm:txFillClrLst/>
+    <dgm:txEffectClrLst/>
+  </dgm:styleLbl>
+  <dgm:styleLbl name="sibTrans1D1">
+    <dgm:fillClrLst meth="repeat">
+      <a:schemeClr val="accent1"/>
+    </dgm:fillClrLst>
+    <dgm:linClrLst meth="repeat">
+      <a:schemeClr val="accent1"/>
+    </dgm:linClrLst>
+    <dgm:effectClrLst/>
+    <dgm:txLinClrLst/>
+    <dgm:txFillClrLst meth="repeat">
+      <a:schemeClr val="tx1"/>
+    </dgm:txFillClrLst>
+    <dgm:txEffectClrLst/>
+  </dgm:styleLbl>
+  <dgm:styleLbl name="callout">
+    <dgm:fillClrLst meth="repeat">
+      <a:schemeClr val="accent1"/>
+    </dgm:fillClrLst>
+    <dgm:linClrLst meth="repeat">
+      <a:schemeClr val="accent1">
+        <a:tint val="50000"/>
+      </a:schemeClr>
+    </dgm:linClrLst>
+    <dgm:effectClrLst/>
+    <dgm:txLinClrLst/>
+    <dgm:txFillClrLst meth="repeat">
+      <a:schemeClr val="tx1"/>
+    </dgm:txFillClrLst>
+    <dgm:txEffectClrLst/>
+  </dgm:styleLbl>
+  <dgm:styleLbl name="asst0">
+    <dgm:fillClrLst meth="repeat">
+      <a:schemeClr val="accent1"/>
+    </dgm:fillClrLst>
+    <dgm:linClrLst meth="repeat">
+      <a:schemeClr val="lt1"/>
+    </dgm:linClrLst>
+    <dgm:effectClrLst/>
+    <dgm:txLinClrLst/>
+    <dgm:txFillClrLst/>
+    <dgm:txEffectClrLst/>
+  </dgm:styleLbl>
+  <dgm:styleLbl name="asst1">
+    <dgm:fillClrLst meth="repeat">
+      <a:schemeClr val="accent1"/>
+    </dgm:fillClrLst>
+    <dgm:linClrLst meth="repeat">
+      <a:schemeClr val="lt1"/>
+    </dgm:linClrLst>
+    <dgm:effectClrLst/>
+    <dgm:txLinClrLst/>
+    <dgm:txFillClrLst/>
+    <dgm:txEffectClrLst/>
+  </dgm:styleLbl>
+  <dgm:styleLbl name="asst2">
+    <dgm:fillClrLst meth="repeat">
+      <a:schemeClr val="accent1"/>
+    </dgm:fillClrLst>
+    <dgm:linClrLst meth="repeat">
+      <a:schemeClr val="lt1"/>
+    </dgm:linClrLst>
+    <dgm:effectClrLst/>
+    <dgm:txLinClrLst/>
+    <dgm:txFillClrLst/>
+    <dgm:txEffectClrLst/>
+  </dgm:styleLbl>
+  <dgm:styleLbl name="asst3">
+    <dgm:fillClrLst meth="repeat">
+      <a:schemeClr val="accent1"/>
+    </dgm:fillClrLst>
+    <dgm:linClrLst meth="repeat">
+      <a:schemeClr val="lt1"/>
+    </dgm:linClrLst>
+    <dgm:effectClrLst/>
+    <dgm:txLinClrLst/>
+    <dgm:txFillClrLst/>
+    <dgm:txEffectClrLst/>
+  </dgm:styleLbl>
+  <dgm:styleLbl name="asst4">
+    <dgm:fillClrLst meth="repeat">
+      <a:schemeClr val="accent1"/>
+    </dgm:fillClrLst>
+    <dgm:linClrLst meth="repeat">
+      <a:schemeClr val="lt1"/>
+    </dgm:linClrLst>
+    <dgm:effectClrLst/>
+    <dgm:txLinClrLst/>
+    <dgm:txFillClrLst/>
+    <dgm:txEffectClrLst/>
+  </dgm:styleLbl>
+  <dgm:styleLbl name="parChTrans2D1">
+    <dgm:fillClrLst meth="repeat">
+      <a:schemeClr val="accent1">
+        <a:tint val="60000"/>
+      </a:schemeClr>
+    </dgm:fillClrLst>
+    <dgm:linClrLst meth="repeat">
+      <a:schemeClr val="accent1">
+        <a:tint val="60000"/>
+      </a:schemeClr>
+    </dgm:linClrLst>
+    <dgm:effectClrLst/>
+    <dgm:txLinClrLst/>
+    <dgm:txFillClrLst meth="repeat">
+      <a:schemeClr val="lt1"/>
+    </dgm:txFillClrLst>
+    <dgm:txEffectClrLst/>
+  </dgm:styleLbl>
+  <dgm:styleLbl name="parChTrans2D2">
+    <dgm:fillClrLst meth="repeat">
+      <a:schemeClr val="accent1"/>
+    </dgm:fillClrLst>
+    <dgm:linClrLst meth="repeat">
+      <a:schemeClr val="accent1"/>
+    </dgm:linClrLst>
+    <dgm:effectClrLst/>
+    <dgm:txLinClrLst/>
+    <dgm:txFillClrLst meth="repeat">
+      <a:schemeClr val="lt1"/>
+    </dgm:txFillClrLst>
+    <dgm:txEffectClrLst/>
+  </dgm:styleLbl>
+  <dgm:styleLbl name="parChTrans2D3">
+    <dgm:fillClrLst meth="repeat">
+      <a:schemeClr val="accent1"/>
+    </dgm:fillClrLst>
+    <dgm:linClrLst meth="repeat">
+      <a:schemeClr val="accent1"/>
+    </dgm:linClrLst>
+    <dgm:effectClrLst/>
+    <dgm:txLinClrLst/>
+    <dgm:txFillClrLst meth="repeat">
+      <a:schemeClr val="lt1"/>
+    </dgm:txFillClrLst>
+    <dgm:txEffectClrLst/>
+  </dgm:styleLbl>
+  <dgm:styleLbl name="parChTrans2D4">
+    <dgm:fillClrLst meth="repeat">
+      <a:schemeClr val="accent1"/>
+    </dgm:fillClrLst>
+    <dgm:linClrLst meth="repeat">
+      <a:schemeClr val="accent1"/>
+    </dgm:linClrLst>
+    <dgm:effectClrLst/>
+    <dgm:txLinClrLst/>
+    <dgm:txFillClrLst meth="repeat">
+      <a:schemeClr val="lt1"/>
+    </dgm:txFillClrLst>
+    <dgm:txEffectClrLst/>
+  </dgm:styleLbl>
+  <dgm:styleLbl name="parChTrans1D1">
+    <dgm:fillClrLst meth="repeat">
+      <a:schemeClr val="accent1"/>
+    </dgm:fillClrLst>
+    <dgm:linClrLst meth="repeat">
+      <a:schemeClr val="accent1">
+        <a:shade val="60000"/>
+      </a:schemeClr>
+    </dgm:linClrLst>
+    <dgm:effectClrLst/>
+    <dgm:txLinClrLst/>
+    <dgm:txFillClrLst meth="repeat">
+      <a:schemeClr val="tx1"/>
+    </dgm:txFillClrLst>
+    <dgm:txEffectClrLst/>
+  </dgm:styleLbl>
+  <dgm:styleLbl name="parChTrans1D2">
+    <dgm:fillClrLst meth="repeat">
+      <a:schemeClr val="accent1"/>
+    </dgm:fillClrLst>
+    <dgm:linClrLst meth="repeat">
+      <a:schemeClr val="accent1">
+        <a:shade val="60000"/>
+      </a:schemeClr>
+    </dgm:linClrLst>
+    <dgm:effectClrLst/>
+    <dgm:txLinClrLst/>
+    <dgm:txFillClrLst meth="repeat">
+      <a:schemeClr val="tx1"/>
+    </dgm:txFillClrLst>
+    <dgm:txEffectClrLst/>
+  </dgm:styleLbl>
+  <dgm:styleLbl name="parChTrans1D3">
+    <dgm:fillClrLst meth="repeat">
+      <a:schemeClr val="accent1"/>
+    </dgm:fillClrLst>
+    <dgm:linClrLst meth="repeat">
+      <a:schemeClr val="accent1">
+        <a:shade val="80000"/>
+      </a:schemeClr>
+    </dgm:linClrLst>
+    <dgm:effectClrLst/>
+    <dgm:txLinClrLst/>
+    <dgm:txFillClrLst meth="repeat">
+      <a:schemeClr val="tx1"/>
+    </dgm:txFillClrLst>
+    <dgm:txEffectClrLst/>
+  </dgm:styleLbl>
+  <dgm:styleLbl name="parChTrans1D4">
+    <dgm:fillClrLst meth="repeat">
+      <a:schemeClr val="accent1"/>
+    </dgm:fillClrLst>
+    <dgm:linClrLst meth="repeat">
+      <a:schemeClr val="accent1">
+        <a:shade val="80000"/>
+      </a:schemeClr>
+    </dgm:linClrLst>
+    <dgm:effectClrLst/>
+    <dgm:txLinClrLst/>
+    <dgm:txFillClrLst meth="repeat">
+      <a:schemeClr val="tx1"/>
+    </dgm:txFillClrLst>
+    <dgm:txEffectClrLst/>
+  </dgm:styleLbl>
+  <dgm:styleLbl name="fgAcc1">
+    <dgm:fillClrLst meth="repeat">
+      <a:schemeClr val="lt1">
+        <a:alpha val="90000"/>
+      </a:schemeClr>
+    </dgm:fillClrLst>
+    <dgm:linClrLst meth="repeat">
+      <a:schemeClr val="accent1"/>
+    </dgm:linClrLst>
+    <dgm:effectClrLst/>
+    <dgm:txLinClrLst/>
+    <dgm:txFillClrLst meth="repeat">
+      <a:schemeClr val="dk1"/>
+    </dgm:txFillClrLst>
+    <dgm:txEffectClrLst/>
+  </dgm:styleLbl>
+  <dgm:styleLbl name="conFgAcc1">
+    <dgm:fillClrLst meth="repeat">
+      <a:schemeClr val="lt1">
+        <a:alpha val="90000"/>
+      </a:schemeClr>
+    </dgm:fillClrLst>
+    <dgm:linClrLst meth="repeat">
+      <a:schemeClr val="accent1"/>
+    </dgm:linClrLst>
+    <dgm:effectClrLst/>
+    <dgm:txLinClrLst/>
+    <dgm:txFillClrLst meth="repeat">
+      <a:schemeClr val="dk1"/>
+    </dgm:txFillClrLst>
+    <dgm:txEffectClrLst/>
+  </dgm:styleLbl>
+  <dgm:styleLbl name="alignAcc1">
+    <dgm:fillClrLst meth="repeat">
+      <a:schemeClr val="lt1">
+        <a:alpha val="90000"/>
+      </a:schemeClr>
+    </dgm:fillClrLst>
+    <dgm:linClrLst meth="repeat">
+      <a:schemeClr val="accent1"/>
+    </dgm:linClrLst>
+    <dgm:effectClrLst/>
+    <dgm:txLinClrLst/>
+    <dgm:txFillClrLst meth="repeat">
+      <a:schemeClr val="dk1"/>
+    </dgm:txFillClrLst>
+    <dgm:txEffectClrLst/>
+  </dgm:styleLbl>
+  <dgm:styleLbl name="trAlignAcc1">
+    <dgm:fillClrLst meth="repeat">
+      <a:schemeClr val="lt1">
+        <a:alpha val="40000"/>
+      </a:schemeClr>
+    </dgm:fillClrLst>
+    <dgm:linClrLst meth="repeat">
+      <a:schemeClr val="accent1"/>
+    </dgm:linClrLst>
+    <dgm:effectClrLst/>
+    <dgm:txLinClrLst/>
+    <dgm:txFillClrLst meth="repeat">
+      <a:schemeClr val="dk1"/>
+    </dgm:txFillClrLst>
+    <dgm:txEffectClrLst/>
+  </dgm:styleLbl>
+  <dgm:styleLbl name="bgAcc1">
+    <dgm:fillClrLst meth="repeat">
+      <a:schemeClr val="lt1">
+        <a:alpha val="90000"/>
+      </a:schemeClr>
+    </dgm:fillClrLst>
+    <dgm:linClrLst meth="repeat">
+      <a:schemeClr val="accent1"/>
+    </dgm:linClrLst>
+    <dgm:effectClrLst/>
+    <dgm:txLinClrLst/>
+    <dgm:txFillClrLst meth="repeat">
+      <a:schemeClr val="dk1"/>
+    </dgm:txFillClrLst>
+    <dgm:txEffectClrLst/>
+  </dgm:styleLbl>
+  <dgm:styleLbl name="solidFgAcc1">
+    <dgm:fillClrLst meth="repeat">
+      <a:schemeClr val="lt1"/>
+    </dgm:fillClrLst>
+    <dgm:linClrLst meth="repeat">
+      <a:schemeClr val="accent1"/>
+    </dgm:linClrLst>
+    <dgm:effectClrLst/>
+    <dgm:txLinClrLst/>
+    <dgm:txFillClrLst meth="repeat">
+      <a:schemeClr val="dk1"/>
+    </dgm:txFillClrLst>
+    <dgm:txEffectClrLst/>
+  </dgm:styleLbl>
+  <dgm:styleLbl name="solidAlignAcc1">
+    <dgm:fillClrLst meth="repeat">
+      <a:schemeClr val="lt1"/>
+    </dgm:fillClrLst>
+    <dgm:linClrLst meth="repeat">
+      <a:schemeClr val="accent1"/>
+    </dgm:linClrLst>
+    <dgm:effectClrLst/>
+    <dgm:txLinClrLst/>
+    <dgm:txFillClrLst meth="repeat">
+      <a:schemeClr val="dk1"/>
+    </dgm:txFillClrLst>
+    <dgm:txEffectClrLst/>
+  </dgm:styleLbl>
+  <dgm:styleLbl name="solidBgAcc1">
+    <dgm:fillClrLst meth="repeat">
+      <a:schemeClr val="lt1"/>
+    </dgm:fillClrLst>
+    <dgm:linClrLst meth="repeat">
+      <a:schemeClr val="accent1"/>
+    </dgm:linClrLst>
+    <dgm:effectClrLst/>
+    <dgm:txLinClrLst/>
+    <dgm:txFillClrLst meth="repeat">
+      <a:schemeClr val="dk1"/>
+    </dgm:txFillClrLst>
+    <dgm:txEffectClrLst/>
+  </dgm:styleLbl>
+  <dgm:styleLbl name="fgAccFollowNode1">
+    <dgm:fillClrLst meth="repeat">
+      <a:schemeClr val="accent1">
+        <a:alpha val="90000"/>
+        <a:tint val="40000"/>
+      </a:schemeClr>
+    </dgm:fillClrLst>
+    <dgm:linClrLst meth="repeat">
+      <a:schemeClr val="accent1">
+        <a:alpha val="90000"/>
+        <a:tint val="40000"/>
+      </a:schemeClr>
+    </dgm:linClrLst>
+    <dgm:effectClrLst/>
+    <dgm:txLinClrLst/>
+    <dgm:txFillClrLst meth="repeat">
+      <a:schemeClr val="dk1"/>
+    </dgm:txFillClrLst>
+    <dgm:txEffectClrLst/>
+  </dgm:styleLbl>
+  <dgm:styleLbl name="alignAccFollowNode1">
+    <dgm:fillClrLst meth="repeat">
+      <a:schemeClr val="accent1">
+        <a:alpha val="90000"/>
+        <a:tint val="40000"/>
+      </a:schemeClr>
+    </dgm:fillClrLst>
+    <dgm:linClrLst meth="repeat">
+      <a:schemeClr val="accent1">
+        <a:alpha val="90000"/>
+        <a:tint val="40000"/>
+      </a:schemeClr>
+    </dgm:linClrLst>
+    <dgm:effectClrLst/>
+    <dgm:txLinClrLst/>
+    <dgm:txFillClrLst meth="repeat">
+      <a:schemeClr val="dk1"/>
+    </dgm:txFillClrLst>
+    <dgm:txEffectClrLst/>
+  </dgm:styleLbl>
+  <dgm:styleLbl name="bgAccFollowNode1">
+    <dgm:fillClrLst meth="repeat">
+      <a:schemeClr val="accent1">
+        <a:alpha val="90000"/>
+        <a:tint val="40000"/>
+      </a:schemeClr>
+    </dgm:fillClrLst>
+    <dgm:linClrLst meth="repeat">
+      <a:schemeClr val="accent1">
+        <a:alpha val="90000"/>
+        <a:tint val="40000"/>
+      </a:schemeClr>
+    </dgm:linClrLst>
+    <dgm:effectClrLst/>
+    <dgm:txLinClrLst/>
+    <dgm:txFillClrLst meth="repeat">
+      <a:schemeClr val="dk1"/>
+    </dgm:txFillClrLst>
+    <dgm:txEffectClrLst/>
+  </dgm:styleLbl>
+  <dgm:styleLbl name="fgAcc0">
+    <dgm:fillClrLst meth="repeat">
+      <a:schemeClr val="lt1">
+        <a:alpha val="90000"/>
+      </a:schemeClr>
+    </dgm:fillClrLst>
+    <dgm:linClrLst meth="repeat">
+      <a:schemeClr val="accent1"/>
+    </dgm:linClrLst>
+    <dgm:effectClrLst/>
+    <dgm:txLinClrLst/>
+    <dgm:txFillClrLst meth="repeat">
+      <a:schemeClr val="dk1"/>
+    </dgm:txFillClrLst>
+    <dgm:txEffectClrLst/>
+  </dgm:styleLbl>
+  <dgm:styleLbl name="fgAcc2">
+    <dgm:fillClrLst meth="repeat">
+      <a:schemeClr val="lt1">
+        <a:alpha val="90000"/>
+      </a:schemeClr>
+    </dgm:fillClrLst>
+    <dgm:linClrLst meth="repeat">
+      <a:schemeClr val="accent1"/>
+    </dgm:linClrLst>
+    <dgm:effectClrLst/>
+    <dgm:txLinClrLst/>
+    <dgm:txFillClrLst meth="repeat">
+      <a:schemeClr val="dk1"/>
+    </dgm:txFillClrLst>
+    <dgm:txEffectClrLst/>
+  </dgm:styleLbl>
+  <dgm:styleLbl name="fgAcc3">
+    <dgm:fillClrLst meth="repeat">
+      <a:schemeClr val="lt1">
+        <a:alpha val="90000"/>
+      </a:schemeClr>
+    </dgm:fillClrLst>
+    <dgm:linClrLst meth="repeat">
+      <a:schemeClr val="accent1"/>
+    </dgm:linClrLst>
+    <dgm:effectClrLst/>
+    <dgm:txLinClrLst/>
+    <dgm:txFillClrLst meth="repeat">
+      <a:schemeClr val="dk1"/>
+    </dgm:txFillClrLst>
+    <dgm:txEffectClrLst/>
+  </dgm:styleLbl>
+  <dgm:styleLbl name="fgAcc4">
+    <dgm:fillClrLst meth="repeat">
+      <a:schemeClr val="lt1">
+        <a:alpha val="90000"/>
+      </a:schemeClr>
+    </dgm:fillClrLst>
+    <dgm:linClrLst meth="repeat">
+      <a:schemeClr val="accent1"/>
+    </dgm:linClrLst>
+    <dgm:effectClrLst/>
+    <dgm:txLinClrLst/>
+    <dgm:txFillClrLst meth="repeat">
+      <a:schemeClr val="dk1"/>
+    </dgm:txFillClrLst>
+    <dgm:txEffectClrLst/>
+  </dgm:styleLbl>
+  <dgm:styleLbl name="bgShp">
+    <dgm:fillClrLst meth="repeat">
+      <a:schemeClr val="bg1">
+        <a:lumMod val="95000"/>
+      </a:schemeClr>
+    </dgm:fillClrLst>
+    <dgm:linClrLst meth="repeat">
+      <a:schemeClr val="accent1"/>
+    </dgm:linClrLst>
+    <dgm:effectClrLst/>
+    <dgm:txLinClrLst/>
+    <dgm:txFillClrLst meth="repeat">
+      <a:schemeClr val="dk1"/>
+    </dgm:txFillClrLst>
+    <dgm:txEffectClrLst/>
+  </dgm:styleLbl>
+  <dgm:styleLbl name="dkBgShp">
+    <dgm:fillClrLst meth="repeat">
+      <a:schemeClr val="accent1">
+        <a:shade val="80000"/>
+      </a:schemeClr>
+    </dgm:fillClrLst>
+    <dgm:linClrLst meth="repeat">
+      <a:schemeClr val="accent1"/>
+    </dgm:linClrLst>
+    <dgm:effectClrLst/>
+    <dgm:txLinClrLst/>
+    <dgm:txFillClrLst meth="repeat">
+      <a:schemeClr val="lt1"/>
+    </dgm:txFillClrLst>
+    <dgm:txEffectClrLst/>
+  </dgm:styleLbl>
+  <dgm:styleLbl name="trBgShp">
+    <dgm:fillClrLst meth="repeat">
+      <a:schemeClr val="accent1">
+        <a:tint val="50000"/>
+        <a:alpha val="40000"/>
+      </a:schemeClr>
+    </dgm:fillClrLst>
+    <dgm:linClrLst meth="repeat">
+      <a:schemeClr val="accent1"/>
+    </dgm:linClrLst>
+    <dgm:effectClrLst/>
+    <dgm:txLinClrLst/>
+    <dgm:txFillClrLst meth="repeat">
+      <a:schemeClr val="lt1"/>
+    </dgm:txFillClrLst>
+    <dgm:txEffectClrLst/>
+  </dgm:styleLbl>
+  <dgm:styleLbl name="fgShp">
+    <dgm:fillClrLst meth="repeat">
+      <a:schemeClr val="accent1">
+        <a:tint val="60000"/>
+      </a:schemeClr>
+    </dgm:fillClrLst>
+    <dgm:linClrLst meth="repeat">
+      <a:schemeClr val="lt1"/>
+    </dgm:linClrLst>
+    <dgm:effectClrLst/>
+    <dgm:txLinClrLst/>
+    <dgm:txFillClrLst meth="repeat">
+      <a:schemeClr val="dk1"/>
+    </dgm:txFillClrLst>
+    <dgm:txEffectClrLst/>
+  </dgm:styleLbl>
+  <dgm:styleLbl name="revTx">
+    <dgm:fillClrLst meth="repeat">
+      <a:schemeClr val="lt1">
+        <a:alpha val="0"/>
+      </a:schemeClr>
+    </dgm:fillClrLst>
+    <dgm:linClrLst meth="repeat">
+      <a:schemeClr val="dk1">
+        <a:alpha val="0"/>
+      </a:schemeClr>
+    </dgm:linClrLst>
+    <dgm:effectClrLst/>
+    <dgm:txLinClrLst/>
+    <dgm:txFillClrLst meth="repeat">
+      <a:schemeClr val="tx1"/>
+    </dgm:txFillClrLst>
+    <dgm:txEffectClrLst/>
+  </dgm:styleLbl>
+</dgm:colorsDef>
+</file>
+
+<file path=ppt/diagrams/data1.xml><?xml version="1.0" encoding="utf-8"?>
+<dgm:dataModel xmlns:dgm="http://schemas.openxmlformats.org/drawingml/2006/diagram" xmlns:a="http://schemas.openxmlformats.org/drawingml/2006/main">
+  <dgm:ptLst>
+    <dgm:pt modelId="{E3BE4182-5216-4FEB-8DA6-A1AF8B855EA0}" type="doc">
+      <dgm:prSet loTypeId="urn:microsoft.com/office/officeart/2018/2/layout/IconLabelList" loCatId="icon" qsTypeId="urn:microsoft.com/office/officeart/2005/8/quickstyle/simple4" qsCatId="simple" csTypeId="urn:microsoft.com/office/officeart/2018/5/colors/Iconchunking_neutralbg_accent1_2" csCatId="accent1" phldr="1"/>
+      <dgm:spPr/>
+      <dgm:t>
+        <a:bodyPr/>
+        <a:lstStyle/>
+        <a:p>
+          <a:endParaRPr lang="en-US"/>
+        </a:p>
+      </dgm:t>
+    </dgm:pt>
+    <dgm:pt modelId="{F0EFCEAA-B36F-4AFD-9266-ABF4E0575452}">
+      <dgm:prSet/>
+      <dgm:spPr/>
+      <dgm:t>
+        <a:bodyPr/>
+        <a:lstStyle/>
+        <a:p>
+          <a:pPr>
+            <a:lnSpc>
+              <a:spcPct val="100000"/>
+            </a:lnSpc>
+          </a:pPr>
+          <a:r>
+            <a:rPr lang="en-US"/>
+            <a:t>PRIMARY SOURCES</a:t>
+          </a:r>
+        </a:p>
+      </dgm:t>
+    </dgm:pt>
+    <dgm:pt modelId="{E5DA0D99-1D1E-443B-ABD6-32ED8D951B98}" type="parTrans" cxnId="{A011F2F1-BDDD-4499-BDE8-6D47573626E7}">
+      <dgm:prSet/>
+      <dgm:spPr/>
+      <dgm:t>
+        <a:bodyPr/>
+        <a:lstStyle/>
+        <a:p>
+          <a:endParaRPr lang="en-US"/>
+        </a:p>
+      </dgm:t>
+    </dgm:pt>
+    <dgm:pt modelId="{B153AFD1-4B4E-46C5-A99E-223D3128150A}" type="sibTrans" cxnId="{A011F2F1-BDDD-4499-BDE8-6D47573626E7}">
+      <dgm:prSet/>
+      <dgm:spPr/>
+      <dgm:t>
+        <a:bodyPr/>
+        <a:lstStyle/>
+        <a:p>
+          <a:endParaRPr lang="en-US"/>
+        </a:p>
+      </dgm:t>
+    </dgm:pt>
+    <dgm:pt modelId="{FB1FC1C8-184A-477F-89A0-98C6C2BF7B71}">
+      <dgm:prSet/>
+      <dgm:spPr/>
+      <dgm:t>
+        <a:bodyPr/>
+        <a:lstStyle/>
+        <a:p>
+          <a:pPr>
+            <a:lnSpc>
+              <a:spcPct val="100000"/>
+            </a:lnSpc>
+          </a:pPr>
+          <a:r>
+            <a:rPr lang="en-US" dirty="0"/>
+            <a:t>Bureau of Transportation Statistics: www.bts.gov</a:t>
+          </a:r>
+        </a:p>
+        <a:p>
+          <a:pPr>
+            <a:lnSpc>
+              <a:spcPct val="100000"/>
+            </a:lnSpc>
+          </a:pPr>
+          <a:r>
+            <a:rPr lang="en-US" dirty="0"/>
+            <a:t>Available data included fares, passenger counts, and destinations</a:t>
+          </a:r>
+        </a:p>
+      </dgm:t>
+    </dgm:pt>
+    <dgm:pt modelId="{3ED713AD-971A-48C1-B86E-26015E15C115}" type="parTrans" cxnId="{9B595E02-C95A-47A5-AD37-219B9B99E7A1}">
+      <dgm:prSet/>
+      <dgm:spPr/>
+      <dgm:t>
+        <a:bodyPr/>
+        <a:lstStyle/>
+        <a:p>
+          <a:endParaRPr lang="en-US"/>
+        </a:p>
+      </dgm:t>
+    </dgm:pt>
+    <dgm:pt modelId="{A943D062-ACC7-4A38-8952-DB6E45D1FCF7}" type="sibTrans" cxnId="{9B595E02-C95A-47A5-AD37-219B9B99E7A1}">
+      <dgm:prSet/>
+      <dgm:spPr/>
+      <dgm:t>
+        <a:bodyPr/>
+        <a:lstStyle/>
+        <a:p>
+          <a:endParaRPr lang="en-US"/>
+        </a:p>
+      </dgm:t>
+    </dgm:pt>
+    <dgm:pt modelId="{CFF9382E-197A-457C-A08F-3D8728E2BC0B}">
+      <dgm:prSet/>
+      <dgm:spPr/>
+      <dgm:t>
+        <a:bodyPr/>
+        <a:lstStyle/>
+        <a:p>
+          <a:pPr>
+            <a:lnSpc>
+              <a:spcPct val="100000"/>
+            </a:lnSpc>
+          </a:pPr>
+          <a:r>
+            <a:rPr lang="en-US" dirty="0"/>
+            <a:t>• City of Austin: data.austintexas.gov</a:t>
+          </a:r>
+        </a:p>
+        <a:p>
+          <a:pPr>
+            <a:lnSpc>
+              <a:spcPct val="100000"/>
+            </a:lnSpc>
+          </a:pPr>
+          <a:r>
+            <a:rPr lang="en-US" dirty="0"/>
+            <a:t>Available data included passenger counts and customer surveys</a:t>
+          </a:r>
+        </a:p>
+      </dgm:t>
+    </dgm:pt>
+    <dgm:pt modelId="{49D7E76F-C7B7-479C-8ED0-2823999BC733}" type="parTrans" cxnId="{052B8766-EE9E-445B-90FD-F62494DB5FB6}">
+      <dgm:prSet/>
+      <dgm:spPr/>
+      <dgm:t>
+        <a:bodyPr/>
+        <a:lstStyle/>
+        <a:p>
+          <a:endParaRPr lang="en-US"/>
+        </a:p>
+      </dgm:t>
+    </dgm:pt>
+    <dgm:pt modelId="{DFA84237-6A81-4DBB-9772-ABE4AAD174D9}" type="sibTrans" cxnId="{052B8766-EE9E-445B-90FD-F62494DB5FB6}">
+      <dgm:prSet/>
+      <dgm:spPr/>
+      <dgm:t>
+        <a:bodyPr/>
+        <a:lstStyle/>
+        <a:p>
+          <a:endParaRPr lang="en-US"/>
+        </a:p>
+      </dgm:t>
+    </dgm:pt>
+    <dgm:pt modelId="{9EE8EB8B-EC38-4D00-8276-6CF69271B12F}">
+      <dgm:prSet/>
+      <dgm:spPr/>
+      <dgm:t>
+        <a:bodyPr/>
+        <a:lstStyle/>
+        <a:p>
+          <a:pPr>
+            <a:lnSpc>
+              <a:spcPct val="100000"/>
+            </a:lnSpc>
+          </a:pPr>
+          <a:r>
+            <a:rPr lang="en-US" dirty="0"/>
+            <a:t>Supplemental Sources</a:t>
+          </a:r>
+        </a:p>
+        <a:p>
+          <a:pPr>
+            <a:lnSpc>
+              <a:spcPct val="100000"/>
+            </a:lnSpc>
+          </a:pPr>
+          <a:r>
+            <a:rPr lang="en-US" dirty="0"/>
+            <a:t>Census.gov, ABIA website</a:t>
+          </a:r>
+        </a:p>
+      </dgm:t>
+    </dgm:pt>
+    <dgm:pt modelId="{A14940E2-031F-4979-8DD4-2C5782ACBC94}" type="parTrans" cxnId="{33EB318E-CF1A-493B-8428-AC394AC6FF5C}">
+      <dgm:prSet/>
+      <dgm:spPr/>
+      <dgm:t>
+        <a:bodyPr/>
+        <a:lstStyle/>
+        <a:p>
+          <a:endParaRPr lang="en-US"/>
+        </a:p>
+      </dgm:t>
+    </dgm:pt>
+    <dgm:pt modelId="{88D8C27D-F6E1-48CB-84A1-A0868E351A84}" type="sibTrans" cxnId="{33EB318E-CF1A-493B-8428-AC394AC6FF5C}">
+      <dgm:prSet/>
+      <dgm:spPr/>
+      <dgm:t>
+        <a:bodyPr/>
+        <a:lstStyle/>
+        <a:p>
+          <a:endParaRPr lang="en-US"/>
+        </a:p>
+      </dgm:t>
+    </dgm:pt>
+    <dgm:pt modelId="{15BD3E69-F9AA-43E9-8DD3-9625342895DA}">
+      <dgm:prSet/>
+      <dgm:spPr/>
+      <dgm:t>
+        <a:bodyPr/>
+        <a:lstStyle/>
+        <a:p>
+          <a:endParaRPr lang="en-US"/>
+        </a:p>
+      </dgm:t>
+    </dgm:pt>
+    <dgm:pt modelId="{BC641D2D-6CA8-40EB-BBB7-A1D66493BA1C}" type="parTrans" cxnId="{07A28BC3-CB63-4395-9076-90DF9F17DF12}">
+      <dgm:prSet/>
+      <dgm:spPr/>
+      <dgm:t>
+        <a:bodyPr/>
+        <a:lstStyle/>
+        <a:p>
+          <a:endParaRPr lang="en-US"/>
+        </a:p>
+      </dgm:t>
+    </dgm:pt>
+    <dgm:pt modelId="{B87A758E-6A23-45D4-B9D1-C8164F24021C}" type="sibTrans" cxnId="{07A28BC3-CB63-4395-9076-90DF9F17DF12}">
+      <dgm:prSet/>
+      <dgm:spPr/>
+      <dgm:t>
+        <a:bodyPr/>
+        <a:lstStyle/>
+        <a:p>
+          <a:endParaRPr lang="en-US"/>
+        </a:p>
+      </dgm:t>
+    </dgm:pt>
+    <dgm:pt modelId="{E6687791-43E2-412E-ACA2-4BE6ED203BB8}" type="pres">
+      <dgm:prSet presAssocID="{E3BE4182-5216-4FEB-8DA6-A1AF8B855EA0}" presName="root" presStyleCnt="0">
+        <dgm:presLayoutVars>
+          <dgm:dir/>
+          <dgm:resizeHandles val="exact"/>
+        </dgm:presLayoutVars>
+      </dgm:prSet>
+      <dgm:spPr/>
+    </dgm:pt>
+    <dgm:pt modelId="{40A23DA7-7D75-4E44-9BAF-58D2CC83E403}" type="pres">
+      <dgm:prSet presAssocID="{F0EFCEAA-B36F-4AFD-9266-ABF4E0575452}" presName="compNode" presStyleCnt="0"/>
+      <dgm:spPr/>
+    </dgm:pt>
+    <dgm:pt modelId="{1B922A86-F463-4433-9C39-4FF1C48D5090}" type="pres">
+      <dgm:prSet presAssocID="{F0EFCEAA-B36F-4AFD-9266-ABF4E0575452}" presName="iconRect" presStyleLbl="node1" presStyleIdx="0" presStyleCnt="4"/>
+      <dgm:spPr>
+        <a:blipFill>
+          <a:blip xmlns:r="http://schemas.openxmlformats.org/officeDocument/2006/relationships" r:embed="rId1">
+            <a:extLst>
+              <a:ext uri="{28A0092B-C50C-407E-A947-70E740481C1C}">
+                <a14:useLocalDpi xmlns:a14="http://schemas.microsoft.com/office/drawing/2010/main" val="0"/>
+              </a:ext>
+              <a:ext uri="{96DAC541-7B7A-43D3-8B79-37D633B846F1}">
+                <asvg:svgBlip xmlns:asvg="http://schemas.microsoft.com/office/drawing/2016/SVG/main" r:embed="rId2"/>
+              </a:ext>
+            </a:extLst>
+          </a:blip>
+          <a:stretch>
+            <a:fillRect/>
+          </a:stretch>
+        </a:blipFill>
+        <a:ln>
+          <a:noFill/>
+        </a:ln>
+      </dgm:spPr>
+      <dgm:extLst>
+        <a:ext uri="{E40237B7-FDA0-4F09-8148-C483321AD2D9}">
+          <dgm14:cNvPr xmlns:dgm14="http://schemas.microsoft.com/office/drawing/2010/diagram" id="0" name="" descr="Books"/>
+        </a:ext>
+      </dgm:extLst>
+    </dgm:pt>
+    <dgm:pt modelId="{A3D9274C-343A-43C2-9776-02436DDE0D9A}" type="pres">
+      <dgm:prSet presAssocID="{F0EFCEAA-B36F-4AFD-9266-ABF4E0575452}" presName="spaceRect" presStyleCnt="0"/>
+      <dgm:spPr/>
+    </dgm:pt>
+    <dgm:pt modelId="{2C76C546-FED9-4EE4-8789-F0B2F5F0EC27}" type="pres">
+      <dgm:prSet presAssocID="{F0EFCEAA-B36F-4AFD-9266-ABF4E0575452}" presName="textRect" presStyleLbl="revTx" presStyleIdx="0" presStyleCnt="4">
+        <dgm:presLayoutVars>
+          <dgm:chMax val="1"/>
+          <dgm:chPref val="1"/>
+        </dgm:presLayoutVars>
+      </dgm:prSet>
+      <dgm:spPr/>
+    </dgm:pt>
+    <dgm:pt modelId="{BDD06407-B55C-4175-B13A-0FA30DA803CD}" type="pres">
+      <dgm:prSet presAssocID="{B153AFD1-4B4E-46C5-A99E-223D3128150A}" presName="sibTrans" presStyleCnt="0"/>
+      <dgm:spPr/>
+    </dgm:pt>
+    <dgm:pt modelId="{7CC9331A-51FF-4FBD-BD47-13F9EA7DF682}" type="pres">
+      <dgm:prSet presAssocID="{FB1FC1C8-184A-477F-89A0-98C6C2BF7B71}" presName="compNode" presStyleCnt="0"/>
+      <dgm:spPr/>
+    </dgm:pt>
+    <dgm:pt modelId="{022A81A8-E336-4AA6-85F6-84CCB05E1A1A}" type="pres">
+      <dgm:prSet presAssocID="{FB1FC1C8-184A-477F-89A0-98C6C2BF7B71}" presName="iconRect" presStyleLbl="node1" presStyleIdx="1" presStyleCnt="4"/>
+      <dgm:spPr>
+        <a:blipFill>
+          <a:blip xmlns:r="http://schemas.openxmlformats.org/officeDocument/2006/relationships" r:embed="rId3">
+            <a:extLst>
+              <a:ext uri="{28A0092B-C50C-407E-A947-70E740481C1C}">
+                <a14:useLocalDpi xmlns:a14="http://schemas.microsoft.com/office/drawing/2010/main" val="0"/>
+              </a:ext>
+              <a:ext uri="{96DAC541-7B7A-43D3-8B79-37D633B846F1}">
+                <asvg:svgBlip xmlns:asvg="http://schemas.microsoft.com/office/drawing/2016/SVG/main" r:embed="rId4"/>
+              </a:ext>
+            </a:extLst>
+          </a:blip>
+          <a:stretch>
+            <a:fillRect/>
+          </a:stretch>
+        </a:blipFill>
+        <a:ln>
+          <a:noFill/>
+        </a:ln>
+      </dgm:spPr>
+      <dgm:extLst>
+        <a:ext uri="{E40237B7-FDA0-4F09-8148-C483321AD2D9}">
+          <dgm14:cNvPr xmlns:dgm14="http://schemas.microsoft.com/office/drawing/2010/diagram" id="0" name="" descr="Airplane"/>
+        </a:ext>
+      </dgm:extLst>
+    </dgm:pt>
+    <dgm:pt modelId="{963A799D-002D-4CAB-B3D3-BA24B74BBD4D}" type="pres">
+      <dgm:prSet presAssocID="{FB1FC1C8-184A-477F-89A0-98C6C2BF7B71}" presName="spaceRect" presStyleCnt="0"/>
+      <dgm:spPr/>
+    </dgm:pt>
+    <dgm:pt modelId="{2DA82BC1-E19B-4BB4-A331-C207301ABE72}" type="pres">
+      <dgm:prSet presAssocID="{FB1FC1C8-184A-477F-89A0-98C6C2BF7B71}" presName="textRect" presStyleLbl="revTx" presStyleIdx="1" presStyleCnt="4">
+        <dgm:presLayoutVars>
+          <dgm:chMax val="1"/>
+          <dgm:chPref val="1"/>
+        </dgm:presLayoutVars>
+      </dgm:prSet>
+      <dgm:spPr/>
+    </dgm:pt>
+    <dgm:pt modelId="{8D1F26A9-F6FF-4AD8-8233-18AF7051E267}" type="pres">
+      <dgm:prSet presAssocID="{A943D062-ACC7-4A38-8952-DB6E45D1FCF7}" presName="sibTrans" presStyleCnt="0"/>
+      <dgm:spPr/>
+    </dgm:pt>
+    <dgm:pt modelId="{566BF1B0-2979-46A3-89F4-04AD398147B1}" type="pres">
+      <dgm:prSet presAssocID="{CFF9382E-197A-457C-A08F-3D8728E2BC0B}" presName="compNode" presStyleCnt="0"/>
+      <dgm:spPr/>
+    </dgm:pt>
+    <dgm:pt modelId="{9F1B2B11-ECA2-4A2E-AA6B-5B14EBF3C53D}" type="pres">
+      <dgm:prSet presAssocID="{CFF9382E-197A-457C-A08F-3D8728E2BC0B}" presName="iconRect" presStyleLbl="node1" presStyleIdx="2" presStyleCnt="4"/>
+      <dgm:spPr>
+        <a:blipFill>
+          <a:blip xmlns:r="http://schemas.openxmlformats.org/officeDocument/2006/relationships" r:embed="rId5">
+            <a:extLst>
+              <a:ext uri="{28A0092B-C50C-407E-A947-70E740481C1C}">
+                <a14:useLocalDpi xmlns:a14="http://schemas.microsoft.com/office/drawing/2010/main" val="0"/>
+              </a:ext>
+              <a:ext uri="{96DAC541-7B7A-43D3-8B79-37D633B846F1}">
+                <asvg:svgBlip xmlns:asvg="http://schemas.microsoft.com/office/drawing/2016/SVG/main" r:embed="rId6"/>
+              </a:ext>
+            </a:extLst>
+          </a:blip>
+          <a:stretch>
+            <a:fillRect/>
+          </a:stretch>
+        </a:blipFill>
+        <a:ln>
+          <a:noFill/>
+        </a:ln>
+      </dgm:spPr>
+      <dgm:extLst/>
+    </dgm:pt>
+    <dgm:pt modelId="{E915B123-569F-4C3A-81AA-AD6F8D4DDB15}" type="pres">
+      <dgm:prSet presAssocID="{CFF9382E-197A-457C-A08F-3D8728E2BC0B}" presName="spaceRect" presStyleCnt="0"/>
+      <dgm:spPr/>
+    </dgm:pt>
+    <dgm:pt modelId="{33894964-9AC7-4BB1-B184-E58AF1DD2E86}" type="pres">
+      <dgm:prSet presAssocID="{CFF9382E-197A-457C-A08F-3D8728E2BC0B}" presName="textRect" presStyleLbl="revTx" presStyleIdx="2" presStyleCnt="4" custScaleY="129489">
+        <dgm:presLayoutVars>
+          <dgm:chMax val="1"/>
+          <dgm:chPref val="1"/>
+        </dgm:presLayoutVars>
+      </dgm:prSet>
+      <dgm:spPr/>
+    </dgm:pt>
+    <dgm:pt modelId="{B0D99FD9-BAD3-40CF-A1D6-52FEBFFB7A7C}" type="pres">
+      <dgm:prSet presAssocID="{DFA84237-6A81-4DBB-9772-ABE4AAD174D9}" presName="sibTrans" presStyleCnt="0"/>
+      <dgm:spPr/>
+    </dgm:pt>
+    <dgm:pt modelId="{901D1463-5F0F-4B33-B7E8-4602B1F27055}" type="pres">
+      <dgm:prSet presAssocID="{9EE8EB8B-EC38-4D00-8276-6CF69271B12F}" presName="compNode" presStyleCnt="0"/>
+      <dgm:spPr/>
+    </dgm:pt>
+    <dgm:pt modelId="{806F9AA5-3CCD-47B1-89E0-A22CD9E5DE2C}" type="pres">
+      <dgm:prSet presAssocID="{9EE8EB8B-EC38-4D00-8276-6CF69271B12F}" presName="iconRect" presStyleLbl="node1" presStyleIdx="3" presStyleCnt="4"/>
+      <dgm:spPr>
+        <a:blipFill>
+          <a:blip xmlns:r="http://schemas.openxmlformats.org/officeDocument/2006/relationships" r:embed="rId7">
+            <a:extLst>
+              <a:ext uri="{28A0092B-C50C-407E-A947-70E740481C1C}">
+                <a14:useLocalDpi xmlns:a14="http://schemas.microsoft.com/office/drawing/2010/main" val="0"/>
+              </a:ext>
+              <a:ext uri="{96DAC541-7B7A-43D3-8B79-37D633B846F1}">
+                <asvg:svgBlip xmlns:asvg="http://schemas.microsoft.com/office/drawing/2016/SVG/main" r:embed="rId8"/>
+              </a:ext>
+            </a:extLst>
+          </a:blip>
+          <a:stretch>
+            <a:fillRect/>
+          </a:stretch>
+        </a:blipFill>
+        <a:ln>
+          <a:noFill/>
+        </a:ln>
+      </dgm:spPr>
+      <dgm:extLst>
+        <a:ext uri="{E40237B7-FDA0-4F09-8148-C483321AD2D9}">
+          <dgm14:cNvPr xmlns:dgm14="http://schemas.microsoft.com/office/drawing/2010/diagram" id="0" name="" descr="Bar chart"/>
+        </a:ext>
+      </dgm:extLst>
+    </dgm:pt>
+    <dgm:pt modelId="{A8072A44-B4A2-4DE5-91C4-7D59CE74D2F6}" type="pres">
+      <dgm:prSet presAssocID="{9EE8EB8B-EC38-4D00-8276-6CF69271B12F}" presName="spaceRect" presStyleCnt="0"/>
+      <dgm:spPr/>
+    </dgm:pt>
+    <dgm:pt modelId="{59CAB09E-438E-4CAA-A3C2-0AAE102DC20C}" type="pres">
+      <dgm:prSet presAssocID="{9EE8EB8B-EC38-4D00-8276-6CF69271B12F}" presName="textRect" presStyleLbl="revTx" presStyleIdx="3" presStyleCnt="4">
+        <dgm:presLayoutVars>
+          <dgm:chMax val="1"/>
+          <dgm:chPref val="1"/>
+        </dgm:presLayoutVars>
+      </dgm:prSet>
+      <dgm:spPr/>
+    </dgm:pt>
+  </dgm:ptLst>
+  <dgm:cxnLst>
+    <dgm:cxn modelId="{9B595E02-C95A-47A5-AD37-219B9B99E7A1}" srcId="{E3BE4182-5216-4FEB-8DA6-A1AF8B855EA0}" destId="{FB1FC1C8-184A-477F-89A0-98C6C2BF7B71}" srcOrd="1" destOrd="0" parTransId="{3ED713AD-971A-48C1-B86E-26015E15C115}" sibTransId="{A943D062-ACC7-4A38-8952-DB6E45D1FCF7}"/>
+    <dgm:cxn modelId="{690AC00C-E64E-450C-950E-B0C2A6462B7F}" type="presOf" srcId="{F0EFCEAA-B36F-4AFD-9266-ABF4E0575452}" destId="{2C76C546-FED9-4EE4-8789-F0B2F5F0EC27}" srcOrd="0" destOrd="0" presId="urn:microsoft.com/office/officeart/2018/2/layout/IconLabelList"/>
+    <dgm:cxn modelId="{79227A2C-C20F-42CA-8E50-A2E5F8E5162B}" type="presOf" srcId="{CFF9382E-197A-457C-A08F-3D8728E2BC0B}" destId="{33894964-9AC7-4BB1-B184-E58AF1DD2E86}" srcOrd="0" destOrd="0" presId="urn:microsoft.com/office/officeart/2018/2/layout/IconLabelList"/>
+    <dgm:cxn modelId="{1F72AF5D-55B8-4F18-967F-168C62405931}" type="presOf" srcId="{FB1FC1C8-184A-477F-89A0-98C6C2BF7B71}" destId="{2DA82BC1-E19B-4BB4-A331-C207301ABE72}" srcOrd="0" destOrd="0" presId="urn:microsoft.com/office/officeart/2018/2/layout/IconLabelList"/>
+    <dgm:cxn modelId="{052B8766-EE9E-445B-90FD-F62494DB5FB6}" srcId="{E3BE4182-5216-4FEB-8DA6-A1AF8B855EA0}" destId="{CFF9382E-197A-457C-A08F-3D8728E2BC0B}" srcOrd="2" destOrd="0" parTransId="{49D7E76F-C7B7-479C-8ED0-2823999BC733}" sibTransId="{DFA84237-6A81-4DBB-9772-ABE4AAD174D9}"/>
+    <dgm:cxn modelId="{33EB318E-CF1A-493B-8428-AC394AC6FF5C}" srcId="{E3BE4182-5216-4FEB-8DA6-A1AF8B855EA0}" destId="{9EE8EB8B-EC38-4D00-8276-6CF69271B12F}" srcOrd="3" destOrd="0" parTransId="{A14940E2-031F-4979-8DD4-2C5782ACBC94}" sibTransId="{88D8C27D-F6E1-48CB-84A1-A0868E351A84}"/>
+    <dgm:cxn modelId="{07A28BC3-CB63-4395-9076-90DF9F17DF12}" srcId="{9EE8EB8B-EC38-4D00-8276-6CF69271B12F}" destId="{15BD3E69-F9AA-43E9-8DD3-9625342895DA}" srcOrd="0" destOrd="0" parTransId="{BC641D2D-6CA8-40EB-BBB7-A1D66493BA1C}" sibTransId="{B87A758E-6A23-45D4-B9D1-C8164F24021C}"/>
+    <dgm:cxn modelId="{F6F306D4-4BEE-4DDA-9B4F-EF3FB1E14FC4}" type="presOf" srcId="{9EE8EB8B-EC38-4D00-8276-6CF69271B12F}" destId="{59CAB09E-438E-4CAA-A3C2-0AAE102DC20C}" srcOrd="0" destOrd="0" presId="urn:microsoft.com/office/officeart/2018/2/layout/IconLabelList"/>
+    <dgm:cxn modelId="{A011F2F1-BDDD-4499-BDE8-6D47573626E7}" srcId="{E3BE4182-5216-4FEB-8DA6-A1AF8B855EA0}" destId="{F0EFCEAA-B36F-4AFD-9266-ABF4E0575452}" srcOrd="0" destOrd="0" parTransId="{E5DA0D99-1D1E-443B-ABD6-32ED8D951B98}" sibTransId="{B153AFD1-4B4E-46C5-A99E-223D3128150A}"/>
+    <dgm:cxn modelId="{5F0C2BF2-3857-4FC5-BA75-403609CE8EF5}" type="presOf" srcId="{E3BE4182-5216-4FEB-8DA6-A1AF8B855EA0}" destId="{E6687791-43E2-412E-ACA2-4BE6ED203BB8}" srcOrd="0" destOrd="0" presId="urn:microsoft.com/office/officeart/2018/2/layout/IconLabelList"/>
+    <dgm:cxn modelId="{20026AE9-D4DF-463B-9145-D4DE86644B37}" type="presParOf" srcId="{E6687791-43E2-412E-ACA2-4BE6ED203BB8}" destId="{40A23DA7-7D75-4E44-9BAF-58D2CC83E403}" srcOrd="0" destOrd="0" presId="urn:microsoft.com/office/officeart/2018/2/layout/IconLabelList"/>
+    <dgm:cxn modelId="{0EE4093F-0676-4C95-9F6D-7E623ACEECDA}" type="presParOf" srcId="{40A23DA7-7D75-4E44-9BAF-58D2CC83E403}" destId="{1B922A86-F463-4433-9C39-4FF1C48D5090}" srcOrd="0" destOrd="0" presId="urn:microsoft.com/office/officeart/2018/2/layout/IconLabelList"/>
+    <dgm:cxn modelId="{78BAF0FC-79FC-49F1-8B68-77DA88F96C6D}" type="presParOf" srcId="{40A23DA7-7D75-4E44-9BAF-58D2CC83E403}" destId="{A3D9274C-343A-43C2-9776-02436DDE0D9A}" srcOrd="1" destOrd="0" presId="urn:microsoft.com/office/officeart/2018/2/layout/IconLabelList"/>
+    <dgm:cxn modelId="{AD9E5EA1-B897-4313-947E-38789E31268A}" type="presParOf" srcId="{40A23DA7-7D75-4E44-9BAF-58D2CC83E403}" destId="{2C76C546-FED9-4EE4-8789-F0B2F5F0EC27}" srcOrd="2" destOrd="0" presId="urn:microsoft.com/office/officeart/2018/2/layout/IconLabelList"/>
+    <dgm:cxn modelId="{1E7E5ABE-B816-469A-9C9A-3AA89309851F}" type="presParOf" srcId="{E6687791-43E2-412E-ACA2-4BE6ED203BB8}" destId="{BDD06407-B55C-4175-B13A-0FA30DA803CD}" srcOrd="1" destOrd="0" presId="urn:microsoft.com/office/officeart/2018/2/layout/IconLabelList"/>
+    <dgm:cxn modelId="{4EE193FB-582E-485C-866E-0708AC392D68}" type="presParOf" srcId="{E6687791-43E2-412E-ACA2-4BE6ED203BB8}" destId="{7CC9331A-51FF-4FBD-BD47-13F9EA7DF682}" srcOrd="2" destOrd="0" presId="urn:microsoft.com/office/officeart/2018/2/layout/IconLabelList"/>
+    <dgm:cxn modelId="{5BC191B5-B9EC-4353-AC56-E03651A6A481}" type="presParOf" srcId="{7CC9331A-51FF-4FBD-BD47-13F9EA7DF682}" destId="{022A81A8-E336-4AA6-85F6-84CCB05E1A1A}" srcOrd="0" destOrd="0" presId="urn:microsoft.com/office/officeart/2018/2/layout/IconLabelList"/>
+    <dgm:cxn modelId="{59FD59FF-9FC8-4515-9AA6-B8476622ECC4}" type="presParOf" srcId="{7CC9331A-51FF-4FBD-BD47-13F9EA7DF682}" destId="{963A799D-002D-4CAB-B3D3-BA24B74BBD4D}" srcOrd="1" destOrd="0" presId="urn:microsoft.com/office/officeart/2018/2/layout/IconLabelList"/>
+    <dgm:cxn modelId="{8DCE8687-344E-4B8E-A171-FDCA40C1C4E0}" type="presParOf" srcId="{7CC9331A-51FF-4FBD-BD47-13F9EA7DF682}" destId="{2DA82BC1-E19B-4BB4-A331-C207301ABE72}" srcOrd="2" destOrd="0" presId="urn:microsoft.com/office/officeart/2018/2/layout/IconLabelList"/>
+    <dgm:cxn modelId="{C28A3368-CD3D-4556-A681-C8B6973F46CE}" type="presParOf" srcId="{E6687791-43E2-412E-ACA2-4BE6ED203BB8}" destId="{8D1F26A9-F6FF-4AD8-8233-18AF7051E267}" srcOrd="3" destOrd="0" presId="urn:microsoft.com/office/officeart/2018/2/layout/IconLabelList"/>
+    <dgm:cxn modelId="{10D1AACC-5527-4CFD-BAA7-3B4869D4611E}" type="presParOf" srcId="{E6687791-43E2-412E-ACA2-4BE6ED203BB8}" destId="{566BF1B0-2979-46A3-89F4-04AD398147B1}" srcOrd="4" destOrd="0" presId="urn:microsoft.com/office/officeart/2018/2/layout/IconLabelList"/>
+    <dgm:cxn modelId="{41D7623E-1FD6-4663-987D-28996B33BC7E}" type="presParOf" srcId="{566BF1B0-2979-46A3-89F4-04AD398147B1}" destId="{9F1B2B11-ECA2-4A2E-AA6B-5B14EBF3C53D}" srcOrd="0" destOrd="0" presId="urn:microsoft.com/office/officeart/2018/2/layout/IconLabelList"/>
+    <dgm:cxn modelId="{0EA31F6C-CCD3-4C8E-B121-EABED7C602F3}" type="presParOf" srcId="{566BF1B0-2979-46A3-89F4-04AD398147B1}" destId="{E915B123-569F-4C3A-81AA-AD6F8D4DDB15}" srcOrd="1" destOrd="0" presId="urn:microsoft.com/office/officeart/2018/2/layout/IconLabelList"/>
+    <dgm:cxn modelId="{FCE5BD19-D0D2-4089-AF48-F4438487618E}" type="presParOf" srcId="{566BF1B0-2979-46A3-89F4-04AD398147B1}" destId="{33894964-9AC7-4BB1-B184-E58AF1DD2E86}" srcOrd="2" destOrd="0" presId="urn:microsoft.com/office/officeart/2018/2/layout/IconLabelList"/>
+    <dgm:cxn modelId="{DCC49AEC-5924-4CCB-9925-F4C65F25C3CC}" type="presParOf" srcId="{E6687791-43E2-412E-ACA2-4BE6ED203BB8}" destId="{B0D99FD9-BAD3-40CF-A1D6-52FEBFFB7A7C}" srcOrd="5" destOrd="0" presId="urn:microsoft.com/office/officeart/2018/2/layout/IconLabelList"/>
+    <dgm:cxn modelId="{AA4E5C8E-2E3A-4805-981B-1135F9CCD12B}" type="presParOf" srcId="{E6687791-43E2-412E-ACA2-4BE6ED203BB8}" destId="{901D1463-5F0F-4B33-B7E8-4602B1F27055}" srcOrd="6" destOrd="0" presId="urn:microsoft.com/office/officeart/2018/2/layout/IconLabelList"/>
+    <dgm:cxn modelId="{621C2B7E-03AA-4E13-AF3C-BC272E3E99FC}" type="presParOf" srcId="{901D1463-5F0F-4B33-B7E8-4602B1F27055}" destId="{806F9AA5-3CCD-47B1-89E0-A22CD9E5DE2C}" srcOrd="0" destOrd="0" presId="urn:microsoft.com/office/officeart/2018/2/layout/IconLabelList"/>
+    <dgm:cxn modelId="{DB3F399A-BFFD-48FC-B044-66B9560E7704}" type="presParOf" srcId="{901D1463-5F0F-4B33-B7E8-4602B1F27055}" destId="{A8072A44-B4A2-4DE5-91C4-7D59CE74D2F6}" srcOrd="1" destOrd="0" presId="urn:microsoft.com/office/officeart/2018/2/layout/IconLabelList"/>
+    <dgm:cxn modelId="{49E4419A-65D0-48B1-8E7E-BE3DB35C833C}" type="presParOf" srcId="{901D1463-5F0F-4B33-B7E8-4602B1F27055}" destId="{59CAB09E-438E-4CAA-A3C2-0AAE102DC20C}" srcOrd="2" destOrd="0" presId="urn:microsoft.com/office/officeart/2018/2/layout/IconLabelList"/>
+  </dgm:cxnLst>
+  <dgm:bg/>
+  <dgm:whole/>
+  <dgm:extLst>
+    <a:ext uri="http://schemas.microsoft.com/office/drawing/2008/diagram">
+      <dsp:dataModelExt xmlns:dsp="http://schemas.microsoft.com/office/drawing/2008/diagram" relId="rId6" minVer="http://schemas.openxmlformats.org/drawingml/2006/diagram"/>
+    </a:ext>
+  </dgm:extLst>
+</dgm:dataModel>
+</file>
+
+<file path=ppt/diagrams/drawing1.xml><?xml version="1.0" encoding="utf-8"?>
+<dsp:drawing xmlns:dgm="http://schemas.openxmlformats.org/drawingml/2006/diagram" xmlns:dsp="http://schemas.microsoft.com/office/drawing/2008/diagram" xmlns:a="http://schemas.openxmlformats.org/drawingml/2006/main">
+  <dsp:spTree>
+    <dsp:nvGrpSpPr>
+      <dsp:cNvPr id="0" name=""/>
+      <dsp:cNvGrpSpPr/>
+    </dsp:nvGrpSpPr>
+    <dsp:grpSpPr/>
+    <dsp:sp modelId="{1B922A86-F463-4433-9C39-4FF1C48D5090}">
+      <dsp:nvSpPr>
+        <dsp:cNvPr id="0" name=""/>
+        <dsp:cNvSpPr/>
+      </dsp:nvSpPr>
+      <dsp:spPr>
+        <a:xfrm>
+          <a:off x="739962" y="697640"/>
+          <a:ext cx="919749" cy="919749"/>
+        </a:xfrm>
+        <a:prstGeom prst="rect">
+          <a:avLst/>
+        </a:prstGeom>
+        <a:blipFill>
+          <a:blip xmlns:r="http://schemas.openxmlformats.org/officeDocument/2006/relationships" r:embed="rId1">
+            <a:extLst>
+              <a:ext uri="{28A0092B-C50C-407E-A947-70E740481C1C}">
+                <a14:useLocalDpi xmlns:a14="http://schemas.microsoft.com/office/drawing/2010/main" val="0"/>
+              </a:ext>
+              <a:ext uri="{96DAC541-7B7A-43D3-8B79-37D633B846F1}">
+                <asvg:svgBlip xmlns:asvg="http://schemas.microsoft.com/office/drawing/2016/SVG/main" r:embed="rId2"/>
+              </a:ext>
+            </a:extLst>
+          </a:blip>
+          <a:stretch>
+            <a:fillRect/>
+          </a:stretch>
+        </a:blipFill>
+        <a:ln>
+          <a:noFill/>
+        </a:ln>
+        <a:effectLst/>
+      </dsp:spPr>
+      <dsp:style>
+        <a:lnRef idx="0">
+          <a:scrgbClr r="0" g="0" b="0"/>
+        </a:lnRef>
+        <a:fillRef idx="3">
+          <a:scrgbClr r="0" g="0" b="0"/>
+        </a:fillRef>
+        <a:effectRef idx="2">
+          <a:scrgbClr r="0" g="0" b="0"/>
+        </a:effectRef>
+        <a:fontRef idx="minor">
+          <a:schemeClr val="lt1"/>
+        </a:fontRef>
+      </dsp:style>
+    </dsp:sp>
+    <dsp:sp modelId="{2C76C546-FED9-4EE4-8789-F0B2F5F0EC27}">
+      <dsp:nvSpPr>
+        <dsp:cNvPr id="0" name=""/>
+        <dsp:cNvSpPr/>
+      </dsp:nvSpPr>
+      <dsp:spPr>
+        <a:xfrm>
+          <a:off x="177893" y="1906853"/>
+          <a:ext cx="2043886" cy="720000"/>
+        </a:xfrm>
+        <a:prstGeom prst="rect">
+          <a:avLst/>
+        </a:prstGeom>
+        <a:noFill/>
+        <a:ln>
+          <a:noFill/>
+        </a:ln>
+        <a:effectLst/>
+      </dsp:spPr>
+      <dsp:style>
+        <a:lnRef idx="0">
+          <a:scrgbClr r="0" g="0" b="0"/>
+        </a:lnRef>
+        <a:fillRef idx="0">
+          <a:scrgbClr r="0" g="0" b="0"/>
+        </a:fillRef>
+        <a:effectRef idx="0">
+          <a:scrgbClr r="0" g="0" b="0"/>
+        </a:effectRef>
+        <a:fontRef idx="minor"/>
+      </dsp:style>
+      <dsp:txBody>
+        <a:bodyPr spcFirstLastPara="0" vert="horz" wrap="square" lIns="0" tIns="0" rIns="0" bIns="0" numCol="1" spcCol="1270" anchor="t" anchorCtr="0">
+          <a:noAutofit/>
+        </a:bodyPr>
+        <a:lstStyle/>
+        <a:p>
+          <a:pPr marL="0" lvl="0" indent="0" algn="ctr" defTabSz="488950">
+            <a:lnSpc>
+              <a:spcPct val="100000"/>
+            </a:lnSpc>
+            <a:spcBef>
+              <a:spcPct val="0"/>
+            </a:spcBef>
+            <a:spcAft>
+              <a:spcPct val="35000"/>
+            </a:spcAft>
+            <a:buNone/>
+          </a:pPr>
+          <a:r>
+            <a:rPr lang="en-US" sz="1100" kern="1200"/>
+            <a:t>PRIMARY SOURCES</a:t>
+          </a:r>
+        </a:p>
+      </dsp:txBody>
+      <dsp:txXfrm>
+        <a:off x="177893" y="1906853"/>
+        <a:ext cx="2043886" cy="720000"/>
+      </dsp:txXfrm>
+    </dsp:sp>
+    <dsp:sp modelId="{022A81A8-E336-4AA6-85F6-84CCB05E1A1A}">
+      <dsp:nvSpPr>
+        <dsp:cNvPr id="0" name=""/>
+        <dsp:cNvSpPr/>
+      </dsp:nvSpPr>
+      <dsp:spPr>
+        <a:xfrm>
+          <a:off x="3141529" y="697640"/>
+          <a:ext cx="919749" cy="919749"/>
+        </a:xfrm>
+        <a:prstGeom prst="rect">
+          <a:avLst/>
+        </a:prstGeom>
+        <a:blipFill>
+          <a:blip xmlns:r="http://schemas.openxmlformats.org/officeDocument/2006/relationships" r:embed="rId3">
+            <a:extLst>
+              <a:ext uri="{28A0092B-C50C-407E-A947-70E740481C1C}">
+                <a14:useLocalDpi xmlns:a14="http://schemas.microsoft.com/office/drawing/2010/main" val="0"/>
+              </a:ext>
+              <a:ext uri="{96DAC541-7B7A-43D3-8B79-37D633B846F1}">
+                <asvg:svgBlip xmlns:asvg="http://schemas.microsoft.com/office/drawing/2016/SVG/main" r:embed="rId4"/>
+              </a:ext>
+            </a:extLst>
+          </a:blip>
+          <a:stretch>
+            <a:fillRect/>
+          </a:stretch>
+        </a:blipFill>
+        <a:ln>
+          <a:noFill/>
+        </a:ln>
+        <a:effectLst/>
+      </dsp:spPr>
+      <dsp:style>
+        <a:lnRef idx="0">
+          <a:scrgbClr r="0" g="0" b="0"/>
+        </a:lnRef>
+        <a:fillRef idx="3">
+          <a:scrgbClr r="0" g="0" b="0"/>
+        </a:fillRef>
+        <a:effectRef idx="2">
+          <a:scrgbClr r="0" g="0" b="0"/>
+        </a:effectRef>
+        <a:fontRef idx="minor">
+          <a:schemeClr val="lt1"/>
+        </a:fontRef>
+      </dsp:style>
+    </dsp:sp>
+    <dsp:sp modelId="{2DA82BC1-E19B-4BB4-A331-C207301ABE72}">
+      <dsp:nvSpPr>
+        <dsp:cNvPr id="0" name=""/>
+        <dsp:cNvSpPr/>
+      </dsp:nvSpPr>
+      <dsp:spPr>
+        <a:xfrm>
+          <a:off x="2579460" y="1906853"/>
+          <a:ext cx="2043886" cy="720000"/>
+        </a:xfrm>
+        <a:prstGeom prst="rect">
+          <a:avLst/>
+        </a:prstGeom>
+        <a:noFill/>
+        <a:ln>
+          <a:noFill/>
+        </a:ln>
+        <a:effectLst/>
+      </dsp:spPr>
+      <dsp:style>
+        <a:lnRef idx="0">
+          <a:scrgbClr r="0" g="0" b="0"/>
+        </a:lnRef>
+        <a:fillRef idx="0">
+          <a:scrgbClr r="0" g="0" b="0"/>
+        </a:fillRef>
+        <a:effectRef idx="0">
+          <a:scrgbClr r="0" g="0" b="0"/>
+        </a:effectRef>
+        <a:fontRef idx="minor"/>
+      </dsp:style>
+      <dsp:txBody>
+        <a:bodyPr spcFirstLastPara="0" vert="horz" wrap="square" lIns="0" tIns="0" rIns="0" bIns="0" numCol="1" spcCol="1270" anchor="t" anchorCtr="0">
+          <a:noAutofit/>
+        </a:bodyPr>
+        <a:lstStyle/>
+        <a:p>
+          <a:pPr marL="0" lvl="0" indent="0" algn="ctr" defTabSz="488950">
+            <a:lnSpc>
+              <a:spcPct val="100000"/>
+            </a:lnSpc>
+            <a:spcBef>
+              <a:spcPct val="0"/>
+            </a:spcBef>
+            <a:spcAft>
+              <a:spcPct val="35000"/>
+            </a:spcAft>
+            <a:buNone/>
+          </a:pPr>
+          <a:r>
+            <a:rPr lang="en-US" sz="1100" kern="1200" dirty="0"/>
+            <a:t>Bureau of Transportation Statistics: www.bts.gov</a:t>
+          </a:r>
+        </a:p>
+        <a:p>
+          <a:pPr marL="0" lvl="0" indent="0" algn="ctr" defTabSz="488950">
+            <a:lnSpc>
+              <a:spcPct val="100000"/>
+            </a:lnSpc>
+            <a:spcBef>
+              <a:spcPct val="0"/>
+            </a:spcBef>
+            <a:spcAft>
+              <a:spcPct val="35000"/>
+            </a:spcAft>
+            <a:buNone/>
+          </a:pPr>
+          <a:r>
+            <a:rPr lang="en-US" sz="1100" kern="1200" dirty="0"/>
+            <a:t>Available data included fares, passenger counts, and destinations</a:t>
+          </a:r>
+        </a:p>
+      </dsp:txBody>
+      <dsp:txXfrm>
+        <a:off x="2579460" y="1906853"/>
+        <a:ext cx="2043886" cy="720000"/>
+      </dsp:txXfrm>
+    </dsp:sp>
+    <dsp:sp modelId="{9F1B2B11-ECA2-4A2E-AA6B-5B14EBF3C53D}">
+      <dsp:nvSpPr>
+        <dsp:cNvPr id="0" name=""/>
+        <dsp:cNvSpPr/>
+      </dsp:nvSpPr>
+      <dsp:spPr>
+        <a:xfrm>
+          <a:off x="5543096" y="644559"/>
+          <a:ext cx="919749" cy="919749"/>
+        </a:xfrm>
+        <a:prstGeom prst="rect">
+          <a:avLst/>
+        </a:prstGeom>
+        <a:blipFill>
+          <a:blip xmlns:r="http://schemas.openxmlformats.org/officeDocument/2006/relationships" r:embed="rId5">
+            <a:extLst>
+              <a:ext uri="{28A0092B-C50C-407E-A947-70E740481C1C}">
+                <a14:useLocalDpi xmlns:a14="http://schemas.microsoft.com/office/drawing/2010/main" val="0"/>
+              </a:ext>
+              <a:ext uri="{96DAC541-7B7A-43D3-8B79-37D633B846F1}">
+                <asvg:svgBlip xmlns:asvg="http://schemas.microsoft.com/office/drawing/2016/SVG/main" r:embed="rId6"/>
+              </a:ext>
+            </a:extLst>
+          </a:blip>
+          <a:stretch>
+            <a:fillRect/>
+          </a:stretch>
+        </a:blipFill>
+        <a:ln>
+          <a:noFill/>
+        </a:ln>
+        <a:effectLst/>
+      </dsp:spPr>
+      <dsp:style>
+        <a:lnRef idx="0">
+          <a:scrgbClr r="0" g="0" b="0"/>
+        </a:lnRef>
+        <a:fillRef idx="3">
+          <a:scrgbClr r="0" g="0" b="0"/>
+        </a:fillRef>
+        <a:effectRef idx="2">
+          <a:scrgbClr r="0" g="0" b="0"/>
+        </a:effectRef>
+        <a:fontRef idx="minor">
+          <a:schemeClr val="lt1"/>
+        </a:fontRef>
+      </dsp:style>
+    </dsp:sp>
+    <dsp:sp modelId="{33894964-9AC7-4BB1-B184-E58AF1DD2E86}">
+      <dsp:nvSpPr>
+        <dsp:cNvPr id="0" name=""/>
+        <dsp:cNvSpPr/>
+      </dsp:nvSpPr>
+      <dsp:spPr>
+        <a:xfrm>
+          <a:off x="4981027" y="1747613"/>
+          <a:ext cx="2043886" cy="932320"/>
+        </a:xfrm>
+        <a:prstGeom prst="rect">
+          <a:avLst/>
+        </a:prstGeom>
+        <a:noFill/>
+        <a:ln>
+          <a:noFill/>
+        </a:ln>
+        <a:effectLst/>
+      </dsp:spPr>
+      <dsp:style>
+        <a:lnRef idx="0">
+          <a:scrgbClr r="0" g="0" b="0"/>
+        </a:lnRef>
+        <a:fillRef idx="0">
+          <a:scrgbClr r="0" g="0" b="0"/>
+        </a:fillRef>
+        <a:effectRef idx="0">
+          <a:scrgbClr r="0" g="0" b="0"/>
+        </a:effectRef>
+        <a:fontRef idx="minor"/>
+      </dsp:style>
+      <dsp:txBody>
+        <a:bodyPr spcFirstLastPara="0" vert="horz" wrap="square" lIns="0" tIns="0" rIns="0" bIns="0" numCol="1" spcCol="1270" anchor="t" anchorCtr="0">
+          <a:noAutofit/>
+        </a:bodyPr>
+        <a:lstStyle/>
+        <a:p>
+          <a:pPr marL="0" lvl="0" indent="0" algn="ctr" defTabSz="488950">
+            <a:lnSpc>
+              <a:spcPct val="100000"/>
+            </a:lnSpc>
+            <a:spcBef>
+              <a:spcPct val="0"/>
+            </a:spcBef>
+            <a:spcAft>
+              <a:spcPct val="35000"/>
+            </a:spcAft>
+            <a:buNone/>
+          </a:pPr>
+          <a:r>
+            <a:rPr lang="en-US" sz="1100" kern="1200" dirty="0"/>
+            <a:t>• City of Austin: data.austintexas.gov</a:t>
+          </a:r>
+        </a:p>
+        <a:p>
+          <a:pPr marL="0" lvl="0" indent="0" algn="ctr" defTabSz="488950">
+            <a:lnSpc>
+              <a:spcPct val="100000"/>
+            </a:lnSpc>
+            <a:spcBef>
+              <a:spcPct val="0"/>
+            </a:spcBef>
+            <a:spcAft>
+              <a:spcPct val="35000"/>
+            </a:spcAft>
+            <a:buNone/>
+          </a:pPr>
+          <a:r>
+            <a:rPr lang="en-US" sz="1100" kern="1200" dirty="0"/>
+            <a:t>Available data included passenger counts and customer surveys</a:t>
+          </a:r>
+        </a:p>
+      </dsp:txBody>
+      <dsp:txXfrm>
+        <a:off x="4981027" y="1747613"/>
+        <a:ext cx="2043886" cy="932320"/>
+      </dsp:txXfrm>
+    </dsp:sp>
+    <dsp:sp modelId="{806F9AA5-3CCD-47B1-89E0-A22CD9E5DE2C}">
+      <dsp:nvSpPr>
+        <dsp:cNvPr id="0" name=""/>
+        <dsp:cNvSpPr/>
+      </dsp:nvSpPr>
+      <dsp:spPr>
+        <a:xfrm>
+          <a:off x="7944663" y="697640"/>
+          <a:ext cx="919749" cy="919749"/>
+        </a:xfrm>
+        <a:prstGeom prst="rect">
+          <a:avLst/>
+        </a:prstGeom>
+        <a:blipFill>
+          <a:blip xmlns:r="http://schemas.openxmlformats.org/officeDocument/2006/relationships" r:embed="rId7">
+            <a:extLst>
+              <a:ext uri="{28A0092B-C50C-407E-A947-70E740481C1C}">
+                <a14:useLocalDpi xmlns:a14="http://schemas.microsoft.com/office/drawing/2010/main" val="0"/>
+              </a:ext>
+              <a:ext uri="{96DAC541-7B7A-43D3-8B79-37D633B846F1}">
+                <asvg:svgBlip xmlns:asvg="http://schemas.microsoft.com/office/drawing/2016/SVG/main" r:embed="rId8"/>
+              </a:ext>
+            </a:extLst>
+          </a:blip>
+          <a:stretch>
+            <a:fillRect/>
+          </a:stretch>
+        </a:blipFill>
+        <a:ln>
+          <a:noFill/>
+        </a:ln>
+        <a:effectLst/>
+      </dsp:spPr>
+      <dsp:style>
+        <a:lnRef idx="0">
+          <a:scrgbClr r="0" g="0" b="0"/>
+        </a:lnRef>
+        <a:fillRef idx="3">
+          <a:scrgbClr r="0" g="0" b="0"/>
+        </a:fillRef>
+        <a:effectRef idx="2">
+          <a:scrgbClr r="0" g="0" b="0"/>
+        </a:effectRef>
+        <a:fontRef idx="minor">
+          <a:schemeClr val="lt1"/>
+        </a:fontRef>
+      </dsp:style>
+    </dsp:sp>
+    <dsp:sp modelId="{59CAB09E-438E-4CAA-A3C2-0AAE102DC20C}">
+      <dsp:nvSpPr>
+        <dsp:cNvPr id="0" name=""/>
+        <dsp:cNvSpPr/>
+      </dsp:nvSpPr>
+      <dsp:spPr>
+        <a:xfrm>
+          <a:off x="7382594" y="1906853"/>
+          <a:ext cx="2043886" cy="720000"/>
+        </a:xfrm>
+        <a:prstGeom prst="rect">
+          <a:avLst/>
+        </a:prstGeom>
+        <a:noFill/>
+        <a:ln>
+          <a:noFill/>
+        </a:ln>
+        <a:effectLst/>
+      </dsp:spPr>
+      <dsp:style>
+        <a:lnRef idx="0">
+          <a:scrgbClr r="0" g="0" b="0"/>
+        </a:lnRef>
+        <a:fillRef idx="0">
+          <a:scrgbClr r="0" g="0" b="0"/>
+        </a:fillRef>
+        <a:effectRef idx="0">
+          <a:scrgbClr r="0" g="0" b="0"/>
+        </a:effectRef>
+        <a:fontRef idx="minor"/>
+      </dsp:style>
+      <dsp:txBody>
+        <a:bodyPr spcFirstLastPara="0" vert="horz" wrap="square" lIns="0" tIns="0" rIns="0" bIns="0" numCol="1" spcCol="1270" anchor="t" anchorCtr="0">
+          <a:noAutofit/>
+        </a:bodyPr>
+        <a:lstStyle/>
+        <a:p>
+          <a:pPr marL="0" lvl="0" indent="0" algn="ctr" defTabSz="488950">
+            <a:lnSpc>
+              <a:spcPct val="100000"/>
+            </a:lnSpc>
+            <a:spcBef>
+              <a:spcPct val="0"/>
+            </a:spcBef>
+            <a:spcAft>
+              <a:spcPct val="35000"/>
+            </a:spcAft>
+            <a:buNone/>
+          </a:pPr>
+          <a:r>
+            <a:rPr lang="en-US" sz="1100" kern="1200" dirty="0"/>
+            <a:t>Supplemental Sources</a:t>
+          </a:r>
+        </a:p>
+        <a:p>
+          <a:pPr marL="0" lvl="0" indent="0" algn="ctr" defTabSz="488950">
+            <a:lnSpc>
+              <a:spcPct val="100000"/>
+            </a:lnSpc>
+            <a:spcBef>
+              <a:spcPct val="0"/>
+            </a:spcBef>
+            <a:spcAft>
+              <a:spcPct val="35000"/>
+            </a:spcAft>
+            <a:buNone/>
+          </a:pPr>
+          <a:r>
+            <a:rPr lang="en-US" sz="1100" kern="1200" dirty="0"/>
+            <a:t>Census.gov, ABIA website</a:t>
+          </a:r>
+        </a:p>
+      </dsp:txBody>
+      <dsp:txXfrm>
+        <a:off x="7382594" y="1906853"/>
+        <a:ext cx="2043886" cy="720000"/>
+      </dsp:txXfrm>
+    </dsp:sp>
+  </dsp:spTree>
+</dsp:drawing>
+</file>
+
+<file path=ppt/diagrams/layout1.xml><?xml version="1.0" encoding="utf-8"?>
+<dgm:layoutDef xmlns:dgm="http://schemas.openxmlformats.org/drawingml/2006/diagram" xmlns:a="http://schemas.openxmlformats.org/drawingml/2006/main" uniqueId="urn:microsoft.com/office/officeart/2018/2/layout/IconLabelList">
+  <dgm:title val="Icon Label List"/>
+  <dgm:desc val="Use to show non-sequential or grouped chunks of information accompanied by a related visuals. Works best with icons or small pictures with short text captions."/>
+  <dgm:catLst>
+    <dgm:cat type="icon" pri="500"/>
+  </dgm:catLst>
+  <dgm:sampData useDef="1">
+    <dgm:dataModel>
+      <dgm:ptLst/>
+      <dgm:bg/>
+      <dgm:whole/>
+    </dgm:dataModel>
+  </dgm:sampData>
+  <dgm:styleData useDef="1">
+    <dgm:dataModel>
+      <dgm:ptLst/>
+      <dgm:bg/>
+      <dgm:whole/>
+    </dgm:dataModel>
+  </dgm:styleData>
+  <dgm:clrData useDef="1">
+    <dgm:dataModel>
+      <dgm:ptLst/>
+      <dgm:bg/>
+      <dgm:whole/>
+    </dgm:dataModel>
+  </dgm:clrData>
+  <dgm:layoutNode name="root">
+    <dgm:varLst>
+      <dgm:dir/>
+      <dgm:resizeHandles val="exact"/>
+    </dgm:varLst>
+    <dgm:choose name="Name0">
+      <dgm:if name="Name1" axis="self" func="var" arg="dir" op="equ" val="norm">
+        <dgm:alg type="snake">
+          <dgm:param type="grDir" val="tL"/>
+          <dgm:param type="flowDir" val="row"/>
+          <dgm:param type="contDir" val="sameDir"/>
+          <dgm:param type="off" val="ctr"/>
+          <dgm:param type="vertAlign" val="mid"/>
+          <dgm:param type="horzAlign" val="ctr"/>
+        </dgm:alg>
+      </dgm:if>
+      <dgm:else name="Name2">
+        <dgm:alg type="snake">
+          <dgm:param type="grDir" val="tR"/>
+          <dgm:param type="flowDir" val="row"/>
+          <dgm:param type="contDir" val="sameDir"/>
+          <dgm:param type="off" val="ctr"/>
+          <dgm:param type="vertAlign" val="mid"/>
+          <dgm:param type="horzAlign" val="ctr"/>
+        </dgm:alg>
+      </dgm:else>
+    </dgm:choose>
+    <dgm:shape xmlns:r="http://schemas.openxmlformats.org/officeDocument/2006/relationships" r:blip="">
+      <dgm:adjLst/>
+    </dgm:shape>
+    <dgm:presOf/>
+    <dgm:choose name="Name3">
+      <dgm:if name="Name4" axis="ch" ptType="node" func="cnt" op="lte" val="2">
+        <dgm:constrLst>
+          <dgm:constr type="h" for="ch" forName="compNode" refType="h" fact="0.4"/>
+          <dgm:constr type="w" for="ch" forName="compNode" val="120"/>
+          <dgm:constr type="w" for="ch" forName="sibTrans" refType="w" refFor="ch" refForName="compNode" fact="0.175"/>
+          <dgm:constr type="sp" refType="w" refFor="ch" refForName="compNode" op="equ" fact="0.25"/>
+          <dgm:constr type="primFontSz" for="des" ptType="node" op="equ" val="50"/>
+          <dgm:constr type="h" for="des" forName="compNode" op="equ"/>
+          <dgm:constr type="h" for="des" forName="textRect" op="equ"/>
+        </dgm:constrLst>
+      </dgm:if>
+      <dgm:if name="Name5" axis="ch" ptType="node" func="cnt" op="lte" val="4">
+        <dgm:constrLst>
+          <dgm:constr type="h" for="ch" forName="compNode" refType="h" fact="0.4"/>
+          <dgm:constr type="w" for="ch" forName="compNode" refType="w"/>
+          <dgm:constr type="w" for="ch" forName="sibTrans" refType="w" refFor="ch" refForName="compNode" fact="0.175"/>
+          <dgm:constr type="sp" refType="w" refFor="ch" refForName="compNode" op="equ" fact="0.25"/>
+          <dgm:constr type="primFontSz" for="des" ptType="node" op="equ" val="36"/>
+          <dgm:constr type="h" for="des" forName="compNode" op="equ"/>
+          <dgm:constr type="h" for="des" forName="textRect" op="equ"/>
+        </dgm:constrLst>
+      </dgm:if>
+      <dgm:else name="Name6">
+        <dgm:constrLst>
+          <dgm:constr type="h" for="ch" forName="compNode" refType="h" fact="0.4"/>
+          <dgm:constr type="w" for="ch" forName="compNode" refType="w"/>
+          <dgm:constr type="w" for="ch" forName="sibTrans" refType="w" refFor="ch" refForName="compNode" fact="0.175"/>
+          <dgm:constr type="sp" refType="w" refFor="ch" refForName="compNode" op="equ" fact="0.25"/>
+          <dgm:constr type="primFontSz" for="des" ptType="node" op="equ" val="24"/>
+          <dgm:constr type="h" for="des" forName="compNode" op="equ"/>
+          <dgm:constr type="h" for="des" forName="textRect" op="equ"/>
+        </dgm:constrLst>
+      </dgm:else>
+    </dgm:choose>
+    <dgm:ruleLst>
+      <dgm:rule type="w" for="ch" forName="compNode" val="50" fact="NaN" max="NaN"/>
+    </dgm:ruleLst>
+    <dgm:forEach name="Name7" axis="ch" ptType="node">
+      <dgm:layoutNode name="compNode">
+        <dgm:alg type="composite"/>
+        <dgm:shape xmlns:r="http://schemas.openxmlformats.org/officeDocument/2006/relationships" r:blip="">
+          <dgm:adjLst/>
+        </dgm:shape>
+        <dgm:presOf axis="self"/>
+        <dgm:constrLst>
+          <dgm:constr type="w" for="ch" forName="iconRect" refType="w" fact="0.45"/>
+          <dgm:constr type="h" for="ch" forName="iconRect" refType="w" refFor="ch" refForName="iconRect"/>
+          <dgm:constr type="ctrX" for="ch" forName="iconRect" refType="w" fact="0.5"/>
+          <dgm:constr type="t" for="ch" forName="iconRect"/>
+          <dgm:constr type="h" for="ch" forName="spaceRect" refType="h" fact="0.15"/>
+          <dgm:constr type="w" for="ch" forName="spaceRect" refType="w"/>
+          <dgm:constr type="l" for="ch" forName="spaceRect"/>
+          <dgm:constr type="t" for="ch" forName="spaceRect" refType="b" refFor="ch" refForName="iconRect"/>
+          <dgm:constr type="h" for="ch" forName="textRect" val="20"/>
+          <dgm:constr type="w" for="ch" forName="textRect" refType="w"/>
+          <dgm:constr type="l" for="ch" forName="textRect"/>
+          <dgm:constr type="t" for="ch" forName="textRect" refType="b" refFor="ch" refForName="spaceRect"/>
+        </dgm:constrLst>
+        <dgm:ruleLst>
+          <dgm:rule type="h" val="INF" fact="NaN" max="NaN"/>
+        </dgm:ruleLst>
+        <dgm:layoutNode name="iconRect" styleLbl="node1">
+          <dgm:alg type="sp"/>
+          <dgm:shape xmlns:r="http://schemas.openxmlformats.org/officeDocument/2006/relationships" type="rect" r:blip="" blipPhldr="1">
+            <dgm:adjLst/>
+          </dgm:shape>
+          <dgm:presOf/>
+          <dgm:constrLst/>
+          <dgm:ruleLst/>
+        </dgm:layoutNode>
+        <dgm:layoutNode name="spaceRect">
+          <dgm:alg type="sp"/>
+          <dgm:shape xmlns:r="http://schemas.openxmlformats.org/officeDocument/2006/relationships" r:blip="">
+            <dgm:adjLst/>
+          </dgm:shape>
+          <dgm:presOf/>
+          <dgm:constrLst/>
+          <dgm:ruleLst/>
+        </dgm:layoutNode>
+        <dgm:layoutNode name="textRect" styleLbl="revTx">
+          <dgm:varLst>
+            <dgm:chMax val="1"/>
+            <dgm:chPref val="1"/>
+          </dgm:varLst>
+          <dgm:alg type="tx">
+            <dgm:param type="txAnchorVert" val="t"/>
+          </dgm:alg>
+          <dgm:shape xmlns:r="http://schemas.openxmlformats.org/officeDocument/2006/relationships" type="rect" r:blip="">
+            <dgm:adjLst/>
+          </dgm:shape>
+          <dgm:presOf axis="self" ptType="node"/>
+          <dgm:constrLst>
+            <dgm:constr type="lMarg"/>
+            <dgm:constr type="rMarg"/>
+            <dgm:constr type="tMarg"/>
+            <dgm:constr type="bMarg"/>
+          </dgm:constrLst>
+          <dgm:ruleLst>
+            <dgm:rule type="primFontSz" val="11" fact="NaN" max="NaN"/>
+            <dgm:rule type="h" val="INF" fact="NaN" max="NaN"/>
+          </dgm:ruleLst>
+        </dgm:layoutNode>
+      </dgm:layoutNode>
+      <dgm:forEach name="Name8" axis="followSib" ptType="sibTrans" cnt="1">
+        <dgm:layoutNode name="sibTrans">
+          <dgm:alg type="sp"/>
+          <dgm:shape xmlns:r="http://schemas.openxmlformats.org/officeDocument/2006/relationships" r:blip="">
+            <dgm:adjLst/>
+          </dgm:shape>
+          <dgm:presOf axis="self"/>
+          <dgm:constrLst/>
+          <dgm:ruleLst/>
+        </dgm:layoutNode>
+      </dgm:forEach>
+    </dgm:forEach>
+  </dgm:layoutNode>
+  <dgm:extLst>
+    <a:ext uri="{68A01E43-0DF5-4B5B-8FA6-DAF915123BFB}">
+      <dgm1612:lstStyle xmlns:dgm1612="http://schemas.microsoft.com/office/drawing/2016/12/diagram">
+        <a:lvl1pPr>
+          <a:lnSpc>
+            <a:spcPct val="100000"/>
+          </a:lnSpc>
+        </a:lvl1pPr>
+      </dgm1612:lstStyle>
+    </a:ext>
+  </dgm:extLst>
+</dgm:layoutDef>
+</file>
+
+<file path=ppt/diagrams/quickStyle1.xml><?xml version="1.0" encoding="utf-8"?>
+<dgm:styleDef xmlns:dgm="http://schemas.openxmlformats.org/drawingml/2006/diagram" xmlns:a="http://schemas.openxmlformats.org/drawingml/2006/main" uniqueId="urn:microsoft.com/office/officeart/2005/8/quickstyle/simple4">
+  <dgm:title val=""/>
+  <dgm:desc val=""/>
+  <dgm:catLst>
+    <dgm:cat type="simple" pri="10400"/>
+  </dgm:catLst>
+  <dgm:scene3d>
+    <a:camera prst="orthographicFront"/>
+    <a:lightRig rig="threePt" dir="t"/>
+  </dgm:scene3d>
+  <dgm:styleLbl name="node0">
+    <dgm:scene3d>
+      <a:camera prst="orthographicFront"/>
+      <a:lightRig rig="threePt" dir="t"/>
+    </dgm:scene3d>
+    <dgm:sp3d/>
+    <dgm:txPr/>
+    <dgm:style>
+      <a:lnRef idx="0">
+        <a:scrgbClr r="0" g="0" b="0"/>
+      </a:lnRef>
+      <a:fillRef idx="3">
+        <a:scrgbClr r="0" g="0" b="0"/>
+      </a:fillRef>
+      <a:effectRef idx="2">
+        <a:scrgbClr r="0" g="0" b="0"/>
+      </a:effectRef>
+      <a:fontRef idx="minor">
+        <a:schemeClr val="lt1"/>
+      </a:fontRef>
+    </dgm:style>
+  </dgm:styleLbl>
+  <dgm:styleLbl name="lnNode1">
+    <dgm:scene3d>
+      <a:camera prst="orthographicFront"/>
+      <a:lightRig rig="threePt" dir="t"/>
+    </dgm:scene3d>
+    <dgm:sp3d/>
+    <dgm:txPr/>
+    <dgm:style>
+      <a:lnRef idx="1">
+        <a:scrgbClr r="0" g="0" b="0"/>
+      </a:lnRef>
+      <a:fillRef idx="3">
+        <a:scrgbClr r="0" g="0" b="0"/>
+      </a:fillRef>
+      <a:effectRef idx="2">
+        <a:scrgbClr r="0" g="0" b="0"/>
+      </a:effectRef>
+      <a:fontRef idx="minor">
+        <a:schemeClr val="lt1"/>
+      </a:fontRef>
+    </dgm:style>
+  </dgm:styleLbl>
+  <dgm:styleLbl name="vennNode1">
+    <dgm:scene3d>
+      <a:camera prst="orthographicFront"/>
+      <a:lightRig rig="threePt" dir="t"/>
+    </dgm:scene3d>
+    <dgm:sp3d/>
+    <dgm:txPr/>
+    <dgm:style>
+      <a:lnRef idx="0">
+        <a:scrgbClr r="0" g="0" b="0"/>
+      </a:lnRef>
+      <a:fillRef idx="3">
+        <a:scrgbClr r="0" g="0" b="0"/>
+      </a:fillRef>
+      <a:effectRef idx="0">
+        <a:scrgbClr r="0" g="0" b="0"/>
+      </a:effectRef>
+      <a:fontRef idx="minor">
+        <a:schemeClr val="tx1"/>
+      </a:fontRef>
+    </dgm:style>
+  </dgm:styleLbl>
+  <dgm:styleLbl name="alignNode1">
+    <dgm:scene3d>
+      <a:camera prst="orthographicFront"/>
+      <a:lightRig rig="threePt" dir="t"/>
+    </dgm:scene3d>
+    <dgm:sp3d/>
+    <dgm:txPr/>
+    <dgm:style>
+      <a:lnRef idx="1">
+        <a:scrgbClr r="0" g="0" b="0"/>
+      </a:lnRef>
+      <a:fillRef idx="3">
+        <a:scrgbClr r="0" g="0" b="0"/>
+      </a:fillRef>
+      <a:effectRef idx="2">
+        <a:scrgbClr r="0" g="0" b="0"/>
+      </a:effectRef>
+      <a:fontRef idx="minor">
+        <a:schemeClr val="lt1"/>
+      </a:fontRef>
+    </dgm:style>
+  </dgm:styleLbl>
+  <dgm:styleLbl name="node1">
+    <dgm:scene3d>
+      <a:camera prst="orthographicFront"/>
+      <a:lightRig rig="threePt" dir="t"/>
+    </dgm:scene3d>
+    <dgm:sp3d/>
+    <dgm:txPr/>
+    <dgm:style>
+      <a:lnRef idx="0">
+        <a:scrgbClr r="0" g="0" b="0"/>
+      </a:lnRef>
+      <a:fillRef idx="3">
+        <a:scrgbClr r="0" g="0" b="0"/>
+      </a:fillRef>
+      <a:effectRef idx="2">
+        <a:scrgbClr r="0" g="0" b="0"/>
+      </a:effectRef>
+      <a:fontRef idx="minor">
+        <a:schemeClr val="lt1"/>
+      </a:fontRef>
+    </dgm:style>
+  </dgm:styleLbl>
+  <dgm:styleLbl name="node2">
+    <dgm:scene3d>
+      <a:camera prst="orthographicFront"/>
+      <a:lightRig rig="threePt" dir="t"/>
+    </dgm:scene3d>
+    <dgm:sp3d/>
+    <dgm:txPr/>
+    <dgm:style>
+      <a:lnRef idx="0">
+        <a:scrgbClr r="0" g="0" b="0"/>
+      </a:lnRef>
+      <a:fillRef idx="3">
+        <a:scrgbClr r="0" g="0" b="0"/>
+      </a:fillRef>
+      <a:effectRef idx="2">
+        <a:scrgbClr r="0" g="0" b="0"/>
+      </a:effectRef>
+      <a:fontRef idx="minor">
+        <a:schemeClr val="lt1"/>
+      </a:fontRef>
+    </dgm:style>
+  </dgm:styleLbl>
+  <dgm:styleLbl name="node3">
+    <dgm:scene3d>
+      <a:camera prst="orthographicFront"/>
+      <a:lightRig rig="threePt" dir="t"/>
+    </dgm:scene3d>
+    <dgm:sp3d/>
+    <dgm:txPr/>
+    <dgm:style>
+      <a:lnRef idx="0">
+        <a:scrgbClr r="0" g="0" b="0"/>
+      </a:lnRef>
+      <a:fillRef idx="3">
+        <a:scrgbClr r="0" g="0" b="0"/>
+      </a:fillRef>
+      <a:effectRef idx="2">
+        <a:scrgbClr r="0" g="0" b="0"/>
+      </a:effectRef>
+      <a:fontRef idx="minor">
+        <a:schemeClr val="lt1"/>
+      </a:fontRef>
+    </dgm:style>
+  </dgm:styleLbl>
+  <dgm:styleLbl name="node4">
+    <dgm:scene3d>
+      <a:camera prst="orthographicFront"/>
+      <a:lightRig rig="threePt" dir="t"/>
+    </dgm:scene3d>
+    <dgm:sp3d/>
+    <dgm:txPr/>
+    <dgm:style>
+      <a:lnRef idx="0">
+        <a:scrgbClr r="0" g="0" b="0"/>
+      </a:lnRef>
+      <a:fillRef idx="3">
+        <a:scrgbClr r="0" g="0" b="0"/>
+      </a:fillRef>
+      <a:effectRef idx="2">
+        <a:scrgbClr r="0" g="0" b="0"/>
+      </a:effectRef>
+      <a:fontRef idx="minor">
+        <a:schemeClr val="lt1"/>
+      </a:fontRef>
+    </dgm:style>
+  </dgm:styleLbl>
+  <dgm:styleLbl name="fgImgPlace1">
+    <dgm:scene3d>
+      <a:camera prst="orthographicFront"/>
+      <a:lightRig rig="threePt" dir="t"/>
+    </dgm:scene3d>
+    <dgm:sp3d/>
+    <dgm:txPr/>
+    <dgm:style>
+      <a:lnRef idx="0">
+        <a:scrgbClr r="0" g="0" b="0"/>
+      </a:lnRef>
+      <a:fillRef idx="1">
+        <a:scrgbClr r="0" g="0" b="0"/>
+      </a:fillRef>
+      <a:effectRef idx="2">
+        <a:scrgbClr r="0" g="0" b="0"/>
+      </a:effectRef>
+      <a:fontRef idx="minor"/>
+    </dgm:style>
+  </dgm:styleLbl>
+  <dgm:styleLbl name="alignImgPlace1">
+    <dgm:scene3d>
+      <a:camera prst="orthographicFront"/>
+      <a:lightRig rig="threePt" dir="t"/>
+    </dgm:scene3d>
+    <dgm:sp3d/>
+    <dgm:txPr/>
+    <dgm:style>
+      <a:lnRef idx="0">
+        <a:scrgbClr r="0" g="0" b="0"/>
+      </a:lnRef>
+      <a:fillRef idx="1">
+        <a:scrgbClr r="0" g="0" b="0"/>
+      </a:fillRef>
+      <a:effectRef idx="2">
+        <a:scrgbClr r="0" g="0" b="0"/>
+      </a:effectRef>
+      <a:fontRef idx="minor"/>
+    </dgm:style>
+  </dgm:styleLbl>
+  <dgm:styleLbl name="bgImgPlace1">
+    <dgm:scene3d>
+      <a:camera prst="orthographicFront"/>
+      <a:lightRig rig="threePt" dir="t"/>
+    </dgm:scene3d>
+    <dgm:sp3d/>
+    <dgm:txPr/>
+    <dgm:style>
+      <a:lnRef idx="0">
+        <a:scrgbClr r="0" g="0" b="0"/>
+      </a:lnRef>
+      <a:fillRef idx="1">
+        <a:scrgbClr r="0" g="0" b="0"/>
+      </a:fillRef>
+      <a:effectRef idx="2">
+        <a:scrgbClr r="0" g="0" b="0"/>
+      </a:effectRef>
+      <a:fontRef idx="minor"/>
+    </dgm:style>
+  </dgm:styleLbl>
+  <dgm:styleLbl name="sibTrans2D1">
+    <dgm:scene3d>
+      <a:camera prst="orthographicFront"/>
+      <a:lightRig rig="threePt" dir="t"/>
+    </dgm:scene3d>
+    <dgm:sp3d/>
+    <dgm:txPr/>
+    <dgm:style>
+      <a:lnRef idx="0">
+        <a:scrgbClr r="0" g="0" b="0"/>
+      </a:lnRef>
+      <a:fillRef idx="3">
+        <a:scrgbClr r="0" g="0" b="0"/>
+      </a:fillRef>
+      <a:effectRef idx="2">
+        <a:scrgbClr r="0" g="0" b="0"/>
+      </a:effectRef>
+      <a:fontRef idx="minor">
+        <a:schemeClr val="lt1"/>
+      </a:fontRef>
+    </dgm:style>
+  </dgm:styleLbl>
+  <dgm:styleLbl name="fgSibTrans2D1">
+    <dgm:scene3d>
+      <a:camera prst="orthographicFront"/>
+      <a:lightRig rig="threePt" dir="t"/>
+    </dgm:scene3d>
+    <dgm:sp3d/>
+    <dgm:txPr/>
+    <dgm:style>
+      <a:lnRef idx="0">
+        <a:scrgbClr r="0" g="0" b="0"/>
+      </a:lnRef>
+      <a:fillRef idx="3">
+        <a:scrgbClr r="0" g="0" b="0"/>
+      </a:fillRef>
+      <a:effectRef idx="2">
+        <a:scrgbClr r="0" g="0" b="0"/>
+      </a:effectRef>
+      <a:fontRef idx="minor">
+        <a:schemeClr val="lt1"/>
+      </a:fontRef>
+    </dgm:style>
+  </dgm:styleLbl>
+  <dgm:styleLbl name="bgSibTrans2D1">
+    <dgm:scene3d>
+      <a:camera prst="orthographicFront"/>
+      <a:lightRig rig="threePt" dir="t"/>
+    </dgm:scene3d>
+    <dgm:sp3d/>
+    <dgm:txPr/>
+    <dgm:style>
+      <a:lnRef idx="0">
+        <a:scrgbClr r="0" g="0" b="0"/>
+      </a:lnRef>
+      <a:fillRef idx="3">
+        <a:scrgbClr r="0" g="0" b="0"/>
+      </a:fillRef>
+      <a:effectRef idx="2">
+        <a:scrgbClr r="0" g="0" b="0"/>
+      </a:effectRef>
+      <a:fontRef idx="minor">
+        <a:schemeClr val="lt1"/>
+      </a:fontRef>
+    </dgm:style>
+  </dgm:styleLbl>
+  <dgm:styleLbl name="sibTrans1D1">
+    <dgm:scene3d>
+      <a:camera prst="orthographicFront"/>
+      <a:lightRig rig="threePt" dir="t"/>
+    </dgm:scene3d>
+    <dgm:sp3d/>
+    <dgm:txPr/>
+    <dgm:style>
+      <a:lnRef idx="1">
+        <a:scrgbClr r="0" g="0" b="0"/>
+      </a:lnRef>
+      <a:fillRef idx="0">
+        <a:scrgbClr r="0" g="0" b="0"/>
+      </a:fillRef>
+      <a:effectRef idx="0">
+        <a:scrgbClr r="0" g="0" b="0"/>
+      </a:effectRef>
+      <a:fontRef idx="minor"/>
+    </dgm:style>
+  </dgm:styleLbl>
+  <dgm:styleLbl name="callout">
+    <dgm:scene3d>
+      <a:camera prst="orthographicFront"/>
+      <a:lightRig rig="threePt" dir="t"/>
+    </dgm:scene3d>
+    <dgm:sp3d/>
+    <dgm:txPr/>
+    <dgm:style>
+      <a:lnRef idx="2">
+        <a:scrgbClr r="0" g="0" b="0"/>
+      </a:lnRef>
+      <a:fillRef idx="1">
+        <a:scrgbClr r="0" g="0" b="0"/>
+      </a:fillRef>
+      <a:effectRef idx="1">
+        <a:scrgbClr r="0" g="0" b="0"/>
+      </a:effectRef>
+      <a:fontRef idx="minor"/>
+    </dgm:style>
+  </dgm:styleLbl>
+  <dgm:styleLbl name="asst0">
+    <dgm:scene3d>
+      <a:camera prst="orthographicFront"/>
+      <a:lightRig rig="threePt" dir="t"/>
+    </dgm:scene3d>
+    <dgm:sp3d/>
+    <dgm:txPr/>
+    <dgm:style>
+      <a:lnRef idx="0">
+        <a:scrgbClr r="0" g="0" b="0"/>
+      </a:lnRef>
+      <a:fillRef idx="3">
+        <a:scrgbClr r="0" g="0" b="0"/>
+      </a:fillRef>
+      <a:effectRef idx="2">
+        <a:scrgbClr r="0" g="0" b="0"/>
+      </a:effectRef>
+      <a:fontRef idx="minor">
+        <a:schemeClr val="lt1"/>
+      </a:fontRef>
+    </dgm:style>
+  </dgm:styleLbl>
+  <dgm:styleLbl name="asst1">
+    <dgm:scene3d>
+      <a:camera prst="orthographicFront"/>
+      <a:lightRig rig="threePt" dir="t"/>
+    </dgm:scene3d>
+    <dgm:sp3d/>
+    <dgm:txPr/>
+    <dgm:style>
+      <a:lnRef idx="0">
+        <a:scrgbClr r="0" g="0" b="0"/>
+      </a:lnRef>
+      <a:fillRef idx="3">
+        <a:scrgbClr r="0" g="0" b="0"/>
+      </a:fillRef>
+      <a:effectRef idx="2">
+        <a:scrgbClr r="0" g="0" b="0"/>
+      </a:effectRef>
+      <a:fontRef idx="minor">
+        <a:schemeClr val="lt1"/>
+      </a:fontRef>
+    </dgm:style>
+  </dgm:styleLbl>
+  <dgm:styleLbl name="asst2">
+    <dgm:scene3d>
+      <a:camera prst="orthographicFront"/>
+      <a:lightRig rig="threePt" dir="t"/>
+    </dgm:scene3d>
+    <dgm:sp3d/>
+    <dgm:txPr/>
+    <dgm:style>
+      <a:lnRef idx="0">
+        <a:scrgbClr r="0" g="0" b="0"/>
+      </a:lnRef>
+      <a:fillRef idx="3">
+        <a:scrgbClr r="0" g="0" b="0"/>
+      </a:fillRef>
+      <a:effectRef idx="2">
+        <a:scrgbClr r="0" g="0" b="0"/>
+      </a:effectRef>
+      <a:fontRef idx="minor">
+        <a:schemeClr val="lt1"/>
+      </a:fontRef>
+    </dgm:style>
+  </dgm:styleLbl>
+  <dgm:styleLbl name="asst3">
+    <dgm:scene3d>
+      <a:camera prst="orthographicFront"/>
+      <a:lightRig rig="threePt" dir="t"/>
+    </dgm:scene3d>
+    <dgm:sp3d/>
+    <dgm:txPr/>
+    <dgm:style>
+      <a:lnRef idx="0">
+        <a:scrgbClr r="0" g="0" b="0"/>
+      </a:lnRef>
+      <a:fillRef idx="3">
+        <a:scrgbClr r="0" g="0" b="0"/>
+      </a:fillRef>
+      <a:effectRef idx="2">
+        <a:scrgbClr r="0" g="0" b="0"/>
+      </a:effectRef>
+      <a:fontRef idx="minor">
+        <a:schemeClr val="lt1"/>
+      </a:fontRef>
+    </dgm:style>
+  </dgm:styleLbl>
+  <dgm:styleLbl name="asst4">
+    <dgm:scene3d>
+      <a:camera prst="orthographicFront"/>
+      <a:lightRig rig="threePt" dir="t"/>
+    </dgm:scene3d>
+    <dgm:sp3d/>
+    <dgm:txPr/>
+    <dgm:style>
+      <a:lnRef idx="0">
+        <a:scrgbClr r="0" g="0" b="0"/>
+      </a:lnRef>
+      <a:fillRef idx="3">
+        <a:scrgbClr r="0" g="0" b="0"/>
+      </a:fillRef>
+      <a:effectRef idx="2">
+        <a:scrgbClr r="0" g="0" b="0"/>
+      </a:effectRef>
+      <a:fontRef idx="minor">
+        <a:schemeClr val="lt1"/>
+      </a:fontRef>
+    </dgm:style>
+  </dgm:styleLbl>
+  <dgm:styleLbl name="parChTrans2D1">
+    <dgm:scene3d>
+      <a:camera prst="orthographicFront"/>
+      <a:lightRig rig="threePt" dir="t"/>
+    </dgm:scene3d>
+    <dgm:sp3d/>
+    <dgm:txPr/>
+    <dgm:style>
+      <a:lnRef idx="0">
+        <a:scrgbClr r="0" g="0" b="0"/>
+      </a:lnRef>
+      <a:fillRef idx="3">
+        <a:scrgbClr r="0" g="0" b="0"/>
+      </a:fillRef>
+      <a:effectRef idx="2">
+        <a:scrgbClr r="0" g="0" b="0"/>
+      </a:effectRef>
+      <a:fontRef idx="minor">
+        <a:schemeClr val="lt1"/>
+      </a:fontRef>
+    </dgm:style>
+  </dgm:styleLbl>
+  <dgm:styleLbl name="parChTrans2D2">
+    <dgm:scene3d>
+      <a:camera prst="orthographicFront"/>
+      <a:lightRig rig="threePt" dir="t"/>
+    </dgm:scene3d>
+    <dgm:sp3d/>
+    <dgm:txPr/>
+    <dgm:style>
+      <a:lnRef idx="0">
+        <a:scrgbClr r="0" g="0" b="0"/>
+      </a:lnRef>
+      <a:fillRef idx="3">
+        <a:scrgbClr r="0" g="0" b="0"/>
+      </a:fillRef>
+      <a:effectRef idx="2">
+        <a:scrgbClr r="0" g="0" b="0"/>
+      </a:effectRef>
+      <a:fontRef idx="minor">
+        <a:schemeClr val="lt1"/>
+      </a:fontRef>
+    </dgm:style>
+  </dgm:styleLbl>
+  <dgm:styleLbl name="parChTrans2D3">
+    <dgm:scene3d>
+      <a:camera prst="orthographicFront"/>
+      <a:lightRig rig="threePt" dir="t"/>
+    </dgm:scene3d>
+    <dgm:sp3d/>
+    <dgm:txPr/>
+    <dgm:style>
+      <a:lnRef idx="1">
+        <a:scrgbClr r="0" g="0" b="0"/>
+      </a:lnRef>
+      <a:fillRef idx="3">
+        <a:scrgbClr r="0" g="0" b="0"/>
+      </a:fillRef>
+      <a:effectRef idx="2">
+        <a:scrgbClr r="0" g="0" b="0"/>
+      </a:effectRef>
+      <a:fontRef idx="minor">
+        <a:schemeClr val="lt1"/>
+      </a:fontRef>
+    </dgm:style>
+  </dgm:styleLbl>
+  <dgm:styleLbl name="parChTrans2D4">
+    <dgm:scene3d>
+      <a:camera prst="orthographicFront"/>
+      <a:lightRig rig="threePt" dir="t"/>
+    </dgm:scene3d>
+    <dgm:sp3d/>
+    <dgm:txPr/>
+    <dgm:style>
+      <a:lnRef idx="1">
+        <a:scrgbClr r="0" g="0" b="0"/>
+      </a:lnRef>
+      <a:fillRef idx="3">
+        <a:scrgbClr r="0" g="0" b="0"/>
+      </a:fillRef>
+      <a:effectRef idx="2">
+        <a:scrgbClr r="0" g="0" b="0"/>
+      </a:effectRef>
+      <a:fontRef idx="minor">
+        <a:schemeClr val="lt1"/>
+      </a:fontRef>
+    </dgm:style>
+  </dgm:styleLbl>
+  <dgm:styleLbl name="parChTrans1D1">
+    <dgm:scene3d>
+      <a:camera prst="orthographicFront"/>
+      <a:lightRig rig="threePt" dir="t"/>
+    </dgm:scene3d>
+    <dgm:sp3d/>
+    <dgm:txPr/>
+    <dgm:style>
+      <a:lnRef idx="1">
+        <a:scrgbClr r="0" g="0" b="0"/>
+      </a:lnRef>
+      <a:fillRef idx="0">
+        <a:scrgbClr r="0" g="0" b="0"/>
+      </a:fillRef>
+      <a:effectRef idx="0">
+        <a:scrgbClr r="0" g="0" b="0"/>
+      </a:effectRef>
+      <a:fontRef idx="minor"/>
+    </dgm:style>
+  </dgm:styleLbl>
+  <dgm:styleLbl name="parChTrans1D2">
+    <dgm:scene3d>
+      <a:camera prst="orthographicFront"/>
+      <a:lightRig rig="threePt" dir="t"/>
+    </dgm:scene3d>
+    <dgm:sp3d/>
+    <dgm:txPr/>
+    <dgm:style>
+      <a:lnRef idx="1">
+        <a:scrgbClr r="0" g="0" b="0"/>
+      </a:lnRef>
+      <a:fillRef idx="0">
+        <a:scrgbClr r="0" g="0" b="0"/>
+      </a:fillRef>
+      <a:effectRef idx="0">
+        <a:scrgbClr r="0" g="0" b="0"/>
+      </a:effectRef>
+      <a:fontRef idx="minor"/>
+    </dgm:style>
+  </dgm:styleLbl>
+  <dgm:styleLbl name="parChTrans1D3">
+    <dgm:scene3d>
+      <a:camera prst="orthographicFront"/>
+      <a:lightRig rig="threePt" dir="t"/>
+    </dgm:scene3d>
+    <dgm:sp3d/>
+    <dgm:txPr/>
+    <dgm:style>
+      <a:lnRef idx="1">
+        <a:scrgbClr r="0" g="0" b="0"/>
+      </a:lnRef>
+      <a:fillRef idx="0">
+        <a:scrgbClr r="0" g="0" b="0"/>
+      </a:fillRef>
+      <a:effectRef idx="0">
+        <a:scrgbClr r="0" g="0" b="0"/>
+      </a:effectRef>
+      <a:fontRef idx="minor"/>
+    </dgm:style>
+  </dgm:styleLbl>
+  <dgm:styleLbl name="parChTrans1D4">
+    <dgm:scene3d>
+      <a:camera prst="orthographicFront"/>
+      <a:lightRig rig="threePt" dir="t"/>
+    </dgm:scene3d>
+    <dgm:sp3d/>
+    <dgm:txPr/>
+    <dgm:style>
+      <a:lnRef idx="1">
+        <a:scrgbClr r="0" g="0" b="0"/>
+      </a:lnRef>
+      <a:fillRef idx="0">
+        <a:scrgbClr r="0" g="0" b="0"/>
+      </a:fillRef>
+      <a:effectRef idx="0">
+        <a:scrgbClr r="0" g="0" b="0"/>
+      </a:effectRef>
+      <a:fontRef idx="minor"/>
+    </dgm:style>
+  </dgm:styleLbl>
+  <dgm:styleLbl name="fgAcc1">
+    <dgm:scene3d>
+      <a:camera prst="orthographicFront"/>
+      <a:lightRig rig="threePt" dir="t"/>
+    </dgm:scene3d>
+    <dgm:sp3d/>
+    <dgm:txPr/>
+    <dgm:style>
+      <a:lnRef idx="1">
+        <a:scrgbClr r="0" g="0" b="0"/>
+      </a:lnRef>
+      <a:fillRef idx="1">
+        <a:scrgbClr r="0" g="0" b="0"/>
+      </a:fillRef>
+      <a:effectRef idx="0">
+        <a:scrgbClr r="0" g="0" b="0"/>
+      </a:effectRef>
+      <a:fontRef idx="minor"/>
+    </dgm:style>
+  </dgm:styleLbl>
+  <dgm:styleLbl name="conFgAcc1">
+    <dgm:scene3d>
+      <a:camera prst="orthographicFront"/>
+      <a:lightRig rig="threePt" dir="t"/>
+    </dgm:scene3d>
+    <dgm:sp3d/>
+    <dgm:txPr/>
+    <dgm:style>
+      <a:lnRef idx="1">
+        <a:scrgbClr r="0" g="0" b="0"/>
+      </a:lnRef>
+      <a:fillRef idx="1">
+        <a:scrgbClr r="0" g="0" b="0"/>
+      </a:fillRef>
+      <a:effectRef idx="0">
+        <a:scrgbClr r="0" g="0" b="0"/>
+      </a:effectRef>
+      <a:fontRef idx="minor"/>
+    </dgm:style>
+  </dgm:styleLbl>
+  <dgm:styleLbl name="alignAcc1">
+    <dgm:scene3d>
+      <a:camera prst="orthographicFront"/>
+      <a:lightRig rig="threePt" dir="t"/>
+    </dgm:scene3d>
+    <dgm:sp3d/>
+    <dgm:txPr/>
+    <dgm:style>
+      <a:lnRef idx="1">
+        <a:scrgbClr r="0" g="0" b="0"/>
+      </a:lnRef>
+      <a:fillRef idx="1">
+        <a:scrgbClr r="0" g="0" b="0"/>
+      </a:fillRef>
+      <a:effectRef idx="0">
+        <a:scrgbClr r="0" g="0" b="0"/>
+      </a:effectRef>
+      <a:fontRef idx="minor"/>
+    </dgm:style>
+  </dgm:styleLbl>
+  <dgm:styleLbl name="trAlignAcc1">
+    <dgm:scene3d>
+      <a:camera prst="orthographicFront"/>
+      <a:lightRig rig="threePt" dir="t"/>
+    </dgm:scene3d>
+    <dgm:sp3d/>
+    <dgm:txPr/>
+    <dgm:style>
+      <a:lnRef idx="1">
+        <a:scrgbClr r="0" g="0" b="0"/>
+      </a:lnRef>
+      <a:fillRef idx="1">
+        <a:scrgbClr r="0" g="0" b="0"/>
+      </a:fillRef>
+      <a:effectRef idx="0">
+        <a:scrgbClr r="0" g="0" b="0"/>
+      </a:effectRef>
+      <a:fontRef idx="minor"/>
+    </dgm:style>
+  </dgm:styleLbl>
+  <dgm:styleLbl name="bgAcc1">
+    <dgm:scene3d>
+      <a:camera prst="orthographicFront"/>
+      <a:lightRig rig="threePt" dir="t"/>
+    </dgm:scene3d>
+    <dgm:sp3d/>
+    <dgm:txPr/>
+    <dgm:style>
+      <a:lnRef idx="1">
+        <a:scrgbClr r="0" g="0" b="0"/>
+      </a:lnRef>
+      <a:fillRef idx="1">
+        <a:scrgbClr r="0" g="0" b="0"/>
+      </a:fillRef>
+      <a:effectRef idx="0">
+        <a:scrgbClr r="0" g="0" b="0"/>
+      </a:effectRef>
+      <a:fontRef idx="minor"/>
+    </dgm:style>
+  </dgm:styleLbl>
+  <dgm:styleLbl name="solidFgAcc1">
+    <dgm:scene3d>
+      <a:camera prst="orthographicFront"/>
+      <a:lightRig rig="threePt" dir="t"/>
+    </dgm:scene3d>
+    <dgm:sp3d/>
+    <dgm:txPr/>
+    <dgm:style>
+      <a:lnRef idx="1">
+        <a:scrgbClr r="0" g="0" b="0"/>
+      </a:lnRef>
+      <a:fillRef idx="1">
+        <a:scrgbClr r="0" g="0" b="0"/>
+      </a:fillRef>
+      <a:effectRef idx="0">
+        <a:scrgbClr r="0" g="0" b="0"/>
+      </a:effectRef>
+      <a:fontRef idx="minor"/>
+    </dgm:style>
+  </dgm:styleLbl>
+  <dgm:styleLbl name="solidAlignAcc1">
+    <dgm:scene3d>
+      <a:camera prst="orthographicFront"/>
+      <a:lightRig rig="threePt" dir="t"/>
+    </dgm:scene3d>
+    <dgm:sp3d/>
+    <dgm:txPr/>
+    <dgm:style>
+      <a:lnRef idx="1">
+        <a:scrgbClr r="0" g="0" b="0"/>
+      </a:lnRef>
+      <a:fillRef idx="1">
+        <a:scrgbClr r="0" g="0" b="0"/>
+      </a:fillRef>
+      <a:effectRef idx="0">
+        <a:scrgbClr r="0" g="0" b="0"/>
+      </a:effectRef>
+      <a:fontRef idx="minor"/>
+    </dgm:style>
+  </dgm:styleLbl>
+  <dgm:styleLbl name="solidBgAcc1">
+    <dgm:scene3d>
+      <a:camera prst="orthographicFront"/>
+      <a:lightRig rig="threePt" dir="t"/>
+    </dgm:scene3d>
+    <dgm:sp3d/>
+    <dgm:txPr/>
+    <dgm:style>
+      <a:lnRef idx="1">
+        <a:scrgbClr r="0" g="0" b="0"/>
+      </a:lnRef>
+      <a:fillRef idx="1">
+        <a:scrgbClr r="0" g="0" b="0"/>
+      </a:fillRef>
+      <a:effectRef idx="0">
+        <a:scrgbClr r="0" g="0" b="0"/>
+      </a:effectRef>
+      <a:fontRef idx="minor"/>
+    </dgm:style>
+  </dgm:styleLbl>
+  <dgm:styleLbl name="fgAccFollowNode1">
+    <dgm:scene3d>
+      <a:camera prst="orthographicFront"/>
+      <a:lightRig rig="threePt" dir="t"/>
+    </dgm:scene3d>
+    <dgm:sp3d/>
+    <dgm:txPr/>
+    <dgm:style>
+      <a:lnRef idx="1">
+        <a:scrgbClr r="0" g="0" b="0"/>
+      </a:lnRef>
+      <a:fillRef idx="1">
+        <a:scrgbClr r="0" g="0" b="0"/>
+      </a:fillRef>
+      <a:effectRef idx="0">
+        <a:scrgbClr r="0" g="0" b="0"/>
+      </a:effectRef>
+      <a:fontRef idx="minor"/>
+    </dgm:style>
+  </dgm:styleLbl>
+  <dgm:styleLbl name="alignAccFollowNode1">
+    <dgm:scene3d>
+      <a:camera prst="orthographicFront"/>
+      <a:lightRig rig="threePt" dir="t"/>
+    </dgm:scene3d>
+    <dgm:sp3d/>
+    <dgm:txPr/>
+    <dgm:style>
+      <a:lnRef idx="1">
+        <a:scrgbClr r="0" g="0" b="0"/>
+      </a:lnRef>
+      <a:fillRef idx="1">
+        <a:scrgbClr r="0" g="0" b="0"/>
+      </a:fillRef>
+      <a:effectRef idx="0">
+        <a:scrgbClr r="0" g="0" b="0"/>
+      </a:effectRef>
+      <a:fontRef idx="minor"/>
+    </dgm:style>
+  </dgm:styleLbl>
+  <dgm:styleLbl name="bgAccFollowNode1">
+    <dgm:scene3d>
+      <a:camera prst="orthographicFront"/>
+      <a:lightRig rig="threePt" dir="t"/>
+    </dgm:scene3d>
+    <dgm:sp3d/>
+    <dgm:txPr/>
+    <dgm:style>
+      <a:lnRef idx="1">
+        <a:scrgbClr r="0" g="0" b="0"/>
+      </a:lnRef>
+      <a:fillRef idx="1">
+        <a:scrgbClr r="0" g="0" b="0"/>
+      </a:fillRef>
+      <a:effectRef idx="0">
+        <a:scrgbClr r="0" g="0" b="0"/>
+      </a:effectRef>
+      <a:fontRef idx="minor"/>
+    </dgm:style>
+  </dgm:styleLbl>
+  <dgm:styleLbl name="fgAcc0">
+    <dgm:scene3d>
+      <a:camera prst="orthographicFront"/>
+      <a:lightRig rig="threePt" dir="t"/>
+    </dgm:scene3d>
+    <dgm:sp3d/>
+    <dgm:txPr/>
+    <dgm:style>
+      <a:lnRef idx="1">
+        <a:scrgbClr r="0" g="0" b="0"/>
+      </a:lnRef>
+      <a:fillRef idx="1">
+        <a:scrgbClr r="0" g="0" b="0"/>
+      </a:fillRef>
+      <a:effectRef idx="0">
+        <a:scrgbClr r="0" g="0" b="0"/>
+      </a:effectRef>
+      <a:fontRef idx="minor"/>
+    </dgm:style>
+  </dgm:styleLbl>
+  <dgm:styleLbl name="fgAcc2">
+    <dgm:scene3d>
+      <a:camera prst="orthographicFront"/>
+      <a:lightRig rig="threePt" dir="t"/>
+    </dgm:scene3d>
+    <dgm:sp3d/>
+    <dgm:txPr/>
+    <dgm:style>
+      <a:lnRef idx="1">
+        <a:scrgbClr r="0" g="0" b="0"/>
+      </a:lnRef>
+      <a:fillRef idx="1">
+        <a:scrgbClr r="0" g="0" b="0"/>
+      </a:fillRef>
+      <a:effectRef idx="0">
+        <a:scrgbClr r="0" g="0" b="0"/>
+      </a:effectRef>
+      <a:fontRef idx="minor"/>
+    </dgm:style>
+  </dgm:styleLbl>
+  <dgm:styleLbl name="fgAcc3">
+    <dgm:scene3d>
+      <a:camera prst="orthographicFront"/>
+      <a:lightRig rig="threePt" dir="t"/>
+    </dgm:scene3d>
+    <dgm:sp3d/>
+    <dgm:txPr/>
+    <dgm:style>
+      <a:lnRef idx="1">
+        <a:scrgbClr r="0" g="0" b="0"/>
+      </a:lnRef>
+      <a:fillRef idx="1">
+        <a:scrgbClr r="0" g="0" b="0"/>
+      </a:fillRef>
+      <a:effectRef idx="0">
+        <a:scrgbClr r="0" g="0" b="0"/>
+      </a:effectRef>
+      <a:fontRef idx="minor"/>
+    </dgm:style>
+  </dgm:styleLbl>
+  <dgm:styleLbl name="fgAcc4">
+    <dgm:scene3d>
+      <a:camera prst="orthographicFront"/>
+      <a:lightRig rig="threePt" dir="t"/>
+    </dgm:scene3d>
+    <dgm:sp3d/>
+    <dgm:txPr/>
+    <dgm:style>
+      <a:lnRef idx="1">
+        <a:scrgbClr r="0" g="0" b="0"/>
+      </a:lnRef>
+      <a:fillRef idx="1">
+        <a:scrgbClr r="0" g="0" b="0"/>
+      </a:fillRef>
+      <a:effectRef idx="0">
+        <a:scrgbClr r="0" g="0" b="0"/>
+      </a:effectRef>
+      <a:fontRef idx="minor"/>
+    </dgm:style>
+  </dgm:styleLbl>
+  <dgm:styleLbl name="bgShp">
+    <dgm:scene3d>
+      <a:camera prst="orthographicFront"/>
+      <a:lightRig rig="threePt" dir="t"/>
+    </dgm:scene3d>
+    <dgm:sp3d/>
+    <dgm:txPr/>
+    <dgm:style>
+      <a:lnRef idx="0">
+        <a:scrgbClr r="0" g="0" b="0"/>
+      </a:lnRef>
+      <a:fillRef idx="1">
+        <a:scrgbClr r="0" g="0" b="0"/>
+      </a:fillRef>
+      <a:effectRef idx="2">
+        <a:scrgbClr r="0" g="0" b="0"/>
+      </a:effectRef>
+      <a:fontRef idx="minor"/>
+    </dgm:style>
+  </dgm:styleLbl>
+  <dgm:styleLbl name="dkBgShp">
+    <dgm:scene3d>
+      <a:camera prst="orthographicFront"/>
+      <a:lightRig rig="threePt" dir="t"/>
+    </dgm:scene3d>
+    <dgm:sp3d/>
+    <dgm:txPr/>
+    <dgm:style>
+      <a:lnRef idx="0">
+        <a:scrgbClr r="0" g="0" b="0"/>
+      </a:lnRef>
+      <a:fillRef idx="1">
+        <a:scrgbClr r="0" g="0" b="0"/>
+      </a:fillRef>
+      <a:effectRef idx="2">
+        <a:scrgbClr r="0" g="0" b="0"/>
+      </a:effectRef>
+      <a:fontRef idx="minor"/>
+    </dgm:style>
+  </dgm:styleLbl>
+  <dgm:styleLbl name="trBgShp">
+    <dgm:scene3d>
+      <a:camera prst="orthographicFront"/>
+      <a:lightRig rig="threePt" dir="t"/>
+    </dgm:scene3d>
+    <dgm:sp3d/>
+    <dgm:txPr/>
+    <dgm:style>
+      <a:lnRef idx="0">
+        <a:scrgbClr r="0" g="0" b="0"/>
+      </a:lnRef>
+      <a:fillRef idx="1">
+        <a:scrgbClr r="0" g="0" b="0"/>
+      </a:fillRef>
+      <a:effectRef idx="0">
+        <a:scrgbClr r="0" g="0" b="0"/>
+      </a:effectRef>
+      <a:fontRef idx="minor"/>
+    </dgm:style>
+  </dgm:styleLbl>
+  <dgm:styleLbl name="fgShp">
+    <dgm:scene3d>
+      <a:camera prst="orthographicFront"/>
+      <a:lightRig rig="threePt" dir="t"/>
+    </dgm:scene3d>
+    <dgm:sp3d/>
+    <dgm:txPr/>
+    <dgm:style>
+      <a:lnRef idx="0">
+        <a:scrgbClr r="0" g="0" b="0"/>
+      </a:lnRef>
+      <a:fillRef idx="3">
+        <a:scrgbClr r="0" g="0" b="0"/>
+      </a:fillRef>
+      <a:effectRef idx="2">
+        <a:scrgbClr r="0" g="0" b="0"/>
+      </a:effectRef>
+      <a:fontRef idx="minor"/>
+    </dgm:style>
+  </dgm:styleLbl>
+  <dgm:styleLbl name="revTx">
+    <dgm:scene3d>
+      <a:camera prst="orthographicFront"/>
+      <a:lightRig rig="threePt" dir="t"/>
+    </dgm:scene3d>
+    <dgm:sp3d/>
+    <dgm:txPr/>
+    <dgm:style>
+      <a:lnRef idx="0">
+        <a:scrgbClr r="0" g="0" b="0"/>
+      </a:lnRef>
+      <a:fillRef idx="0">
+        <a:scrgbClr r="0" g="0" b="0"/>
+      </a:fillRef>
+      <a:effectRef idx="0">
+        <a:scrgbClr r="0" g="0" b="0"/>
+      </a:effectRef>
+      <a:fontRef idx="minor"/>
+    </dgm:style>
+  </dgm:styleLbl>
+</dgm:styleDef>
+</file>
+
+<file path=ppt/notesMasters/notesMaster1.xml><?xml version="1.0" encoding="utf-8"?>
+<p:notesMaster xmlns:a="http://schemas.openxmlformats.org/drawingml/2006/main" xmlns:r="http://schemas.openxmlformats.org/officeDocument/2006/relationships" xmlns:p="http://schemas.openxmlformats.org/presentationml/2006/main">
+  <p:cSld>
+    <p:bg>
+      <p:bgRef idx="1001">
+        <a:schemeClr val="bg1"/>
+      </p:bgRef>
+    </p:bg>
+    <p:spTree>
+      <p:nvGrpSpPr>
+        <p:cNvPr id="1" name=""/>
+        <p:cNvGrpSpPr/>
+        <p:nvPr/>
+      </p:nvGrpSpPr>
+      <p:grpSpPr>
+        <a:xfrm>
+          <a:off x="0" y="0"/>
+          <a:ext cx="0" cy="0"/>
+          <a:chOff x="0" y="0"/>
+          <a:chExt cx="0" cy="0"/>
+        </a:xfrm>
+      </p:grpSpPr>
+      <p:sp>
+        <p:nvSpPr>
+          <p:cNvPr id="2" name="Header Placeholder 1"/>
+          <p:cNvSpPr>
+            <a:spLocks noGrp="1"/>
+          </p:cNvSpPr>
+          <p:nvPr>
+            <p:ph type="hdr" sz="quarter"/>
+          </p:nvPr>
+        </p:nvSpPr>
+        <p:spPr>
+          <a:xfrm>
+            <a:off x="0" y="0"/>
+            <a:ext cx="2971800" cy="458788"/>
+          </a:xfrm>
+          <a:prstGeom prst="rect">
+            <a:avLst/>
+          </a:prstGeom>
+        </p:spPr>
+        <p:txBody>
+          <a:bodyPr vert="horz" lIns="91440" tIns="45720" rIns="91440" bIns="45720" rtlCol="0"/>
+          <a:lstStyle>
+            <a:lvl1pPr algn="l">
+              <a:defRPr sz="1200"/>
+            </a:lvl1pPr>
+          </a:lstStyle>
+          <a:p>
+            <a:endParaRPr lang="en-US"/>
+          </a:p>
+        </p:txBody>
+      </p:sp>
+      <p:sp>
+        <p:nvSpPr>
+          <p:cNvPr id="3" name="Date Placeholder 2"/>
+          <p:cNvSpPr>
+            <a:spLocks noGrp="1"/>
+          </p:cNvSpPr>
+          <p:nvPr>
+            <p:ph type="dt" idx="1"/>
+          </p:nvPr>
+        </p:nvSpPr>
+        <p:spPr>
+          <a:xfrm>
+            <a:off x="3884613" y="0"/>
+            <a:ext cx="2971800" cy="458788"/>
+          </a:xfrm>
+          <a:prstGeom prst="rect">
+            <a:avLst/>
+          </a:prstGeom>
+        </p:spPr>
+        <p:txBody>
+          <a:bodyPr vert="horz" lIns="91440" tIns="45720" rIns="91440" bIns="45720" rtlCol="0"/>
+          <a:lstStyle>
+            <a:lvl1pPr algn="r">
+              <a:defRPr sz="1200"/>
+            </a:lvl1pPr>
+          </a:lstStyle>
+          <a:p>
+            <a:fld id="{61E1D29A-1EF9-41D7-BB52-5A3934412C1B}" type="datetimeFigureOut">
+              <a:rPr lang="en-US" smtClean="0"/>
+              <a:t>12/15/2018</a:t>
+            </a:fld>
+            <a:endParaRPr lang="en-US"/>
+          </a:p>
+        </p:txBody>
+      </p:sp>
+      <p:sp>
+        <p:nvSpPr>
+          <p:cNvPr id="4" name="Slide Image Placeholder 3"/>
+          <p:cNvSpPr>
+            <a:spLocks noGrp="1" noRot="1" noChangeAspect="1"/>
+          </p:cNvSpPr>
+          <p:nvPr>
+            <p:ph type="sldImg" idx="2"/>
+          </p:nvPr>
+        </p:nvSpPr>
+        <p:spPr>
+          <a:xfrm>
+            <a:off x="685800" y="1143000"/>
+            <a:ext cx="5486400" cy="3086100"/>
+          </a:xfrm>
+          <a:prstGeom prst="rect">
+            <a:avLst/>
+          </a:prstGeom>
+          <a:noFill/>
+          <a:ln w="12700">
+            <a:solidFill>
+              <a:prstClr val="black"/>
+            </a:solidFill>
+          </a:ln>
+        </p:spPr>
+        <p:txBody>
+          <a:bodyPr vert="horz" lIns="91440" tIns="45720" rIns="91440" bIns="45720" rtlCol="0" anchor="ctr"/>
+          <a:lstStyle/>
+          <a:p>
+            <a:endParaRPr lang="en-US"/>
+          </a:p>
+        </p:txBody>
+      </p:sp>
+      <p:sp>
+        <p:nvSpPr>
+          <p:cNvPr id="5" name="Notes Placeholder 4"/>
+          <p:cNvSpPr>
+            <a:spLocks noGrp="1"/>
+          </p:cNvSpPr>
+          <p:nvPr>
+            <p:ph type="body" sz="quarter" idx="3"/>
+          </p:nvPr>
+        </p:nvSpPr>
+        <p:spPr>
+          <a:xfrm>
+            <a:off x="685800" y="4400550"/>
+            <a:ext cx="5486400" cy="3600450"/>
+          </a:xfrm>
+          <a:prstGeom prst="rect">
+            <a:avLst/>
+          </a:prstGeom>
+        </p:spPr>
+        <p:txBody>
+          <a:bodyPr vert="horz" lIns="91440" tIns="45720" rIns="91440" bIns="45720" rtlCol="0"/>
+          <a:lstStyle/>
+          <a:p>
+            <a:pPr lvl="0"/>
+            <a:r>
+              <a:rPr lang="en-US"/>
+              <a:t>Edit Master text styles</a:t>
+            </a:r>
+          </a:p>
+          <a:p>
+            <a:pPr lvl="1"/>
+            <a:r>
+              <a:rPr lang="en-US"/>
+              <a:t>Second level</a:t>
+            </a:r>
+          </a:p>
+          <a:p>
+            <a:pPr lvl="2"/>
+            <a:r>
+              <a:rPr lang="en-US"/>
+              <a:t>Third level</a:t>
+            </a:r>
+          </a:p>
+          <a:p>
+            <a:pPr lvl="3"/>
+            <a:r>
+              <a:rPr lang="en-US"/>
+              <a:t>Fourth level</a:t>
+            </a:r>
+          </a:p>
+          <a:p>
+            <a:pPr lvl="4"/>
+            <a:r>
+              <a:rPr lang="en-US"/>
+              <a:t>Fifth level</a:t>
+            </a:r>
+          </a:p>
+        </p:txBody>
+      </p:sp>
+      <p:sp>
+        <p:nvSpPr>
+          <p:cNvPr id="6" name="Footer Placeholder 5"/>
+          <p:cNvSpPr>
+            <a:spLocks noGrp="1"/>
+          </p:cNvSpPr>
+          <p:nvPr>
+            <p:ph type="ftr" sz="quarter" idx="4"/>
+          </p:nvPr>
+        </p:nvSpPr>
+        <p:spPr>
+          <a:xfrm>
+            <a:off x="0" y="8685213"/>
+            <a:ext cx="2971800" cy="458787"/>
+          </a:xfrm>
+          <a:prstGeom prst="rect">
+            <a:avLst/>
+          </a:prstGeom>
+        </p:spPr>
+        <p:txBody>
+          <a:bodyPr vert="horz" lIns="91440" tIns="45720" rIns="91440" bIns="45720" rtlCol="0" anchor="b"/>
+          <a:lstStyle>
+            <a:lvl1pPr algn="l">
+              <a:defRPr sz="1200"/>
+            </a:lvl1pPr>
+          </a:lstStyle>
+          <a:p>
+            <a:endParaRPr lang="en-US"/>
+          </a:p>
+        </p:txBody>
+      </p:sp>
+      <p:sp>
+        <p:nvSpPr>
+          <p:cNvPr id="7" name="Slide Number Placeholder 6"/>
+          <p:cNvSpPr>
+            <a:spLocks noGrp="1"/>
+          </p:cNvSpPr>
+          <p:nvPr>
+            <p:ph type="sldNum" sz="quarter" idx="5"/>
+          </p:nvPr>
+        </p:nvSpPr>
+        <p:spPr>
+          <a:xfrm>
+            <a:off x="3884613" y="8685213"/>
+            <a:ext cx="2971800" cy="458787"/>
+          </a:xfrm>
+          <a:prstGeom prst="rect">
+            <a:avLst/>
+          </a:prstGeom>
+        </p:spPr>
+        <p:txBody>
+          <a:bodyPr vert="horz" lIns="91440" tIns="45720" rIns="91440" bIns="45720" rtlCol="0" anchor="b"/>
+          <a:lstStyle>
+            <a:lvl1pPr algn="r">
+              <a:defRPr sz="1200"/>
+            </a:lvl1pPr>
+          </a:lstStyle>
+          <a:p>
+            <a:fld id="{577F1EF4-C173-439F-8E18-8F05C89477B9}" type="slidenum">
+              <a:rPr lang="en-US" smtClean="0"/>
+              <a:t>‹#›</a:t>
+            </a:fld>
+            <a:endParaRPr lang="en-US"/>
+          </a:p>
+        </p:txBody>
+      </p:sp>
+    </p:spTree>
+    <p:extLst>
+      <p:ext uri="{BB962C8B-B14F-4D97-AF65-F5344CB8AC3E}">
+        <p14:creationId xmlns:p14="http://schemas.microsoft.com/office/powerpoint/2010/main" val="1835650241"/>
+      </p:ext>
+    </p:extLst>
+  </p:cSld>
+  <p:clrMap bg1="lt1" tx1="dk1" bg2="lt2" tx2="dk2" accent1="accent1" accent2="accent2" accent3="accent3" accent4="accent4" accent5="accent5" accent6="accent6" hlink="hlink" folHlink="folHlink"/>
+  <p:notesStyle>
+    <a:lvl1pPr marL="0" algn="l" defTabSz="914400" rtl="0" eaLnBrk="1" latinLnBrk="0" hangingPunct="1">
+      <a:defRPr sz="1200" kern="1200">
+        <a:solidFill>
+          <a:schemeClr val="tx1"/>
+        </a:solidFill>
+        <a:latin typeface="+mn-lt"/>
+        <a:ea typeface="+mn-ea"/>
+        <a:cs typeface="+mn-cs"/>
+      </a:defRPr>
+    </a:lvl1pPr>
+    <a:lvl2pPr marL="457200" algn="l" defTabSz="914400" rtl="0" eaLnBrk="1" latinLnBrk="0" hangingPunct="1">
+      <a:defRPr sz="1200" kern="1200">
+        <a:solidFill>
+          <a:schemeClr val="tx1"/>
+        </a:solidFill>
+        <a:latin typeface="+mn-lt"/>
+        <a:ea typeface="+mn-ea"/>
+        <a:cs typeface="+mn-cs"/>
+      </a:defRPr>
+    </a:lvl2pPr>
+    <a:lvl3pPr marL="914400" algn="l" defTabSz="914400" rtl="0" eaLnBrk="1" latinLnBrk="0" hangingPunct="1">
+      <a:defRPr sz="1200" kern="1200">
+        <a:solidFill>
+          <a:schemeClr val="tx1"/>
+        </a:solidFill>
+        <a:latin typeface="+mn-lt"/>
+        <a:ea typeface="+mn-ea"/>
+        <a:cs typeface="+mn-cs"/>
+      </a:defRPr>
+    </a:lvl3pPr>
+    <a:lvl4pPr marL="1371600" algn="l" defTabSz="914400" rtl="0" eaLnBrk="1" latinLnBrk="0" hangingPunct="1">
+      <a:defRPr sz="1200" kern="1200">
+        <a:solidFill>
+          <a:schemeClr val="tx1"/>
+        </a:solidFill>
+        <a:latin typeface="+mn-lt"/>
+        <a:ea typeface="+mn-ea"/>
+        <a:cs typeface="+mn-cs"/>
+      </a:defRPr>
+    </a:lvl4pPr>
+    <a:lvl5pPr marL="1828800" algn="l" defTabSz="914400" rtl="0" eaLnBrk="1" latinLnBrk="0" hangingPunct="1">
+      <a:defRPr sz="1200" kern="1200">
+        <a:solidFill>
+          <a:schemeClr val="tx1"/>
+        </a:solidFill>
+        <a:latin typeface="+mn-lt"/>
+        <a:ea typeface="+mn-ea"/>
+        <a:cs typeface="+mn-cs"/>
+      </a:defRPr>
+    </a:lvl5pPr>
+    <a:lvl6pPr marL="2286000" algn="l" defTabSz="914400" rtl="0" eaLnBrk="1" latinLnBrk="0" hangingPunct="1">
+      <a:defRPr sz="1200" kern="1200">
+        <a:solidFill>
+          <a:schemeClr val="tx1"/>
+        </a:solidFill>
+        <a:latin typeface="+mn-lt"/>
+        <a:ea typeface="+mn-ea"/>
+        <a:cs typeface="+mn-cs"/>
+      </a:defRPr>
+    </a:lvl6pPr>
+    <a:lvl7pPr marL="2743200" algn="l" defTabSz="914400" rtl="0" eaLnBrk="1" latinLnBrk="0" hangingPunct="1">
+      <a:defRPr sz="1200" kern="1200">
+        <a:solidFill>
+          <a:schemeClr val="tx1"/>
+        </a:solidFill>
+        <a:latin typeface="+mn-lt"/>
+        <a:ea typeface="+mn-ea"/>
+        <a:cs typeface="+mn-cs"/>
+      </a:defRPr>
+    </a:lvl7pPr>
+    <a:lvl8pPr marL="3200400" algn="l" defTabSz="914400" rtl="0" eaLnBrk="1" latinLnBrk="0" hangingPunct="1">
+      <a:defRPr sz="1200" kern="1200">
+        <a:solidFill>
+          <a:schemeClr val="tx1"/>
+        </a:solidFill>
+        <a:latin typeface="+mn-lt"/>
+        <a:ea typeface="+mn-ea"/>
+        <a:cs typeface="+mn-cs"/>
+      </a:defRPr>
+    </a:lvl8pPr>
+    <a:lvl9pPr marL="3657600" algn="l" defTabSz="914400" rtl="0" eaLnBrk="1" latinLnBrk="0" hangingPunct="1">
+      <a:defRPr sz="1200" kern="1200">
+        <a:solidFill>
+          <a:schemeClr val="tx1"/>
+        </a:solidFill>
+        <a:latin typeface="+mn-lt"/>
+        <a:ea typeface="+mn-ea"/>
+        <a:cs typeface="+mn-cs"/>
+      </a:defRPr>
+    </a:lvl9pPr>
+  </p:notesStyle>
+</p:notesMaster>
+</file>
+
+<file path=ppt/notesSlides/notesSlide1.xml><?xml version="1.0" encoding="utf-8"?>
+<p:notes xmlns:a="http://schemas.openxmlformats.org/drawingml/2006/main" xmlns:r="http://schemas.openxmlformats.org/officeDocument/2006/relationships" xmlns:p="http://schemas.openxmlformats.org/presentationml/2006/main">
+  <p:cSld>
+    <p:spTree>
+      <p:nvGrpSpPr>
+        <p:cNvPr id="1" name=""/>
+        <p:cNvGrpSpPr/>
+        <p:nvPr/>
+      </p:nvGrpSpPr>
+      <p:grpSpPr>
+        <a:xfrm>
+          <a:off x="0" y="0"/>
+          <a:ext cx="0" cy="0"/>
+          <a:chOff x="0" y="0"/>
+          <a:chExt cx="0" cy="0"/>
+        </a:xfrm>
+      </p:grpSpPr>
+      <p:sp>
+        <p:nvSpPr>
+          <p:cNvPr id="2" name="Slide Image Placeholder 1"/>
+          <p:cNvSpPr>
+            <a:spLocks noGrp="1" noRot="1" noChangeAspect="1"/>
+          </p:cNvSpPr>
+          <p:nvPr>
+            <p:ph type="sldImg"/>
+          </p:nvPr>
+        </p:nvSpPr>
+        <p:spPr/>
+      </p:sp>
+      <p:sp>
+        <p:nvSpPr>
+          <p:cNvPr id="3" name="Notes Placeholder 2"/>
+          <p:cNvSpPr>
+            <a:spLocks noGrp="1"/>
+          </p:cNvSpPr>
+          <p:nvPr>
+            <p:ph type="body" idx="1"/>
+          </p:nvPr>
+        </p:nvSpPr>
+        <p:spPr/>
+        <p:txBody>
+          <a:bodyPr/>
+          <a:lstStyle/>
+          <a:p>
+            <a:endParaRPr lang="en-US" dirty="0"/>
+          </a:p>
+        </p:txBody>
+      </p:sp>
+      <p:sp>
+        <p:nvSpPr>
+          <p:cNvPr id="4" name="Slide Number Placeholder 3"/>
+          <p:cNvSpPr>
+            <a:spLocks noGrp="1"/>
+          </p:cNvSpPr>
+          <p:nvPr>
+            <p:ph type="sldNum" sz="quarter" idx="5"/>
+          </p:nvPr>
+        </p:nvSpPr>
+        <p:spPr/>
+        <p:txBody>
+          <a:bodyPr/>
+          <a:lstStyle/>
+          <a:p>
+            <a:fld id="{577F1EF4-C173-439F-8E18-8F05C89477B9}" type="slidenum">
+              <a:rPr lang="en-US" smtClean="0"/>
+              <a:t>4</a:t>
+            </a:fld>
+            <a:endParaRPr lang="en-US"/>
+          </a:p>
+        </p:txBody>
+      </p:sp>
+    </p:spTree>
+    <p:extLst>
+      <p:ext uri="{BB962C8B-B14F-4D97-AF65-F5344CB8AC3E}">
+        <p14:creationId xmlns:p14="http://schemas.microsoft.com/office/powerpoint/2010/main" val="3470879920"/>
+      </p:ext>
+    </p:extLst>
+  </p:cSld>
+  <p:clrMapOvr>
+    <a:masterClrMapping/>
+  </p:clrMapOvr>
+</p:notes>
+</file>
+
+<file path=ppt/notesSlides/notesSlide2.xml><?xml version="1.0" encoding="utf-8"?>
+<p:notes xmlns:a="http://schemas.openxmlformats.org/drawingml/2006/main" xmlns:r="http://schemas.openxmlformats.org/officeDocument/2006/relationships" xmlns:p="http://schemas.openxmlformats.org/presentationml/2006/main">
+  <p:cSld>
+    <p:spTree>
+      <p:nvGrpSpPr>
+        <p:cNvPr id="1" name=""/>
+        <p:cNvGrpSpPr/>
+        <p:nvPr/>
+      </p:nvGrpSpPr>
+      <p:grpSpPr>
+        <a:xfrm>
+          <a:off x="0" y="0"/>
+          <a:ext cx="0" cy="0"/>
+          <a:chOff x="0" y="0"/>
+          <a:chExt cx="0" cy="0"/>
+        </a:xfrm>
+      </p:grpSpPr>
+      <p:sp>
+        <p:nvSpPr>
+          <p:cNvPr id="2" name="Slide Image Placeholder 1"/>
+          <p:cNvSpPr>
+            <a:spLocks noGrp="1" noRot="1" noChangeAspect="1"/>
+          </p:cNvSpPr>
+          <p:nvPr>
+            <p:ph type="sldImg"/>
+          </p:nvPr>
+        </p:nvSpPr>
+        <p:spPr/>
+      </p:sp>
+      <p:sp>
+        <p:nvSpPr>
+          <p:cNvPr id="3" name="Notes Placeholder 2"/>
+          <p:cNvSpPr>
+            <a:spLocks noGrp="1"/>
+          </p:cNvSpPr>
+          <p:nvPr>
+            <p:ph type="body" idx="1"/>
+          </p:nvPr>
+        </p:nvSpPr>
+        <p:spPr/>
+        <p:txBody>
+          <a:bodyPr/>
+          <a:lstStyle/>
+          <a:p>
+            <a:endParaRPr lang="en-US" dirty="0"/>
+          </a:p>
+        </p:txBody>
+      </p:sp>
+      <p:sp>
+        <p:nvSpPr>
+          <p:cNvPr id="4" name="Slide Number Placeholder 3"/>
+          <p:cNvSpPr>
+            <a:spLocks noGrp="1"/>
+          </p:cNvSpPr>
+          <p:nvPr>
+            <p:ph type="sldNum" sz="quarter" idx="5"/>
+          </p:nvPr>
+        </p:nvSpPr>
+        <p:spPr/>
+        <p:txBody>
+          <a:bodyPr/>
+          <a:lstStyle/>
+          <a:p>
+            <a:fld id="{577F1EF4-C173-439F-8E18-8F05C89477B9}" type="slidenum">
+              <a:rPr lang="en-US" smtClean="0"/>
+              <a:t>5</a:t>
+            </a:fld>
+            <a:endParaRPr lang="en-US"/>
+          </a:p>
+        </p:txBody>
+      </p:sp>
+    </p:spTree>
+    <p:extLst>
+      <p:ext uri="{BB962C8B-B14F-4D97-AF65-F5344CB8AC3E}">
+        <p14:creationId xmlns:p14="http://schemas.microsoft.com/office/powerpoint/2010/main" val="2026689285"/>
+      </p:ext>
+    </p:extLst>
+  </p:cSld>
+  <p:clrMapOvr>
+    <a:masterClrMapping/>
+  </p:clrMapOvr>
+</p:notes>
 </file>
 
 <file path=ppt/slideLayouts/slideLayout1.xml><?xml version="1.0" encoding="utf-8"?>
@@ -133,13 +3614,7 @@
       </p:grpSpPr>
       <p:sp>
         <p:nvSpPr>
-          <p:cNvPr id="2" name="Title 1">
-            <a:extLst>
-              <a:ext uri="{FF2B5EF4-FFF2-40B4-BE49-F238E27FC236}">
-                <a16:creationId xmlns:a16="http://schemas.microsoft.com/office/drawing/2014/main" id="{B828CA5E-43DC-1741-A01C-5E09CE4615C0}"/>
-              </a:ext>
-            </a:extLst>
-          </p:cNvPr>
+          <p:cNvPr id="2" name="Title 1"/>
           <p:cNvSpPr>
             <a:spLocks noGrp="1"/>
           </p:cNvSpPr>
@@ -149,15 +3624,17 @@
         </p:nvSpPr>
         <p:spPr>
           <a:xfrm>
-            <a:off x="1524000" y="1122363"/>
-            <a:ext cx="9144000" cy="2387600"/>
+            <a:off x="2417779" y="802298"/>
+            <a:ext cx="8637073" cy="2541431"/>
           </a:xfrm>
         </p:spPr>
         <p:txBody>
-          <a:bodyPr anchor="b"/>
+          <a:bodyPr bIns="0" anchor="b">
+            <a:normAutofit/>
+          </a:bodyPr>
           <a:lstStyle>
-            <a:lvl1pPr algn="ctr">
-              <a:defRPr sz="6000"/>
+            <a:lvl1pPr algn="l">
+              <a:defRPr sz="6600"/>
             </a:lvl1pPr>
           </a:lstStyle>
           <a:p>
@@ -165,18 +3642,13 @@
               <a:rPr lang="en-US"/>
               <a:t>Click to edit Master title style</a:t>
             </a:r>
-          </a:p>
-        </p:txBody>
-      </p:sp>
-      <p:sp>
-        <p:nvSpPr>
-          <p:cNvPr id="3" name="Subtitle 2">
-            <a:extLst>
-              <a:ext uri="{FF2B5EF4-FFF2-40B4-BE49-F238E27FC236}">
-                <a16:creationId xmlns:a16="http://schemas.microsoft.com/office/drawing/2014/main" id="{C5362B67-75DF-F34D-A9A9-A8985C1A6AE5}"/>
-              </a:ext>
-            </a:extLst>
-          </p:cNvPr>
+            <a:endParaRPr lang="en-US" dirty="0"/>
+          </a:p>
+        </p:txBody>
+      </p:sp>
+      <p:sp>
+        <p:nvSpPr>
+          <p:cNvPr id="3" name="Subtitle 2"/>
           <p:cNvSpPr>
             <a:spLocks noGrp="1"/>
           </p:cNvSpPr>
@@ -186,20 +3658,26 @@
         </p:nvSpPr>
         <p:spPr>
           <a:xfrm>
-            <a:off x="1524000" y="3602038"/>
-            <a:ext cx="9144000" cy="1655762"/>
+            <a:off x="2417780" y="3531204"/>
+            <a:ext cx="8637072" cy="977621"/>
           </a:xfrm>
         </p:spPr>
         <p:txBody>
-          <a:bodyPr/>
+          <a:bodyPr tIns="91440" bIns="91440">
+            <a:normAutofit/>
+          </a:bodyPr>
           <a:lstStyle>
-            <a:lvl1pPr marL="0" indent="0" algn="ctr">
+            <a:lvl1pPr marL="0" indent="0" algn="l">
               <a:buNone/>
-              <a:defRPr sz="2400"/>
+              <a:defRPr sz="1800" b="0" cap="all" baseline="0">
+                <a:solidFill>
+                  <a:schemeClr val="tx1"/>
+                </a:solidFill>
+              </a:defRPr>
             </a:lvl1pPr>
             <a:lvl2pPr marL="457200" indent="0" algn="ctr">
               <a:buNone/>
-              <a:defRPr sz="2000"/>
+              <a:defRPr sz="1800"/>
             </a:lvl2pPr>
             <a:lvl3pPr marL="914400" indent="0" algn="ctr">
               <a:buNone/>
@@ -235,18 +3713,13 @@
               <a:rPr lang="en-US"/>
               <a:t>Click to edit Master subtitle style</a:t>
             </a:r>
-          </a:p>
-        </p:txBody>
-      </p:sp>
-      <p:sp>
-        <p:nvSpPr>
-          <p:cNvPr id="4" name="Date Placeholder 3">
-            <a:extLst>
-              <a:ext uri="{FF2B5EF4-FFF2-40B4-BE49-F238E27FC236}">
-                <a16:creationId xmlns:a16="http://schemas.microsoft.com/office/drawing/2014/main" id="{741E32C5-2639-584E-B271-2A2D6262B79B}"/>
-              </a:ext>
-            </a:extLst>
-          </p:cNvPr>
+            <a:endParaRPr lang="en-US" dirty="0"/>
+          </a:p>
+        </p:txBody>
+      </p:sp>
+      <p:sp>
+        <p:nvSpPr>
+          <p:cNvPr id="4" name="Date Placeholder 3"/>
           <p:cNvSpPr>
             <a:spLocks noGrp="1"/>
           </p:cNvSpPr>
@@ -261,7 +3734,7 @@
           <a:p>
             <a:fld id="{BCB843B3-FFFB-EF4E-A60F-DDF5039288AF}" type="datetimeFigureOut">
               <a:rPr lang="en-US" smtClean="0"/>
-              <a:t>12/14/18</a:t>
+              <a:t>12/15/2018</a:t>
             </a:fld>
             <a:endParaRPr lang="en-US"/>
           </a:p>
@@ -269,13 +3742,7 @@
       </p:sp>
       <p:sp>
         <p:nvSpPr>
-          <p:cNvPr id="5" name="Footer Placeholder 4">
-            <a:extLst>
-              <a:ext uri="{FF2B5EF4-FFF2-40B4-BE49-F238E27FC236}">
-                <a16:creationId xmlns:a16="http://schemas.microsoft.com/office/drawing/2014/main" id="{D3333AA5-6070-E442-8E8D-08A1C5235024}"/>
-              </a:ext>
-            </a:extLst>
-          </p:cNvPr>
+          <p:cNvPr id="5" name="Footer Placeholder 4"/>
           <p:cNvSpPr>
             <a:spLocks noGrp="1"/>
           </p:cNvSpPr>
@@ -283,7 +3750,12 @@
             <p:ph type="ftr" sz="quarter" idx="11"/>
           </p:nvPr>
         </p:nvSpPr>
-        <p:spPr/>
+        <p:spPr>
+          <a:xfrm>
+            <a:off x="2416500" y="329307"/>
+            <a:ext cx="4973915" cy="309201"/>
+          </a:xfrm>
+        </p:spPr>
         <p:txBody>
           <a:bodyPr/>
           <a:lstStyle/>
@@ -294,13 +3766,7 @@
       </p:sp>
       <p:sp>
         <p:nvSpPr>
-          <p:cNvPr id="6" name="Slide Number Placeholder 5">
-            <a:extLst>
-              <a:ext uri="{FF2B5EF4-FFF2-40B4-BE49-F238E27FC236}">
-                <a16:creationId xmlns:a16="http://schemas.microsoft.com/office/drawing/2014/main" id="{4F0D6E50-1A6C-7340-9816-39C8DD8C0355}"/>
-              </a:ext>
-            </a:extLst>
-          </p:cNvPr>
+          <p:cNvPr id="6" name="Slide Number Placeholder 5"/>
           <p:cNvSpPr>
             <a:spLocks noGrp="1"/>
           </p:cNvSpPr>
@@ -308,7 +3774,12 @@
             <p:ph type="sldNum" sz="quarter" idx="12"/>
           </p:nvPr>
         </p:nvSpPr>
-        <p:spPr/>
+        <p:spPr>
+          <a:xfrm>
+            <a:off x="1437664" y="798973"/>
+            <a:ext cx="811019" cy="503578"/>
+          </a:xfrm>
+        </p:spPr>
         <p:txBody>
           <a:bodyPr/>
           <a:lstStyle/>
@@ -321,10 +3792,41 @@
           </a:p>
         </p:txBody>
       </p:sp>
+      <p:cxnSp>
+        <p:nvCxnSpPr>
+          <p:cNvPr id="15" name="Straight Connector 14"/>
+          <p:cNvCxnSpPr/>
+          <p:nvPr/>
+        </p:nvCxnSpPr>
+        <p:spPr>
+          <a:xfrm>
+            <a:off x="2417780" y="3528542"/>
+            <a:ext cx="8637072" cy="0"/>
+          </a:xfrm>
+          <a:prstGeom prst="line">
+            <a:avLst/>
+          </a:prstGeom>
+          <a:ln w="31750"/>
+        </p:spPr>
+        <p:style>
+          <a:lnRef idx="3">
+            <a:schemeClr val="accent1"/>
+          </a:lnRef>
+          <a:fillRef idx="0">
+            <a:schemeClr val="accent1"/>
+          </a:fillRef>
+          <a:effectRef idx="2">
+            <a:schemeClr val="accent1"/>
+          </a:effectRef>
+          <a:fontRef idx="minor">
+            <a:schemeClr val="tx1"/>
+          </a:fontRef>
+        </p:style>
+      </p:cxnSp>
     </p:spTree>
     <p:extLst>
       <p:ext uri="{BB962C8B-B14F-4D97-AF65-F5344CB8AC3E}">
-        <p14:creationId xmlns:p14="http://schemas.microsoft.com/office/powerpoint/2010/main" val="1710367181"/>
+        <p14:creationId xmlns:p14="http://schemas.microsoft.com/office/powerpoint/2010/main" val="3166961796"/>
       </p:ext>
     </p:extLst>
   </p:cSld>
@@ -353,13 +3855,7 @@
       </p:grpSpPr>
       <p:sp>
         <p:nvSpPr>
-          <p:cNvPr id="2" name="Title 1">
-            <a:extLst>
-              <a:ext uri="{FF2B5EF4-FFF2-40B4-BE49-F238E27FC236}">
-                <a16:creationId xmlns:a16="http://schemas.microsoft.com/office/drawing/2014/main" id="{46D57CD2-673B-F347-B3C7-162E2103C22D}"/>
-              </a:ext>
-            </a:extLst>
-          </p:cNvPr>
+          <p:cNvPr id="2" name="Title 1"/>
           <p:cNvSpPr>
             <a:spLocks noGrp="1"/>
           </p:cNvSpPr>
@@ -376,18 +3872,13 @@
               <a:rPr lang="en-US"/>
               <a:t>Click to edit Master title style</a:t>
             </a:r>
-          </a:p>
-        </p:txBody>
-      </p:sp>
-      <p:sp>
-        <p:nvSpPr>
-          <p:cNvPr id="3" name="Vertical Text Placeholder 2">
-            <a:extLst>
-              <a:ext uri="{FF2B5EF4-FFF2-40B4-BE49-F238E27FC236}">
-                <a16:creationId xmlns:a16="http://schemas.microsoft.com/office/drawing/2014/main" id="{FE314E1A-7877-E443-8E96-E64BC0F96A03}"/>
-              </a:ext>
-            </a:extLst>
-          </p:cNvPr>
+            <a:endParaRPr lang="en-US" dirty="0"/>
+          </a:p>
+        </p:txBody>
+      </p:sp>
+      <p:sp>
+        <p:nvSpPr>
+          <p:cNvPr id="3" name="Vertical Text Placeholder 2"/>
           <p:cNvSpPr>
             <a:spLocks noGrp="1"/>
           </p:cNvSpPr>
@@ -433,18 +3924,13 @@
               <a:rPr lang="en-US"/>
               <a:t>Fifth level</a:t>
             </a:r>
-          </a:p>
-        </p:txBody>
-      </p:sp>
-      <p:sp>
-        <p:nvSpPr>
-          <p:cNvPr id="4" name="Date Placeholder 3">
-            <a:extLst>
-              <a:ext uri="{FF2B5EF4-FFF2-40B4-BE49-F238E27FC236}">
-                <a16:creationId xmlns:a16="http://schemas.microsoft.com/office/drawing/2014/main" id="{D2484D2B-D60B-5C47-A317-40D8352512AB}"/>
-              </a:ext>
-            </a:extLst>
-          </p:cNvPr>
+            <a:endParaRPr lang="en-US" dirty="0"/>
+          </a:p>
+        </p:txBody>
+      </p:sp>
+      <p:sp>
+        <p:nvSpPr>
+          <p:cNvPr id="4" name="Date Placeholder 3"/>
           <p:cNvSpPr>
             <a:spLocks noGrp="1"/>
           </p:cNvSpPr>
@@ -459,7 +3945,7 @@
           <a:p>
             <a:fld id="{BCB843B3-FFFB-EF4E-A60F-DDF5039288AF}" type="datetimeFigureOut">
               <a:rPr lang="en-US" smtClean="0"/>
-              <a:t>12/14/18</a:t>
+              <a:t>12/15/2018</a:t>
             </a:fld>
             <a:endParaRPr lang="en-US"/>
           </a:p>
@@ -467,13 +3953,7 @@
       </p:sp>
       <p:sp>
         <p:nvSpPr>
-          <p:cNvPr id="5" name="Footer Placeholder 4">
-            <a:extLst>
-              <a:ext uri="{FF2B5EF4-FFF2-40B4-BE49-F238E27FC236}">
-                <a16:creationId xmlns:a16="http://schemas.microsoft.com/office/drawing/2014/main" id="{0CC44710-117D-9945-9B15-87735F75B3B3}"/>
-              </a:ext>
-            </a:extLst>
-          </p:cNvPr>
+          <p:cNvPr id="5" name="Footer Placeholder 4"/>
           <p:cNvSpPr>
             <a:spLocks noGrp="1"/>
           </p:cNvSpPr>
@@ -492,13 +3972,7 @@
       </p:sp>
       <p:sp>
         <p:nvSpPr>
-          <p:cNvPr id="6" name="Slide Number Placeholder 5">
-            <a:extLst>
-              <a:ext uri="{FF2B5EF4-FFF2-40B4-BE49-F238E27FC236}">
-                <a16:creationId xmlns:a16="http://schemas.microsoft.com/office/drawing/2014/main" id="{059E73D3-DC6D-D048-8650-CF5A1FE6AB82}"/>
-              </a:ext>
-            </a:extLst>
-          </p:cNvPr>
+          <p:cNvPr id="6" name="Slide Number Placeholder 5"/>
           <p:cNvSpPr>
             <a:spLocks noGrp="1"/>
           </p:cNvSpPr>
@@ -519,10 +3993,41 @@
           </a:p>
         </p:txBody>
       </p:sp>
+      <p:cxnSp>
+        <p:nvCxnSpPr>
+          <p:cNvPr id="26" name="Straight Connector 25"/>
+          <p:cNvCxnSpPr/>
+          <p:nvPr/>
+        </p:nvCxnSpPr>
+        <p:spPr>
+          <a:xfrm>
+            <a:off x="1453896" y="1847088"/>
+            <a:ext cx="9607522" cy="0"/>
+          </a:xfrm>
+          <a:prstGeom prst="line">
+            <a:avLst/>
+          </a:prstGeom>
+          <a:ln w="31750"/>
+        </p:spPr>
+        <p:style>
+          <a:lnRef idx="3">
+            <a:schemeClr val="accent1"/>
+          </a:lnRef>
+          <a:fillRef idx="0">
+            <a:schemeClr val="accent1"/>
+          </a:fillRef>
+          <a:effectRef idx="2">
+            <a:schemeClr val="accent1"/>
+          </a:effectRef>
+          <a:fontRef idx="minor">
+            <a:schemeClr val="tx1"/>
+          </a:fontRef>
+        </p:style>
+      </p:cxnSp>
     </p:spTree>
     <p:extLst>
       <p:ext uri="{BB962C8B-B14F-4D97-AF65-F5344CB8AC3E}">
-        <p14:creationId xmlns:p14="http://schemas.microsoft.com/office/powerpoint/2010/main" val="1709222085"/>
+        <p14:creationId xmlns:p14="http://schemas.microsoft.com/office/powerpoint/2010/main" val="282865452"/>
       </p:ext>
     </p:extLst>
   </p:cSld>
@@ -551,13 +4056,7 @@
       </p:grpSpPr>
       <p:sp>
         <p:nvSpPr>
-          <p:cNvPr id="2" name="Vertical Title 1">
-            <a:extLst>
-              <a:ext uri="{FF2B5EF4-FFF2-40B4-BE49-F238E27FC236}">
-                <a16:creationId xmlns:a16="http://schemas.microsoft.com/office/drawing/2014/main" id="{9240080F-3BC3-384D-B2DC-B3E81019E966}"/>
-              </a:ext>
-            </a:extLst>
-          </p:cNvPr>
+          <p:cNvPr id="2" name="Vertical Title 1"/>
           <p:cNvSpPr>
             <a:spLocks noGrp="1"/>
           </p:cNvSpPr>
@@ -567,30 +4066,29 @@
         </p:nvSpPr>
         <p:spPr>
           <a:xfrm>
-            <a:off x="8724900" y="365125"/>
-            <a:ext cx="2628900" cy="5811838"/>
+            <a:off x="9439111" y="798973"/>
+            <a:ext cx="1615742" cy="4659889"/>
           </a:xfrm>
         </p:spPr>
         <p:txBody>
           <a:bodyPr vert="eaVert"/>
-          <a:lstStyle/>
+          <a:lstStyle>
+            <a:lvl1pPr algn="l">
+              <a:defRPr/>
+            </a:lvl1pPr>
+          </a:lstStyle>
           <a:p>
             <a:r>
               <a:rPr lang="en-US"/>
               <a:t>Click to edit Master title style</a:t>
             </a:r>
-          </a:p>
-        </p:txBody>
-      </p:sp>
-      <p:sp>
-        <p:nvSpPr>
-          <p:cNvPr id="3" name="Vertical Text Placeholder 2">
-            <a:extLst>
-              <a:ext uri="{FF2B5EF4-FFF2-40B4-BE49-F238E27FC236}">
-                <a16:creationId xmlns:a16="http://schemas.microsoft.com/office/drawing/2014/main" id="{880CE230-67B5-3843-A990-E21061C69AC8}"/>
-              </a:ext>
-            </a:extLst>
-          </p:cNvPr>
+            <a:endParaRPr lang="en-US" dirty="0"/>
+          </a:p>
+        </p:txBody>
+      </p:sp>
+      <p:sp>
+        <p:nvSpPr>
+          <p:cNvPr id="3" name="Vertical Text Placeholder 2"/>
           <p:cNvSpPr>
             <a:spLocks noGrp="1"/>
           </p:cNvSpPr>
@@ -600,8 +4098,8 @@
         </p:nvSpPr>
         <p:spPr>
           <a:xfrm>
-            <a:off x="838200" y="365125"/>
-            <a:ext cx="7734300" cy="5811838"/>
+            <a:off x="1444672" y="798973"/>
+            <a:ext cx="7828830" cy="4659889"/>
           </a:xfrm>
         </p:spPr>
         <p:txBody>
@@ -641,18 +4139,13 @@
               <a:rPr lang="en-US"/>
               <a:t>Fifth level</a:t>
             </a:r>
-          </a:p>
-        </p:txBody>
-      </p:sp>
-      <p:sp>
-        <p:nvSpPr>
-          <p:cNvPr id="4" name="Date Placeholder 3">
-            <a:extLst>
-              <a:ext uri="{FF2B5EF4-FFF2-40B4-BE49-F238E27FC236}">
-                <a16:creationId xmlns:a16="http://schemas.microsoft.com/office/drawing/2014/main" id="{DE4DCF0E-5C11-A24F-B1ED-F139F9AAE342}"/>
-              </a:ext>
-            </a:extLst>
-          </p:cNvPr>
+            <a:endParaRPr lang="en-US" dirty="0"/>
+          </a:p>
+        </p:txBody>
+      </p:sp>
+      <p:sp>
+        <p:nvSpPr>
+          <p:cNvPr id="4" name="Date Placeholder 3"/>
           <p:cNvSpPr>
             <a:spLocks noGrp="1"/>
           </p:cNvSpPr>
@@ -667,7 +4160,7 @@
           <a:p>
             <a:fld id="{BCB843B3-FFFB-EF4E-A60F-DDF5039288AF}" type="datetimeFigureOut">
               <a:rPr lang="en-US" smtClean="0"/>
-              <a:t>12/14/18</a:t>
+              <a:t>12/15/2018</a:t>
             </a:fld>
             <a:endParaRPr lang="en-US"/>
           </a:p>
@@ -675,13 +4168,7 @@
       </p:sp>
       <p:sp>
         <p:nvSpPr>
-          <p:cNvPr id="5" name="Footer Placeholder 4">
-            <a:extLst>
-              <a:ext uri="{FF2B5EF4-FFF2-40B4-BE49-F238E27FC236}">
-                <a16:creationId xmlns:a16="http://schemas.microsoft.com/office/drawing/2014/main" id="{4EC337A3-AA46-664F-93A7-B56F6A9A33A9}"/>
-              </a:ext>
-            </a:extLst>
-          </p:cNvPr>
+          <p:cNvPr id="5" name="Footer Placeholder 4"/>
           <p:cNvSpPr>
             <a:spLocks noGrp="1"/>
           </p:cNvSpPr>
@@ -700,13 +4187,7 @@
       </p:sp>
       <p:sp>
         <p:nvSpPr>
-          <p:cNvPr id="6" name="Slide Number Placeholder 5">
-            <a:extLst>
-              <a:ext uri="{FF2B5EF4-FFF2-40B4-BE49-F238E27FC236}">
-                <a16:creationId xmlns:a16="http://schemas.microsoft.com/office/drawing/2014/main" id="{16F3FA27-5FEB-B84D-9C22-4200D5A64D1B}"/>
-              </a:ext>
-            </a:extLst>
-          </p:cNvPr>
+          <p:cNvPr id="6" name="Slide Number Placeholder 5"/>
           <p:cNvSpPr>
             <a:spLocks noGrp="1"/>
           </p:cNvSpPr>
@@ -727,10 +4208,41 @@
           </a:p>
         </p:txBody>
       </p:sp>
+      <p:cxnSp>
+        <p:nvCxnSpPr>
+          <p:cNvPr id="15" name="Straight Connector 14"/>
+          <p:cNvCxnSpPr/>
+          <p:nvPr/>
+        </p:nvCxnSpPr>
+        <p:spPr>
+          <a:xfrm>
+            <a:off x="9439111" y="798973"/>
+            <a:ext cx="0" cy="4659889"/>
+          </a:xfrm>
+          <a:prstGeom prst="line">
+            <a:avLst/>
+          </a:prstGeom>
+          <a:ln w="31750"/>
+        </p:spPr>
+        <p:style>
+          <a:lnRef idx="3">
+            <a:schemeClr val="accent1"/>
+          </a:lnRef>
+          <a:fillRef idx="0">
+            <a:schemeClr val="accent1"/>
+          </a:fillRef>
+          <a:effectRef idx="2">
+            <a:schemeClr val="accent1"/>
+          </a:effectRef>
+          <a:fontRef idx="minor">
+            <a:schemeClr val="tx1"/>
+          </a:fontRef>
+        </p:style>
+      </p:cxnSp>
     </p:spTree>
     <p:extLst>
       <p:ext uri="{BB962C8B-B14F-4D97-AF65-F5344CB8AC3E}">
-        <p14:creationId xmlns:p14="http://schemas.microsoft.com/office/powerpoint/2010/main" val="3650923898"/>
+        <p14:creationId xmlns:p14="http://schemas.microsoft.com/office/powerpoint/2010/main" val="59071089"/>
       </p:ext>
     </p:extLst>
   </p:cSld>
@@ -759,13 +4271,7 @@
       </p:grpSpPr>
       <p:sp>
         <p:nvSpPr>
-          <p:cNvPr id="2" name="Title 1">
-            <a:extLst>
-              <a:ext uri="{FF2B5EF4-FFF2-40B4-BE49-F238E27FC236}">
-                <a16:creationId xmlns:a16="http://schemas.microsoft.com/office/drawing/2014/main" id="{F0F51DC2-0F56-C745-96F5-6C7CC6B102E0}"/>
-              </a:ext>
-            </a:extLst>
-          </p:cNvPr>
+          <p:cNvPr id="2" name="Title 1"/>
           <p:cNvSpPr>
             <a:spLocks noGrp="1"/>
           </p:cNvSpPr>
@@ -782,23 +4288,70 @@
               <a:rPr lang="en-US"/>
               <a:t>Click to edit Master title style</a:t>
             </a:r>
-          </a:p>
-        </p:txBody>
-      </p:sp>
-      <p:sp>
-        <p:nvSpPr>
-          <p:cNvPr id="3" name="Content Placeholder 2">
-            <a:extLst>
-              <a:ext uri="{FF2B5EF4-FFF2-40B4-BE49-F238E27FC236}">
-                <a16:creationId xmlns:a16="http://schemas.microsoft.com/office/drawing/2014/main" id="{1FE6B8A9-B008-9B40-A247-AB81E247A214}"/>
-              </a:ext>
-            </a:extLst>
-          </p:cNvPr>
+            <a:endParaRPr lang="en-US" dirty="0"/>
+          </a:p>
+        </p:txBody>
+      </p:sp>
+      <p:sp>
+        <p:nvSpPr>
+          <p:cNvPr id="3" name="Content Placeholder 2"/>
           <p:cNvSpPr>
             <a:spLocks noGrp="1"/>
           </p:cNvSpPr>
           <p:nvPr>
             <p:ph idx="1"/>
+          </p:nvPr>
+        </p:nvSpPr>
+        <p:spPr/>
+        <p:txBody>
+          <a:bodyPr anchor="t"/>
+          <a:lstStyle/>
+          <a:p>
+            <a:pPr lvl="0"/>
+            <a:r>
+              <a:rPr lang="en-US"/>
+              <a:t>Edit Master text styles</a:t>
+            </a:r>
+          </a:p>
+          <a:p>
+            <a:pPr lvl="1"/>
+            <a:r>
+              <a:rPr lang="en-US"/>
+              <a:t>Second level</a:t>
+            </a:r>
+          </a:p>
+          <a:p>
+            <a:pPr lvl="2"/>
+            <a:r>
+              <a:rPr lang="en-US"/>
+              <a:t>Third level</a:t>
+            </a:r>
+          </a:p>
+          <a:p>
+            <a:pPr lvl="3"/>
+            <a:r>
+              <a:rPr lang="en-US"/>
+              <a:t>Fourth level</a:t>
+            </a:r>
+          </a:p>
+          <a:p>
+            <a:pPr lvl="4"/>
+            <a:r>
+              <a:rPr lang="en-US"/>
+              <a:t>Fifth level</a:t>
+            </a:r>
+            <a:endParaRPr lang="en-US" dirty="0"/>
+          </a:p>
+        </p:txBody>
+      </p:sp>
+      <p:sp>
+        <p:nvSpPr>
+          <p:cNvPr id="4" name="Date Placeholder 3"/>
+          <p:cNvSpPr>
+            <a:spLocks noGrp="1"/>
+          </p:cNvSpPr>
+          <p:nvPr>
+            <p:ph type="dt" sz="half" idx="10"/>
           </p:nvPr>
         </p:nvSpPr>
         <p:spPr/>
@@ -806,56 +4359,22 @@
           <a:bodyPr/>
           <a:lstStyle/>
           <a:p>
-            <a:pPr lvl="0"/>
-            <a:r>
-              <a:rPr lang="en-US"/>
-              <a:t>Edit Master text styles</a:t>
-            </a:r>
-          </a:p>
-          <a:p>
-            <a:pPr lvl="1"/>
-            <a:r>
-              <a:rPr lang="en-US"/>
-              <a:t>Second level</a:t>
-            </a:r>
-          </a:p>
-          <a:p>
-            <a:pPr lvl="2"/>
-            <a:r>
-              <a:rPr lang="en-US"/>
-              <a:t>Third level</a:t>
-            </a:r>
-          </a:p>
-          <a:p>
-            <a:pPr lvl="3"/>
-            <a:r>
-              <a:rPr lang="en-US"/>
-              <a:t>Fourth level</a:t>
-            </a:r>
-          </a:p>
-          <a:p>
-            <a:pPr lvl="4"/>
-            <a:r>
-              <a:rPr lang="en-US"/>
-              <a:t>Fifth level</a:t>
-            </a:r>
-          </a:p>
-        </p:txBody>
-      </p:sp>
-      <p:sp>
-        <p:nvSpPr>
-          <p:cNvPr id="4" name="Date Placeholder 3">
-            <a:extLst>
-              <a:ext uri="{FF2B5EF4-FFF2-40B4-BE49-F238E27FC236}">
-                <a16:creationId xmlns:a16="http://schemas.microsoft.com/office/drawing/2014/main" id="{3DEEAF91-480A-F04B-9327-448D398CA3C5}"/>
-              </a:ext>
-            </a:extLst>
-          </p:cNvPr>
+            <a:fld id="{BCB843B3-FFFB-EF4E-A60F-DDF5039288AF}" type="datetimeFigureOut">
+              <a:rPr lang="en-US" smtClean="0"/>
+              <a:t>12/15/2018</a:t>
+            </a:fld>
+            <a:endParaRPr lang="en-US"/>
+          </a:p>
+        </p:txBody>
+      </p:sp>
+      <p:sp>
+        <p:nvSpPr>
+          <p:cNvPr id="5" name="Footer Placeholder 4"/>
           <p:cNvSpPr>
             <a:spLocks noGrp="1"/>
           </p:cNvSpPr>
           <p:nvPr>
-            <p:ph type="dt" sz="half" idx="10"/>
+            <p:ph type="ftr" sz="quarter" idx="11"/>
           </p:nvPr>
         </p:nvSpPr>
         <p:spPr/>
@@ -863,48 +4382,13 @@
           <a:bodyPr/>
           <a:lstStyle/>
           <a:p>
-            <a:fld id="{BCB843B3-FFFB-EF4E-A60F-DDF5039288AF}" type="datetimeFigureOut">
-              <a:rPr lang="en-US" smtClean="0"/>
-              <a:t>12/14/18</a:t>
-            </a:fld>
             <a:endParaRPr lang="en-US"/>
           </a:p>
         </p:txBody>
       </p:sp>
       <p:sp>
         <p:nvSpPr>
-          <p:cNvPr id="5" name="Footer Placeholder 4">
-            <a:extLst>
-              <a:ext uri="{FF2B5EF4-FFF2-40B4-BE49-F238E27FC236}">
-                <a16:creationId xmlns:a16="http://schemas.microsoft.com/office/drawing/2014/main" id="{0BC15C7A-F826-8547-ACBA-70A1F3A3A86C}"/>
-              </a:ext>
-            </a:extLst>
-          </p:cNvPr>
-          <p:cNvSpPr>
-            <a:spLocks noGrp="1"/>
-          </p:cNvSpPr>
-          <p:nvPr>
-            <p:ph type="ftr" sz="quarter" idx="11"/>
-          </p:nvPr>
-        </p:nvSpPr>
-        <p:spPr/>
-        <p:txBody>
-          <a:bodyPr/>
-          <a:lstStyle/>
-          <a:p>
-            <a:endParaRPr lang="en-US"/>
-          </a:p>
-        </p:txBody>
-      </p:sp>
-      <p:sp>
-        <p:nvSpPr>
-          <p:cNvPr id="6" name="Slide Number Placeholder 5">
-            <a:extLst>
-              <a:ext uri="{FF2B5EF4-FFF2-40B4-BE49-F238E27FC236}">
-                <a16:creationId xmlns:a16="http://schemas.microsoft.com/office/drawing/2014/main" id="{6E37ADF7-89E8-D94E-B299-537CE9702390}"/>
-              </a:ext>
-            </a:extLst>
-          </p:cNvPr>
+          <p:cNvPr id="6" name="Slide Number Placeholder 5"/>
           <p:cNvSpPr>
             <a:spLocks noGrp="1"/>
           </p:cNvSpPr>
@@ -925,10 +4409,41 @@
           </a:p>
         </p:txBody>
       </p:sp>
+      <p:cxnSp>
+        <p:nvCxnSpPr>
+          <p:cNvPr id="33" name="Straight Connector 32"/>
+          <p:cNvCxnSpPr/>
+          <p:nvPr/>
+        </p:nvCxnSpPr>
+        <p:spPr>
+          <a:xfrm>
+            <a:off x="1453896" y="1847088"/>
+            <a:ext cx="9607522" cy="0"/>
+          </a:xfrm>
+          <a:prstGeom prst="line">
+            <a:avLst/>
+          </a:prstGeom>
+          <a:ln w="31750"/>
+        </p:spPr>
+        <p:style>
+          <a:lnRef idx="3">
+            <a:schemeClr val="accent1"/>
+          </a:lnRef>
+          <a:fillRef idx="0">
+            <a:schemeClr val="accent1"/>
+          </a:fillRef>
+          <a:effectRef idx="2">
+            <a:schemeClr val="accent1"/>
+          </a:effectRef>
+          <a:fontRef idx="minor">
+            <a:schemeClr val="tx1"/>
+          </a:fontRef>
+        </p:style>
+      </p:cxnSp>
     </p:spTree>
     <p:extLst>
       <p:ext uri="{BB962C8B-B14F-4D97-AF65-F5344CB8AC3E}">
-        <p14:creationId xmlns:p14="http://schemas.microsoft.com/office/powerpoint/2010/main" val="1910755332"/>
+        <p14:creationId xmlns:p14="http://schemas.microsoft.com/office/powerpoint/2010/main" val="3912824199"/>
       </p:ext>
     </p:extLst>
   </p:cSld>
@@ -957,13 +4472,7 @@
       </p:grpSpPr>
       <p:sp>
         <p:nvSpPr>
-          <p:cNvPr id="2" name="Title 1">
-            <a:extLst>
-              <a:ext uri="{FF2B5EF4-FFF2-40B4-BE49-F238E27FC236}">
-                <a16:creationId xmlns:a16="http://schemas.microsoft.com/office/drawing/2014/main" id="{C90C75B8-E6E5-9241-98F4-CECE1DB61F78}"/>
-              </a:ext>
-            </a:extLst>
-          </p:cNvPr>
+          <p:cNvPr id="2" name="Title 1"/>
           <p:cNvSpPr>
             <a:spLocks noGrp="1"/>
           </p:cNvSpPr>
@@ -973,15 +4482,17 @@
         </p:nvSpPr>
         <p:spPr>
           <a:xfrm>
-            <a:off x="831850" y="1709738"/>
-            <a:ext cx="10515600" cy="2852737"/>
+            <a:off x="1454239" y="1756130"/>
+            <a:ext cx="8643154" cy="1887950"/>
           </a:xfrm>
         </p:spPr>
         <p:txBody>
-          <a:bodyPr anchor="b"/>
+          <a:bodyPr anchor="b">
+            <a:normAutofit/>
+          </a:bodyPr>
           <a:lstStyle>
-            <a:lvl1pPr>
-              <a:defRPr sz="6000"/>
+            <a:lvl1pPr algn="l">
+              <a:defRPr sz="3600"/>
             </a:lvl1pPr>
           </a:lstStyle>
           <a:p>
@@ -989,18 +4500,13 @@
               <a:rPr lang="en-US"/>
               <a:t>Click to edit Master title style</a:t>
             </a:r>
-          </a:p>
-        </p:txBody>
-      </p:sp>
-      <p:sp>
-        <p:nvSpPr>
-          <p:cNvPr id="3" name="Text Placeholder 2">
-            <a:extLst>
-              <a:ext uri="{FF2B5EF4-FFF2-40B4-BE49-F238E27FC236}">
-                <a16:creationId xmlns:a16="http://schemas.microsoft.com/office/drawing/2014/main" id="{6F4F6837-2D56-254C-812D-797A93EC9570}"/>
-              </a:ext>
-            </a:extLst>
-          </p:cNvPr>
+            <a:endParaRPr lang="en-US" dirty="0"/>
+          </a:p>
+        </p:txBody>
+      </p:sp>
+      <p:sp>
+        <p:nvSpPr>
+          <p:cNvPr id="3" name="Text Placeholder 2"/>
           <p:cNvSpPr>
             <a:spLocks noGrp="1"/>
           </p:cNvSpPr>
@@ -1010,26 +4516,26 @@
         </p:nvSpPr>
         <p:spPr>
           <a:xfrm>
-            <a:off x="831850" y="4589463"/>
-            <a:ext cx="10515600" cy="1500187"/>
+            <a:off x="1454239" y="3806195"/>
+            <a:ext cx="8630446" cy="1012929"/>
           </a:xfrm>
         </p:spPr>
         <p:txBody>
-          <a:bodyPr/>
+          <a:bodyPr tIns="91440">
+            <a:normAutofit/>
+          </a:bodyPr>
           <a:lstStyle>
-            <a:lvl1pPr marL="0" indent="0">
+            <a:lvl1pPr marL="0" indent="0" algn="l">
               <a:buNone/>
-              <a:defRPr sz="2400">
+              <a:defRPr sz="1800">
                 <a:solidFill>
-                  <a:schemeClr val="tx1">
-                    <a:tint val="75000"/>
-                  </a:schemeClr>
+                  <a:schemeClr val="tx1"/>
                 </a:solidFill>
               </a:defRPr>
             </a:lvl1pPr>
             <a:lvl2pPr marL="457200" indent="0">
               <a:buNone/>
-              <a:defRPr sz="2000">
+              <a:defRPr sz="1800">
                 <a:solidFill>
                   <a:schemeClr val="tx1">
                     <a:tint val="75000"/>
@@ -1119,13 +4625,7 @@
       </p:sp>
       <p:sp>
         <p:nvSpPr>
-          <p:cNvPr id="4" name="Date Placeholder 3">
-            <a:extLst>
-              <a:ext uri="{FF2B5EF4-FFF2-40B4-BE49-F238E27FC236}">
-                <a16:creationId xmlns:a16="http://schemas.microsoft.com/office/drawing/2014/main" id="{7DCD0DAE-D9E0-764E-B953-9C11C706EA6D}"/>
-              </a:ext>
-            </a:extLst>
-          </p:cNvPr>
+          <p:cNvPr id="4" name="Date Placeholder 3"/>
           <p:cNvSpPr>
             <a:spLocks noGrp="1"/>
           </p:cNvSpPr>
@@ -1140,7 +4640,7 @@
           <a:p>
             <a:fld id="{BCB843B3-FFFB-EF4E-A60F-DDF5039288AF}" type="datetimeFigureOut">
               <a:rPr lang="en-US" smtClean="0"/>
-              <a:t>12/14/18</a:t>
+              <a:t>12/15/2018</a:t>
             </a:fld>
             <a:endParaRPr lang="en-US"/>
           </a:p>
@@ -1148,13 +4648,7 @@
       </p:sp>
       <p:sp>
         <p:nvSpPr>
-          <p:cNvPr id="5" name="Footer Placeholder 4">
-            <a:extLst>
-              <a:ext uri="{FF2B5EF4-FFF2-40B4-BE49-F238E27FC236}">
-                <a16:creationId xmlns:a16="http://schemas.microsoft.com/office/drawing/2014/main" id="{2D085E12-0CEA-1E4E-AB84-56D23C1AE02F}"/>
-              </a:ext>
-            </a:extLst>
-          </p:cNvPr>
+          <p:cNvPr id="5" name="Footer Placeholder 4"/>
           <p:cNvSpPr>
             <a:spLocks noGrp="1"/>
           </p:cNvSpPr>
@@ -1173,13 +4667,7 @@
       </p:sp>
       <p:sp>
         <p:nvSpPr>
-          <p:cNvPr id="6" name="Slide Number Placeholder 5">
-            <a:extLst>
-              <a:ext uri="{FF2B5EF4-FFF2-40B4-BE49-F238E27FC236}">
-                <a16:creationId xmlns:a16="http://schemas.microsoft.com/office/drawing/2014/main" id="{5326AF86-C3C4-1C4E-AC29-58E53E081B99}"/>
-              </a:ext>
-            </a:extLst>
-          </p:cNvPr>
+          <p:cNvPr id="6" name="Slide Number Placeholder 5"/>
           <p:cNvSpPr>
             <a:spLocks noGrp="1"/>
           </p:cNvSpPr>
@@ -1200,10 +4688,41 @@
           </a:p>
         </p:txBody>
       </p:sp>
+      <p:cxnSp>
+        <p:nvCxnSpPr>
+          <p:cNvPr id="15" name="Straight Connector 14"/>
+          <p:cNvCxnSpPr/>
+          <p:nvPr/>
+        </p:nvCxnSpPr>
+        <p:spPr>
+          <a:xfrm>
+            <a:off x="1454239" y="3804985"/>
+            <a:ext cx="8630446" cy="0"/>
+          </a:xfrm>
+          <a:prstGeom prst="line">
+            <a:avLst/>
+          </a:prstGeom>
+          <a:ln w="31750"/>
+        </p:spPr>
+        <p:style>
+          <a:lnRef idx="3">
+            <a:schemeClr val="accent1"/>
+          </a:lnRef>
+          <a:fillRef idx="0">
+            <a:schemeClr val="accent1"/>
+          </a:fillRef>
+          <a:effectRef idx="2">
+            <a:schemeClr val="accent1"/>
+          </a:effectRef>
+          <a:fontRef idx="minor">
+            <a:schemeClr val="tx1"/>
+          </a:fontRef>
+        </p:style>
+      </p:cxnSp>
     </p:spTree>
     <p:extLst>
       <p:ext uri="{BB962C8B-B14F-4D97-AF65-F5344CB8AC3E}">
-        <p14:creationId xmlns:p14="http://schemas.microsoft.com/office/powerpoint/2010/main" val="2660531464"/>
+        <p14:creationId xmlns:p14="http://schemas.microsoft.com/office/powerpoint/2010/main" val="2309369655"/>
       </p:ext>
     </p:extLst>
   </p:cSld>
@@ -1232,13 +4751,7 @@
       </p:grpSpPr>
       <p:sp>
         <p:nvSpPr>
-          <p:cNvPr id="2" name="Title 1">
-            <a:extLst>
-              <a:ext uri="{FF2B5EF4-FFF2-40B4-BE49-F238E27FC236}">
-                <a16:creationId xmlns:a16="http://schemas.microsoft.com/office/drawing/2014/main" id="{41D4CC63-A35C-404D-963D-875841D7D7D5}"/>
-              </a:ext>
-            </a:extLst>
-          </p:cNvPr>
+          <p:cNvPr id="2" name="Title 1"/>
           <p:cNvSpPr>
             <a:spLocks noGrp="1"/>
           </p:cNvSpPr>
@@ -1246,7 +4759,12 @@
             <p:ph type="title"/>
           </p:nvPr>
         </p:nvSpPr>
-        <p:spPr/>
+        <p:spPr>
+          <a:xfrm>
+            <a:off x="1449217" y="804889"/>
+            <a:ext cx="9605635" cy="1059305"/>
+          </a:xfrm>
+        </p:spPr>
         <p:txBody>
           <a:bodyPr/>
           <a:lstStyle/>
@@ -1255,18 +4773,13 @@
               <a:rPr lang="en-US"/>
               <a:t>Click to edit Master title style</a:t>
             </a:r>
-          </a:p>
-        </p:txBody>
-      </p:sp>
-      <p:sp>
-        <p:nvSpPr>
-          <p:cNvPr id="3" name="Content Placeholder 2">
-            <a:extLst>
-              <a:ext uri="{FF2B5EF4-FFF2-40B4-BE49-F238E27FC236}">
-                <a16:creationId xmlns:a16="http://schemas.microsoft.com/office/drawing/2014/main" id="{94ABA685-6200-8348-A667-3A185BE593B5}"/>
-              </a:ext>
-            </a:extLst>
-          </p:cNvPr>
+            <a:endParaRPr lang="en-US" dirty="0"/>
+          </a:p>
+        </p:txBody>
+      </p:sp>
+      <p:sp>
+        <p:nvSpPr>
+          <p:cNvPr id="3" name="Content Placeholder 2"/>
           <p:cNvSpPr>
             <a:spLocks noGrp="1"/>
           </p:cNvSpPr>
@@ -1276,8 +4789,8 @@
         </p:nvSpPr>
         <p:spPr>
           <a:xfrm>
-            <a:off x="838200" y="1825625"/>
-            <a:ext cx="5181600" cy="4351338"/>
+            <a:off x="1447331" y="2010878"/>
+            <a:ext cx="4645152" cy="3448595"/>
           </a:xfrm>
         </p:spPr>
         <p:txBody>
@@ -1317,18 +4830,13 @@
               <a:rPr lang="en-US"/>
               <a:t>Fifth level</a:t>
             </a:r>
-          </a:p>
-        </p:txBody>
-      </p:sp>
-      <p:sp>
-        <p:nvSpPr>
-          <p:cNvPr id="4" name="Content Placeholder 3">
-            <a:extLst>
-              <a:ext uri="{FF2B5EF4-FFF2-40B4-BE49-F238E27FC236}">
-                <a16:creationId xmlns:a16="http://schemas.microsoft.com/office/drawing/2014/main" id="{E8FE2BED-F0F4-3841-8797-8B5352394074}"/>
-              </a:ext>
-            </a:extLst>
-          </p:cNvPr>
+            <a:endParaRPr lang="en-US" dirty="0"/>
+          </a:p>
+        </p:txBody>
+      </p:sp>
+      <p:sp>
+        <p:nvSpPr>
+          <p:cNvPr id="4" name="Content Placeholder 3"/>
           <p:cNvSpPr>
             <a:spLocks noGrp="1"/>
           </p:cNvSpPr>
@@ -1338,8 +4846,8 @@
         </p:nvSpPr>
         <p:spPr>
           <a:xfrm>
-            <a:off x="6172200" y="1825625"/>
-            <a:ext cx="5181600" cy="4351338"/>
+            <a:off x="6413771" y="2017343"/>
+            <a:ext cx="4645152" cy="3441520"/>
           </a:xfrm>
         </p:spPr>
         <p:txBody>
@@ -1379,18 +4887,13 @@
               <a:rPr lang="en-US"/>
               <a:t>Fifth level</a:t>
             </a:r>
-          </a:p>
-        </p:txBody>
-      </p:sp>
-      <p:sp>
-        <p:nvSpPr>
-          <p:cNvPr id="5" name="Date Placeholder 4">
-            <a:extLst>
-              <a:ext uri="{FF2B5EF4-FFF2-40B4-BE49-F238E27FC236}">
-                <a16:creationId xmlns:a16="http://schemas.microsoft.com/office/drawing/2014/main" id="{B6A8B6FB-B674-C948-A019-7988CC569965}"/>
-              </a:ext>
-            </a:extLst>
-          </p:cNvPr>
+            <a:endParaRPr lang="en-US" dirty="0"/>
+          </a:p>
+        </p:txBody>
+      </p:sp>
+      <p:sp>
+        <p:nvSpPr>
+          <p:cNvPr id="5" name="Date Placeholder 4"/>
           <p:cNvSpPr>
             <a:spLocks noGrp="1"/>
           </p:cNvSpPr>
@@ -1405,7 +4908,7 @@
           <a:p>
             <a:fld id="{BCB843B3-FFFB-EF4E-A60F-DDF5039288AF}" type="datetimeFigureOut">
               <a:rPr lang="en-US" smtClean="0"/>
-              <a:t>12/14/18</a:t>
+              <a:t>12/15/2018</a:t>
             </a:fld>
             <a:endParaRPr lang="en-US"/>
           </a:p>
@@ -1413,13 +4916,7 @@
       </p:sp>
       <p:sp>
         <p:nvSpPr>
-          <p:cNvPr id="6" name="Footer Placeholder 5">
-            <a:extLst>
-              <a:ext uri="{FF2B5EF4-FFF2-40B4-BE49-F238E27FC236}">
-                <a16:creationId xmlns:a16="http://schemas.microsoft.com/office/drawing/2014/main" id="{42C83ED4-B231-F84F-81E6-DA5F76E98319}"/>
-              </a:ext>
-            </a:extLst>
-          </p:cNvPr>
+          <p:cNvPr id="6" name="Footer Placeholder 5"/>
           <p:cNvSpPr>
             <a:spLocks noGrp="1"/>
           </p:cNvSpPr>
@@ -1438,13 +4935,7 @@
       </p:sp>
       <p:sp>
         <p:nvSpPr>
-          <p:cNvPr id="7" name="Slide Number Placeholder 6">
-            <a:extLst>
-              <a:ext uri="{FF2B5EF4-FFF2-40B4-BE49-F238E27FC236}">
-                <a16:creationId xmlns:a16="http://schemas.microsoft.com/office/drawing/2014/main" id="{C7CB31F3-9786-DE4B-89E8-92BB0EE55821}"/>
-              </a:ext>
-            </a:extLst>
-          </p:cNvPr>
+          <p:cNvPr id="7" name="Slide Number Placeholder 6"/>
           <p:cNvSpPr>
             <a:spLocks noGrp="1"/>
           </p:cNvSpPr>
@@ -1465,10 +4956,41 @@
           </a:p>
         </p:txBody>
       </p:sp>
+      <p:cxnSp>
+        <p:nvCxnSpPr>
+          <p:cNvPr id="35" name="Straight Connector 34"/>
+          <p:cNvCxnSpPr/>
+          <p:nvPr/>
+        </p:nvCxnSpPr>
+        <p:spPr>
+          <a:xfrm>
+            <a:off x="1453896" y="1847088"/>
+            <a:ext cx="9607522" cy="0"/>
+          </a:xfrm>
+          <a:prstGeom prst="line">
+            <a:avLst/>
+          </a:prstGeom>
+          <a:ln w="31750"/>
+        </p:spPr>
+        <p:style>
+          <a:lnRef idx="3">
+            <a:schemeClr val="accent1"/>
+          </a:lnRef>
+          <a:fillRef idx="0">
+            <a:schemeClr val="accent1"/>
+          </a:fillRef>
+          <a:effectRef idx="2">
+            <a:schemeClr val="accent1"/>
+          </a:effectRef>
+          <a:fontRef idx="minor">
+            <a:schemeClr val="tx1"/>
+          </a:fontRef>
+        </p:style>
+      </p:cxnSp>
     </p:spTree>
     <p:extLst>
       <p:ext uri="{BB962C8B-B14F-4D97-AF65-F5344CB8AC3E}">
-        <p14:creationId xmlns:p14="http://schemas.microsoft.com/office/powerpoint/2010/main" val="1340548637"/>
+        <p14:creationId xmlns:p14="http://schemas.microsoft.com/office/powerpoint/2010/main" val="2062963862"/>
       </p:ext>
     </p:extLst>
   </p:cSld>
@@ -1497,13 +5019,7 @@
       </p:grpSpPr>
       <p:sp>
         <p:nvSpPr>
-          <p:cNvPr id="2" name="Title 1">
-            <a:extLst>
-              <a:ext uri="{FF2B5EF4-FFF2-40B4-BE49-F238E27FC236}">
-                <a16:creationId xmlns:a16="http://schemas.microsoft.com/office/drawing/2014/main" id="{1135E21E-1784-1E49-AD7C-4A5C5D18ADF4}"/>
-              </a:ext>
-            </a:extLst>
-          </p:cNvPr>
+          <p:cNvPr id="2" name="Title 1"/>
           <p:cNvSpPr>
             <a:spLocks noGrp="1"/>
           </p:cNvSpPr>
@@ -1513,8 +5029,8 @@
         </p:nvSpPr>
         <p:spPr>
           <a:xfrm>
-            <a:off x="839788" y="365125"/>
-            <a:ext cx="10515600" cy="1325563"/>
+            <a:off x="1447191" y="804163"/>
+            <a:ext cx="9607661" cy="1056319"/>
           </a:xfrm>
         </p:spPr>
         <p:txBody>
@@ -1525,18 +5041,13 @@
               <a:rPr lang="en-US"/>
               <a:t>Click to edit Master title style</a:t>
             </a:r>
-          </a:p>
-        </p:txBody>
-      </p:sp>
-      <p:sp>
-        <p:nvSpPr>
-          <p:cNvPr id="3" name="Text Placeholder 2">
-            <a:extLst>
-              <a:ext uri="{FF2B5EF4-FFF2-40B4-BE49-F238E27FC236}">
-                <a16:creationId xmlns:a16="http://schemas.microsoft.com/office/drawing/2014/main" id="{2D54680A-77DF-2041-8AD6-4C14573918E4}"/>
-              </a:ext>
-            </a:extLst>
-          </p:cNvPr>
+            <a:endParaRPr lang="en-US" dirty="0"/>
+          </a:p>
+        </p:txBody>
+      </p:sp>
+      <p:sp>
+        <p:nvSpPr>
+          <p:cNvPr id="3" name="Text Placeholder 2"/>
           <p:cNvSpPr>
             <a:spLocks noGrp="1"/>
           </p:cNvSpPr>
@@ -1546,16 +5057,25 @@
         </p:nvSpPr>
         <p:spPr>
           <a:xfrm>
-            <a:off x="839788" y="1681163"/>
-            <a:ext cx="5157787" cy="823912"/>
+            <a:off x="1447191" y="2019549"/>
+            <a:ext cx="4645152" cy="801943"/>
           </a:xfrm>
         </p:spPr>
         <p:txBody>
-          <a:bodyPr anchor="b"/>
+          <a:bodyPr anchor="b">
+            <a:normAutofit/>
+          </a:bodyPr>
           <a:lstStyle>
             <a:lvl1pPr marL="0" indent="0">
+              <a:lnSpc>
+                <a:spcPct val="100000"/>
+              </a:lnSpc>
               <a:buNone/>
-              <a:defRPr sz="2400" b="1"/>
+              <a:defRPr sz="2200" b="0" cap="all" baseline="0">
+                <a:solidFill>
+                  <a:schemeClr val="accent1"/>
+                </a:solidFill>
+              </a:defRPr>
             </a:lvl1pPr>
             <a:lvl2pPr marL="457200" indent="0">
               <a:buNone/>
@@ -1601,13 +5121,7 @@
       </p:sp>
       <p:sp>
         <p:nvSpPr>
-          <p:cNvPr id="4" name="Content Placeholder 3">
-            <a:extLst>
-              <a:ext uri="{FF2B5EF4-FFF2-40B4-BE49-F238E27FC236}">
-                <a16:creationId xmlns:a16="http://schemas.microsoft.com/office/drawing/2014/main" id="{BF08F115-4238-784E-96CA-8D3C1798E2E1}"/>
-              </a:ext>
-            </a:extLst>
-          </p:cNvPr>
+          <p:cNvPr id="4" name="Content Placeholder 3"/>
           <p:cNvSpPr>
             <a:spLocks noGrp="1"/>
           </p:cNvSpPr>
@@ -1617,8 +5131,8 @@
         </p:nvSpPr>
         <p:spPr>
           <a:xfrm>
-            <a:off x="839788" y="2505075"/>
-            <a:ext cx="5157787" cy="3684588"/>
+            <a:off x="1447191" y="2824269"/>
+            <a:ext cx="4645152" cy="2644457"/>
           </a:xfrm>
         </p:spPr>
         <p:txBody>
@@ -1658,18 +5172,13 @@
               <a:rPr lang="en-US"/>
               <a:t>Fifth level</a:t>
             </a:r>
-          </a:p>
-        </p:txBody>
-      </p:sp>
-      <p:sp>
-        <p:nvSpPr>
-          <p:cNvPr id="5" name="Text Placeholder 4">
-            <a:extLst>
-              <a:ext uri="{FF2B5EF4-FFF2-40B4-BE49-F238E27FC236}">
-                <a16:creationId xmlns:a16="http://schemas.microsoft.com/office/drawing/2014/main" id="{F184B959-89DA-1F44-AC36-CADEC443261D}"/>
-              </a:ext>
-            </a:extLst>
-          </p:cNvPr>
+            <a:endParaRPr lang="en-US" dirty="0"/>
+          </a:p>
+        </p:txBody>
+      </p:sp>
+      <p:sp>
+        <p:nvSpPr>
+          <p:cNvPr id="5" name="Text Placeholder 4"/>
           <p:cNvSpPr>
             <a:spLocks noGrp="1"/>
           </p:cNvSpPr>
@@ -1679,16 +5188,25 @@
         </p:nvSpPr>
         <p:spPr>
           <a:xfrm>
-            <a:off x="6172200" y="1681163"/>
-            <a:ext cx="5183188" cy="823912"/>
+            <a:off x="6412362" y="2023003"/>
+            <a:ext cx="4645152" cy="802237"/>
           </a:xfrm>
         </p:spPr>
         <p:txBody>
-          <a:bodyPr anchor="b"/>
+          <a:bodyPr anchor="b">
+            <a:normAutofit/>
+          </a:bodyPr>
           <a:lstStyle>
             <a:lvl1pPr marL="0" indent="0">
+              <a:lnSpc>
+                <a:spcPct val="100000"/>
+              </a:lnSpc>
               <a:buNone/>
-              <a:defRPr sz="2400" b="1"/>
+              <a:defRPr sz="2200" b="0" cap="all" baseline="0">
+                <a:solidFill>
+                  <a:schemeClr val="accent1"/>
+                </a:solidFill>
+              </a:defRPr>
             </a:lvl1pPr>
             <a:lvl2pPr marL="457200" indent="0">
               <a:buNone/>
@@ -1734,13 +5252,7 @@
       </p:sp>
       <p:sp>
         <p:nvSpPr>
-          <p:cNvPr id="6" name="Content Placeholder 5">
-            <a:extLst>
-              <a:ext uri="{FF2B5EF4-FFF2-40B4-BE49-F238E27FC236}">
-                <a16:creationId xmlns:a16="http://schemas.microsoft.com/office/drawing/2014/main" id="{049A840D-3F50-D849-AA05-1D6ADB6D3BFA}"/>
-              </a:ext>
-            </a:extLst>
-          </p:cNvPr>
+          <p:cNvPr id="6" name="Content Placeholder 5"/>
           <p:cNvSpPr>
             <a:spLocks noGrp="1"/>
           </p:cNvSpPr>
@@ -1750,8 +5262,8 @@
         </p:nvSpPr>
         <p:spPr>
           <a:xfrm>
-            <a:off x="6172200" y="2505075"/>
-            <a:ext cx="5183188" cy="3684588"/>
+            <a:off x="6412362" y="2821491"/>
+            <a:ext cx="4645152" cy="2637371"/>
           </a:xfrm>
         </p:spPr>
         <p:txBody>
@@ -1791,18 +5303,13 @@
               <a:rPr lang="en-US"/>
               <a:t>Fifth level</a:t>
             </a:r>
-          </a:p>
-        </p:txBody>
-      </p:sp>
-      <p:sp>
-        <p:nvSpPr>
-          <p:cNvPr id="7" name="Date Placeholder 6">
-            <a:extLst>
-              <a:ext uri="{FF2B5EF4-FFF2-40B4-BE49-F238E27FC236}">
-                <a16:creationId xmlns:a16="http://schemas.microsoft.com/office/drawing/2014/main" id="{8B1B4E32-49C0-E144-8EED-6F8D6549CED1}"/>
-              </a:ext>
-            </a:extLst>
-          </p:cNvPr>
+            <a:endParaRPr lang="en-US" dirty="0"/>
+          </a:p>
+        </p:txBody>
+      </p:sp>
+      <p:sp>
+        <p:nvSpPr>
+          <p:cNvPr id="7" name="Date Placeholder 6"/>
           <p:cNvSpPr>
             <a:spLocks noGrp="1"/>
           </p:cNvSpPr>
@@ -1817,7 +5324,7 @@
           <a:p>
             <a:fld id="{BCB843B3-FFFB-EF4E-A60F-DDF5039288AF}" type="datetimeFigureOut">
               <a:rPr lang="en-US" smtClean="0"/>
-              <a:t>12/14/18</a:t>
+              <a:t>12/15/2018</a:t>
             </a:fld>
             <a:endParaRPr lang="en-US"/>
           </a:p>
@@ -1825,13 +5332,7 @@
       </p:sp>
       <p:sp>
         <p:nvSpPr>
-          <p:cNvPr id="8" name="Footer Placeholder 7">
-            <a:extLst>
-              <a:ext uri="{FF2B5EF4-FFF2-40B4-BE49-F238E27FC236}">
-                <a16:creationId xmlns:a16="http://schemas.microsoft.com/office/drawing/2014/main" id="{FCCB81FE-73F2-CB43-AEBA-192D4AEFDD5D}"/>
-              </a:ext>
-            </a:extLst>
-          </p:cNvPr>
+          <p:cNvPr id="8" name="Footer Placeholder 7"/>
           <p:cNvSpPr>
             <a:spLocks noGrp="1"/>
           </p:cNvSpPr>
@@ -1850,13 +5351,7 @@
       </p:sp>
       <p:sp>
         <p:nvSpPr>
-          <p:cNvPr id="9" name="Slide Number Placeholder 8">
-            <a:extLst>
-              <a:ext uri="{FF2B5EF4-FFF2-40B4-BE49-F238E27FC236}">
-                <a16:creationId xmlns:a16="http://schemas.microsoft.com/office/drawing/2014/main" id="{08CE2661-C5EA-5B48-AD97-6AF5ABF0A24F}"/>
-              </a:ext>
-            </a:extLst>
-          </p:cNvPr>
+          <p:cNvPr id="9" name="Slide Number Placeholder 8"/>
           <p:cNvSpPr>
             <a:spLocks noGrp="1"/>
           </p:cNvSpPr>
@@ -1877,10 +5372,41 @@
           </a:p>
         </p:txBody>
       </p:sp>
+      <p:cxnSp>
+        <p:nvCxnSpPr>
+          <p:cNvPr id="29" name="Straight Connector 28"/>
+          <p:cNvCxnSpPr/>
+          <p:nvPr/>
+        </p:nvCxnSpPr>
+        <p:spPr>
+          <a:xfrm>
+            <a:off x="1453896" y="1847088"/>
+            <a:ext cx="9607522" cy="0"/>
+          </a:xfrm>
+          <a:prstGeom prst="line">
+            <a:avLst/>
+          </a:prstGeom>
+          <a:ln w="31750"/>
+        </p:spPr>
+        <p:style>
+          <a:lnRef idx="3">
+            <a:schemeClr val="accent1"/>
+          </a:lnRef>
+          <a:fillRef idx="0">
+            <a:schemeClr val="accent1"/>
+          </a:fillRef>
+          <a:effectRef idx="2">
+            <a:schemeClr val="accent1"/>
+          </a:effectRef>
+          <a:fontRef idx="minor">
+            <a:schemeClr val="tx1"/>
+          </a:fontRef>
+        </p:style>
+      </p:cxnSp>
     </p:spTree>
     <p:extLst>
       <p:ext uri="{BB962C8B-B14F-4D97-AF65-F5344CB8AC3E}">
-        <p14:creationId xmlns:p14="http://schemas.microsoft.com/office/powerpoint/2010/main" val="3335038026"/>
+        <p14:creationId xmlns:p14="http://schemas.microsoft.com/office/powerpoint/2010/main" val="1145878944"/>
       </p:ext>
     </p:extLst>
   </p:cSld>
@@ -1909,13 +5435,7 @@
       </p:grpSpPr>
       <p:sp>
         <p:nvSpPr>
-          <p:cNvPr id="2" name="Title 1">
-            <a:extLst>
-              <a:ext uri="{FF2B5EF4-FFF2-40B4-BE49-F238E27FC236}">
-                <a16:creationId xmlns:a16="http://schemas.microsoft.com/office/drawing/2014/main" id="{9F2DF63B-E986-0F4C-9A99-073904ADC0E3}"/>
-              </a:ext>
-            </a:extLst>
-          </p:cNvPr>
+          <p:cNvPr id="2" name="Title 1"/>
           <p:cNvSpPr>
             <a:spLocks noGrp="1"/>
           </p:cNvSpPr>
@@ -1932,18 +5452,13 @@
               <a:rPr lang="en-US"/>
               <a:t>Click to edit Master title style</a:t>
             </a:r>
-          </a:p>
-        </p:txBody>
-      </p:sp>
-      <p:sp>
-        <p:nvSpPr>
-          <p:cNvPr id="3" name="Date Placeholder 2">
-            <a:extLst>
-              <a:ext uri="{FF2B5EF4-FFF2-40B4-BE49-F238E27FC236}">
-                <a16:creationId xmlns:a16="http://schemas.microsoft.com/office/drawing/2014/main" id="{7A71772A-BB01-0B46-A800-1F614E5D440B}"/>
-              </a:ext>
-            </a:extLst>
-          </p:cNvPr>
+            <a:endParaRPr lang="en-US" dirty="0"/>
+          </a:p>
+        </p:txBody>
+      </p:sp>
+      <p:sp>
+        <p:nvSpPr>
+          <p:cNvPr id="3" name="Date Placeholder 2"/>
           <p:cNvSpPr>
             <a:spLocks noGrp="1"/>
           </p:cNvSpPr>
@@ -1958,7 +5473,7 @@
           <a:p>
             <a:fld id="{BCB843B3-FFFB-EF4E-A60F-DDF5039288AF}" type="datetimeFigureOut">
               <a:rPr lang="en-US" smtClean="0"/>
-              <a:t>12/14/18</a:t>
+              <a:t>12/15/2018</a:t>
             </a:fld>
             <a:endParaRPr lang="en-US"/>
           </a:p>
@@ -1966,13 +5481,7 @@
       </p:sp>
       <p:sp>
         <p:nvSpPr>
-          <p:cNvPr id="4" name="Footer Placeholder 3">
-            <a:extLst>
-              <a:ext uri="{FF2B5EF4-FFF2-40B4-BE49-F238E27FC236}">
-                <a16:creationId xmlns:a16="http://schemas.microsoft.com/office/drawing/2014/main" id="{6F971DD8-77BA-3A40-ABEE-F5780AD78D29}"/>
-              </a:ext>
-            </a:extLst>
-          </p:cNvPr>
+          <p:cNvPr id="4" name="Footer Placeholder 3"/>
           <p:cNvSpPr>
             <a:spLocks noGrp="1"/>
           </p:cNvSpPr>
@@ -1991,13 +5500,7 @@
       </p:sp>
       <p:sp>
         <p:nvSpPr>
-          <p:cNvPr id="5" name="Slide Number Placeholder 4">
-            <a:extLst>
-              <a:ext uri="{FF2B5EF4-FFF2-40B4-BE49-F238E27FC236}">
-                <a16:creationId xmlns:a16="http://schemas.microsoft.com/office/drawing/2014/main" id="{831AE49B-BBCC-894A-AA17-592750C22648}"/>
-              </a:ext>
-            </a:extLst>
-          </p:cNvPr>
+          <p:cNvPr id="5" name="Slide Number Placeholder 4"/>
           <p:cNvSpPr>
             <a:spLocks noGrp="1"/>
           </p:cNvSpPr>
@@ -2018,10 +5521,41 @@
           </a:p>
         </p:txBody>
       </p:sp>
+      <p:cxnSp>
+        <p:nvCxnSpPr>
+          <p:cNvPr id="25" name="Straight Connector 24"/>
+          <p:cNvCxnSpPr/>
+          <p:nvPr/>
+        </p:nvCxnSpPr>
+        <p:spPr>
+          <a:xfrm>
+            <a:off x="1453896" y="1847088"/>
+            <a:ext cx="9607522" cy="0"/>
+          </a:xfrm>
+          <a:prstGeom prst="line">
+            <a:avLst/>
+          </a:prstGeom>
+          <a:ln w="31750"/>
+        </p:spPr>
+        <p:style>
+          <a:lnRef idx="3">
+            <a:schemeClr val="accent1"/>
+          </a:lnRef>
+          <a:fillRef idx="0">
+            <a:schemeClr val="accent1"/>
+          </a:fillRef>
+          <a:effectRef idx="2">
+            <a:schemeClr val="accent1"/>
+          </a:effectRef>
+          <a:fontRef idx="minor">
+            <a:schemeClr val="tx1"/>
+          </a:fontRef>
+        </p:style>
+      </p:cxnSp>
     </p:spTree>
     <p:extLst>
       <p:ext uri="{BB962C8B-B14F-4D97-AF65-F5344CB8AC3E}">
-        <p14:creationId xmlns:p14="http://schemas.microsoft.com/office/powerpoint/2010/main" val="4054586365"/>
+        <p14:creationId xmlns:p14="http://schemas.microsoft.com/office/powerpoint/2010/main" val="3596665839"/>
       </p:ext>
     </p:extLst>
   </p:cSld>
@@ -2050,13 +5584,7 @@
       </p:grpSpPr>
       <p:sp>
         <p:nvSpPr>
-          <p:cNvPr id="2" name="Date Placeholder 1">
-            <a:extLst>
-              <a:ext uri="{FF2B5EF4-FFF2-40B4-BE49-F238E27FC236}">
-                <a16:creationId xmlns:a16="http://schemas.microsoft.com/office/drawing/2014/main" id="{A0580D3E-6CF8-B249-927D-D8A7EE9578F2}"/>
-              </a:ext>
-            </a:extLst>
-          </p:cNvPr>
+          <p:cNvPr id="2" name="Date Placeholder 1"/>
           <p:cNvSpPr>
             <a:spLocks noGrp="1"/>
           </p:cNvSpPr>
@@ -2071,7 +5599,7 @@
           <a:p>
             <a:fld id="{BCB843B3-FFFB-EF4E-A60F-DDF5039288AF}" type="datetimeFigureOut">
               <a:rPr lang="en-US" smtClean="0"/>
-              <a:t>12/14/18</a:t>
+              <a:t>12/15/2018</a:t>
             </a:fld>
             <a:endParaRPr lang="en-US"/>
           </a:p>
@@ -2079,13 +5607,7 @@
       </p:sp>
       <p:sp>
         <p:nvSpPr>
-          <p:cNvPr id="3" name="Footer Placeholder 2">
-            <a:extLst>
-              <a:ext uri="{FF2B5EF4-FFF2-40B4-BE49-F238E27FC236}">
-                <a16:creationId xmlns:a16="http://schemas.microsoft.com/office/drawing/2014/main" id="{79E8B495-14CF-5047-B643-28C947D62FCE}"/>
-              </a:ext>
-            </a:extLst>
-          </p:cNvPr>
+          <p:cNvPr id="3" name="Footer Placeholder 2"/>
           <p:cNvSpPr>
             <a:spLocks noGrp="1"/>
           </p:cNvSpPr>
@@ -2104,13 +5626,7 @@
       </p:sp>
       <p:sp>
         <p:nvSpPr>
-          <p:cNvPr id="4" name="Slide Number Placeholder 3">
-            <a:extLst>
-              <a:ext uri="{FF2B5EF4-FFF2-40B4-BE49-F238E27FC236}">
-                <a16:creationId xmlns:a16="http://schemas.microsoft.com/office/drawing/2014/main" id="{DACC988C-217F-2141-B84E-FA7920C77149}"/>
-              </a:ext>
-            </a:extLst>
-          </p:cNvPr>
+          <p:cNvPr id="4" name="Slide Number Placeholder 3"/>
           <p:cNvSpPr>
             <a:spLocks noGrp="1"/>
           </p:cNvSpPr>
@@ -2134,7 +5650,7 @@
     </p:spTree>
     <p:extLst>
       <p:ext uri="{BB962C8B-B14F-4D97-AF65-F5344CB8AC3E}">
-        <p14:creationId xmlns:p14="http://schemas.microsoft.com/office/powerpoint/2010/main" val="1132156469"/>
+        <p14:creationId xmlns:p14="http://schemas.microsoft.com/office/powerpoint/2010/main" val="4275978147"/>
       </p:ext>
     </p:extLst>
   </p:cSld>
@@ -2163,13 +5679,7 @@
       </p:grpSpPr>
       <p:sp>
         <p:nvSpPr>
-          <p:cNvPr id="2" name="Title 1">
-            <a:extLst>
-              <a:ext uri="{FF2B5EF4-FFF2-40B4-BE49-F238E27FC236}">
-                <a16:creationId xmlns:a16="http://schemas.microsoft.com/office/drawing/2014/main" id="{4BB3A6EF-9A12-AE48-A042-6DBAD80E1CE7}"/>
-              </a:ext>
-            </a:extLst>
-          </p:cNvPr>
+          <p:cNvPr id="2" name="Title 1"/>
           <p:cNvSpPr>
             <a:spLocks noGrp="1"/>
           </p:cNvSpPr>
@@ -2179,15 +5689,17 @@
         </p:nvSpPr>
         <p:spPr>
           <a:xfrm>
-            <a:off x="839788" y="457200"/>
-            <a:ext cx="3932237" cy="1600200"/>
+            <a:off x="1444671" y="798973"/>
+            <a:ext cx="3273099" cy="2247117"/>
           </a:xfrm>
         </p:spPr>
         <p:txBody>
-          <a:bodyPr anchor="b"/>
+          <a:bodyPr anchor="b">
+            <a:normAutofit/>
+          </a:bodyPr>
           <a:lstStyle>
-            <a:lvl1pPr>
-              <a:defRPr sz="3200"/>
+            <a:lvl1pPr algn="l">
+              <a:defRPr sz="2400"/>
             </a:lvl1pPr>
           </a:lstStyle>
           <a:p>
@@ -2195,18 +5707,13 @@
               <a:rPr lang="en-US"/>
               <a:t>Click to edit Master title style</a:t>
             </a:r>
-          </a:p>
-        </p:txBody>
-      </p:sp>
-      <p:sp>
-        <p:nvSpPr>
-          <p:cNvPr id="3" name="Content Placeholder 2">
-            <a:extLst>
-              <a:ext uri="{FF2B5EF4-FFF2-40B4-BE49-F238E27FC236}">
-                <a16:creationId xmlns:a16="http://schemas.microsoft.com/office/drawing/2014/main" id="{99E52CCE-9697-7948-AC37-3254C0049E40}"/>
-              </a:ext>
-            </a:extLst>
-          </p:cNvPr>
+            <a:endParaRPr lang="en-US" dirty="0"/>
+          </a:p>
+        </p:txBody>
+      </p:sp>
+      <p:sp>
+        <p:nvSpPr>
+          <p:cNvPr id="3" name="Content Placeholder 2"/>
           <p:cNvSpPr>
             <a:spLocks noGrp="1"/>
           </p:cNvSpPr>
@@ -2216,104 +5723,71 @@
         </p:nvSpPr>
         <p:spPr>
           <a:xfrm>
-            <a:off x="5183188" y="987425"/>
-            <a:ext cx="6172200" cy="4873625"/>
+            <a:off x="5043714" y="798974"/>
+            <a:ext cx="6012470" cy="4658826"/>
           </a:xfrm>
         </p:spPr>
         <p:txBody>
+          <a:bodyPr anchor="ctr"/>
+          <a:lstStyle/>
+          <a:p>
+            <a:pPr lvl="0"/>
+            <a:r>
+              <a:rPr lang="en-US"/>
+              <a:t>Edit Master text styles</a:t>
+            </a:r>
+          </a:p>
+          <a:p>
+            <a:pPr lvl="1"/>
+            <a:r>
+              <a:rPr lang="en-US"/>
+              <a:t>Second level</a:t>
+            </a:r>
+          </a:p>
+          <a:p>
+            <a:pPr lvl="2"/>
+            <a:r>
+              <a:rPr lang="en-US"/>
+              <a:t>Third level</a:t>
+            </a:r>
+          </a:p>
+          <a:p>
+            <a:pPr lvl="3"/>
+            <a:r>
+              <a:rPr lang="en-US"/>
+              <a:t>Fourth level</a:t>
+            </a:r>
+          </a:p>
+          <a:p>
+            <a:pPr lvl="4"/>
+            <a:r>
+              <a:rPr lang="en-US"/>
+              <a:t>Fifth level</a:t>
+            </a:r>
+            <a:endParaRPr lang="en-US" dirty="0"/>
+          </a:p>
+        </p:txBody>
+      </p:sp>
+      <p:sp>
+        <p:nvSpPr>
+          <p:cNvPr id="4" name="Text Placeholder 3"/>
+          <p:cNvSpPr>
+            <a:spLocks noGrp="1"/>
+          </p:cNvSpPr>
+          <p:nvPr>
+            <p:ph type="body" sz="half" idx="2"/>
+          </p:nvPr>
+        </p:nvSpPr>
+        <p:spPr>
+          <a:xfrm>
+            <a:off x="1444671" y="3205491"/>
+            <a:ext cx="3275013" cy="2248181"/>
+          </a:xfrm>
+        </p:spPr>
+        <p:txBody>
           <a:bodyPr/>
           <a:lstStyle>
-            <a:lvl1pPr>
-              <a:defRPr sz="3200"/>
-            </a:lvl1pPr>
-            <a:lvl2pPr>
-              <a:defRPr sz="2800"/>
-            </a:lvl2pPr>
-            <a:lvl3pPr>
-              <a:defRPr sz="2400"/>
-            </a:lvl3pPr>
-            <a:lvl4pPr>
-              <a:defRPr sz="2000"/>
-            </a:lvl4pPr>
-            <a:lvl5pPr>
-              <a:defRPr sz="2000"/>
-            </a:lvl5pPr>
-            <a:lvl6pPr>
-              <a:defRPr sz="2000"/>
-            </a:lvl6pPr>
-            <a:lvl7pPr>
-              <a:defRPr sz="2000"/>
-            </a:lvl7pPr>
-            <a:lvl8pPr>
-              <a:defRPr sz="2000"/>
-            </a:lvl8pPr>
-            <a:lvl9pPr>
-              <a:defRPr sz="2000"/>
-            </a:lvl9pPr>
-          </a:lstStyle>
-          <a:p>
-            <a:pPr lvl="0"/>
-            <a:r>
-              <a:rPr lang="en-US"/>
-              <a:t>Edit Master text styles</a:t>
-            </a:r>
-          </a:p>
-          <a:p>
-            <a:pPr lvl="1"/>
-            <a:r>
-              <a:rPr lang="en-US"/>
-              <a:t>Second level</a:t>
-            </a:r>
-          </a:p>
-          <a:p>
-            <a:pPr lvl="2"/>
-            <a:r>
-              <a:rPr lang="en-US"/>
-              <a:t>Third level</a:t>
-            </a:r>
-          </a:p>
-          <a:p>
-            <a:pPr lvl="3"/>
-            <a:r>
-              <a:rPr lang="en-US"/>
-              <a:t>Fourth level</a:t>
-            </a:r>
-          </a:p>
-          <a:p>
-            <a:pPr lvl="4"/>
-            <a:r>
-              <a:rPr lang="en-US"/>
-              <a:t>Fifth level</a:t>
-            </a:r>
-          </a:p>
-        </p:txBody>
-      </p:sp>
-      <p:sp>
-        <p:nvSpPr>
-          <p:cNvPr id="4" name="Text Placeholder 3">
-            <a:extLst>
-              <a:ext uri="{FF2B5EF4-FFF2-40B4-BE49-F238E27FC236}">
-                <a16:creationId xmlns:a16="http://schemas.microsoft.com/office/drawing/2014/main" id="{BC61B120-2D67-314E-B9C0-2D926BB57738}"/>
-              </a:ext>
-            </a:extLst>
-          </p:cNvPr>
-          <p:cNvSpPr>
-            <a:spLocks noGrp="1"/>
-          </p:cNvSpPr>
-          <p:nvPr>
-            <p:ph type="body" sz="half" idx="2"/>
-          </p:nvPr>
-        </p:nvSpPr>
-        <p:spPr>
-          <a:xfrm>
-            <a:off x="839788" y="2057400"/>
-            <a:ext cx="3932237" cy="3811588"/>
-          </a:xfrm>
-        </p:spPr>
-        <p:txBody>
-          <a:bodyPr/>
-          <a:lstStyle>
-            <a:lvl1pPr marL="0" indent="0">
+            <a:lvl1pPr marL="0" indent="0" algn="l">
               <a:buNone/>
               <a:defRPr sz="1600"/>
             </a:lvl1pPr>
@@ -2361,13 +5835,7 @@
       </p:sp>
       <p:sp>
         <p:nvSpPr>
-          <p:cNvPr id="5" name="Date Placeholder 4">
-            <a:extLst>
-              <a:ext uri="{FF2B5EF4-FFF2-40B4-BE49-F238E27FC236}">
-                <a16:creationId xmlns:a16="http://schemas.microsoft.com/office/drawing/2014/main" id="{F4071CCD-37BD-2141-A482-6DE3679175E4}"/>
-              </a:ext>
-            </a:extLst>
-          </p:cNvPr>
+          <p:cNvPr id="5" name="Date Placeholder 4"/>
           <p:cNvSpPr>
             <a:spLocks noGrp="1"/>
           </p:cNvSpPr>
@@ -2382,7 +5850,7 @@
           <a:p>
             <a:fld id="{BCB843B3-FFFB-EF4E-A60F-DDF5039288AF}" type="datetimeFigureOut">
               <a:rPr lang="en-US" smtClean="0"/>
-              <a:t>12/14/18</a:t>
+              <a:t>12/15/2018</a:t>
             </a:fld>
             <a:endParaRPr lang="en-US"/>
           </a:p>
@@ -2390,13 +5858,7 @@
       </p:sp>
       <p:sp>
         <p:nvSpPr>
-          <p:cNvPr id="6" name="Footer Placeholder 5">
-            <a:extLst>
-              <a:ext uri="{FF2B5EF4-FFF2-40B4-BE49-F238E27FC236}">
-                <a16:creationId xmlns:a16="http://schemas.microsoft.com/office/drawing/2014/main" id="{1F5C77A2-968B-E248-A654-E1700C535710}"/>
-              </a:ext>
-            </a:extLst>
-          </p:cNvPr>
+          <p:cNvPr id="6" name="Footer Placeholder 5"/>
           <p:cNvSpPr>
             <a:spLocks noGrp="1"/>
           </p:cNvSpPr>
@@ -2415,13 +5877,7 @@
       </p:sp>
       <p:sp>
         <p:nvSpPr>
-          <p:cNvPr id="7" name="Slide Number Placeholder 6">
-            <a:extLst>
-              <a:ext uri="{FF2B5EF4-FFF2-40B4-BE49-F238E27FC236}">
-                <a16:creationId xmlns:a16="http://schemas.microsoft.com/office/drawing/2014/main" id="{C630B599-8588-8E44-A825-558917FA0244}"/>
-              </a:ext>
-            </a:extLst>
-          </p:cNvPr>
+          <p:cNvPr id="7" name="Slide Number Placeholder 6"/>
           <p:cNvSpPr>
             <a:spLocks noGrp="1"/>
           </p:cNvSpPr>
@@ -2442,10 +5898,41 @@
           </a:p>
         </p:txBody>
       </p:sp>
+      <p:cxnSp>
+        <p:nvCxnSpPr>
+          <p:cNvPr id="17" name="Straight Connector 16"/>
+          <p:cNvCxnSpPr/>
+          <p:nvPr/>
+        </p:nvCxnSpPr>
+        <p:spPr>
+          <a:xfrm>
+            <a:off x="1448280" y="3205491"/>
+            <a:ext cx="3269490" cy="0"/>
+          </a:xfrm>
+          <a:prstGeom prst="line">
+            <a:avLst/>
+          </a:prstGeom>
+          <a:ln w="31750"/>
+        </p:spPr>
+        <p:style>
+          <a:lnRef idx="3">
+            <a:schemeClr val="accent1"/>
+          </a:lnRef>
+          <a:fillRef idx="0">
+            <a:schemeClr val="accent1"/>
+          </a:fillRef>
+          <a:effectRef idx="2">
+            <a:schemeClr val="accent1"/>
+          </a:effectRef>
+          <a:fontRef idx="minor">
+            <a:schemeClr val="tx1"/>
+          </a:fontRef>
+        </p:style>
+      </p:cxnSp>
     </p:spTree>
     <p:extLst>
       <p:ext uri="{BB962C8B-B14F-4D97-AF65-F5344CB8AC3E}">
-        <p14:creationId xmlns:p14="http://schemas.microsoft.com/office/powerpoint/2010/main" val="2383565594"/>
+        <p14:creationId xmlns:p14="http://schemas.microsoft.com/office/powerpoint/2010/main" val="3783819724"/>
       </p:ext>
     </p:extLst>
   </p:cSld>
@@ -2472,15 +5959,143 @@
           <a:chExt cx="0" cy="0"/>
         </a:xfrm>
       </p:grpSpPr>
-      <p:sp>
-        <p:nvSpPr>
-          <p:cNvPr id="2" name="Title 1">
-            <a:extLst>
-              <a:ext uri="{FF2B5EF4-FFF2-40B4-BE49-F238E27FC236}">
-                <a16:creationId xmlns:a16="http://schemas.microsoft.com/office/drawing/2014/main" id="{1E08C2CE-1D7D-DE40-A083-4B9698647CEA}"/>
-              </a:ext>
-            </a:extLst>
-          </p:cNvPr>
+      <p:grpSp>
+        <p:nvGrpSpPr>
+          <p:cNvPr id="8" name="Group 7"/>
+          <p:cNvGrpSpPr/>
+          <p:nvPr/>
+        </p:nvGrpSpPr>
+        <p:grpSpPr>
+          <a:xfrm>
+            <a:off x="7477387" y="482170"/>
+            <a:ext cx="4074533" cy="5149101"/>
+            <a:chOff x="7477387" y="482170"/>
+            <a:chExt cx="4074533" cy="5149101"/>
+          </a:xfrm>
+        </p:grpSpPr>
+        <p:sp>
+          <p:nvSpPr>
+            <p:cNvPr id="18" name="Rectangle 17"/>
+            <p:cNvSpPr/>
+            <p:nvPr/>
+          </p:nvSpPr>
+          <p:spPr bwMode="black">
+            <a:xfrm>
+              <a:off x="7477387" y="482170"/>
+              <a:ext cx="4074533" cy="5149101"/>
+            </a:xfrm>
+            <a:prstGeom prst="rect">
+              <a:avLst/>
+            </a:prstGeom>
+            <a:gradFill>
+              <a:gsLst>
+                <a:gs pos="0">
+                  <a:srgbClr val="000001"/>
+                </a:gs>
+                <a:gs pos="100000">
+                  <a:srgbClr val="191919"/>
+                </a:gs>
+              </a:gsLst>
+            </a:gradFill>
+            <a:ln w="76200" cmpd="sng">
+              <a:noFill/>
+              <a:miter lim="800000"/>
+            </a:ln>
+            <a:effectLst>
+              <a:outerShdw blurRad="127000" dist="228600" dir="4740000" sx="98000" sy="98000" algn="tl" rotWithShape="0">
+                <a:srgbClr val="000000">
+                  <a:alpha val="34000"/>
+                </a:srgbClr>
+              </a:outerShdw>
+            </a:effectLst>
+            <a:scene3d>
+              <a:camera prst="orthographicFront"/>
+              <a:lightRig rig="threePt" dir="t"/>
+            </a:scene3d>
+            <a:sp3d>
+              <a:bevelT w="152400" h="50800" prst="softRound"/>
+            </a:sp3d>
+          </p:spPr>
+          <p:style>
+            <a:lnRef idx="1">
+              <a:schemeClr val="accent1"/>
+            </a:lnRef>
+            <a:fillRef idx="3">
+              <a:schemeClr val="accent1"/>
+            </a:fillRef>
+            <a:effectRef idx="2">
+              <a:schemeClr val="accent1"/>
+            </a:effectRef>
+            <a:fontRef idx="minor">
+              <a:schemeClr val="lt1"/>
+            </a:fontRef>
+          </p:style>
+        </p:sp>
+        <p:sp>
+          <p:nvSpPr>
+            <p:cNvPr id="19" name="Rectangle 18"/>
+            <p:cNvSpPr/>
+            <p:nvPr/>
+          </p:nvSpPr>
+          <p:spPr bwMode="blackWhite">
+            <a:xfrm>
+              <a:off x="7790446" y="812506"/>
+              <a:ext cx="3450289" cy="4466452"/>
+            </a:xfrm>
+            <a:prstGeom prst="rect">
+              <a:avLst/>
+            </a:prstGeom>
+            <a:gradFill>
+              <a:gsLst>
+                <a:gs pos="0">
+                  <a:srgbClr val="DADADA"/>
+                </a:gs>
+                <a:gs pos="100000">
+                  <a:srgbClr val="FFFFFE"/>
+                </a:gs>
+              </a:gsLst>
+              <a:lin ang="16200000" scaled="0"/>
+            </a:gradFill>
+            <a:ln w="50800" cmpd="sng">
+              <a:solidFill>
+                <a:srgbClr val="191919"/>
+              </a:solidFill>
+              <a:miter lim="800000"/>
+            </a:ln>
+            <a:effectLst>
+              <a:innerShdw blurRad="63500" dist="88900" dir="14100000">
+                <a:srgbClr val="000000">
+                  <a:alpha val="30000"/>
+                </a:srgbClr>
+              </a:innerShdw>
+            </a:effectLst>
+            <a:scene3d>
+              <a:camera prst="orthographicFront"/>
+              <a:lightRig rig="threePt" dir="t"/>
+            </a:scene3d>
+            <a:sp3d>
+              <a:bevelT prst="relaxedInset"/>
+            </a:sp3d>
+          </p:spPr>
+          <p:style>
+            <a:lnRef idx="1">
+              <a:schemeClr val="accent1"/>
+            </a:lnRef>
+            <a:fillRef idx="3">
+              <a:schemeClr val="accent1"/>
+            </a:fillRef>
+            <a:effectRef idx="2">
+              <a:schemeClr val="accent1"/>
+            </a:effectRef>
+            <a:fontRef idx="minor">
+              <a:schemeClr val="lt1"/>
+            </a:fontRef>
+          </p:style>
+        </p:sp>
+      </p:grpSp>
+      <p:sp>
+        <p:nvSpPr>
+          <p:cNvPr id="2" name="Title 1"/>
           <p:cNvSpPr>
             <a:spLocks noGrp="1"/>
           </p:cNvSpPr>
@@ -2490,12 +6105,14 @@
         </p:nvSpPr>
         <p:spPr>
           <a:xfrm>
-            <a:off x="839788" y="457200"/>
-            <a:ext cx="3932237" cy="1600200"/>
+            <a:off x="1451206" y="1129513"/>
+            <a:ext cx="5532328" cy="1830584"/>
           </a:xfrm>
         </p:spPr>
         <p:txBody>
-          <a:bodyPr anchor="b"/>
+          <a:bodyPr anchor="b">
+            <a:normAutofit/>
+          </a:bodyPr>
           <a:lstStyle>
             <a:lvl1pPr>
               <a:defRPr sz="3200"/>
@@ -2506,20 +6123,15 @@
               <a:rPr lang="en-US"/>
               <a:t>Click to edit Master title style</a:t>
             </a:r>
-          </a:p>
-        </p:txBody>
-      </p:sp>
-      <p:sp>
-        <p:nvSpPr>
-          <p:cNvPr id="3" name="Picture Placeholder 2">
-            <a:extLst>
-              <a:ext uri="{FF2B5EF4-FFF2-40B4-BE49-F238E27FC236}">
-                <a16:creationId xmlns:a16="http://schemas.microsoft.com/office/drawing/2014/main" id="{3410557C-9AE5-7344-93AC-307D0A041BFC}"/>
-              </a:ext>
-            </a:extLst>
-          </p:cNvPr>
-          <p:cNvSpPr>
-            <a:spLocks noGrp="1"/>
+            <a:endParaRPr lang="en-US" dirty="0"/>
+          </a:p>
+        </p:txBody>
+      </p:sp>
+      <p:sp>
+        <p:nvSpPr>
+          <p:cNvPr id="3" name="Picture Placeholder 2"/>
+          <p:cNvSpPr>
+            <a:spLocks noGrp="1" noChangeAspect="1"/>
           </p:cNvSpPr>
           <p:nvPr>
             <p:ph type="pic" idx="1"/>
@@ -2527,14 +6139,24 @@
         </p:nvSpPr>
         <p:spPr>
           <a:xfrm>
-            <a:off x="5183188" y="987425"/>
-            <a:ext cx="6172200" cy="4873625"/>
+            <a:off x="8124389" y="1122542"/>
+            <a:ext cx="2791171" cy="3866327"/>
           </a:xfrm>
+          <a:solidFill>
+            <a:schemeClr val="bg1">
+              <a:lumMod val="85000"/>
+            </a:schemeClr>
+          </a:solidFill>
+          <a:ln w="9525" cap="sq">
+            <a:noFill/>
+            <a:miter lim="800000"/>
+          </a:ln>
+          <a:effectLst/>
         </p:spPr>
         <p:txBody>
-          <a:bodyPr/>
+          <a:bodyPr anchor="t"/>
           <a:lstStyle>
-            <a:lvl1pPr marL="0" indent="0">
+            <a:lvl1pPr marL="0" indent="0" algn="ctr">
               <a:buNone/>
               <a:defRPr sz="3200"/>
             </a:lvl1pPr>
@@ -2572,19 +6194,17 @@
             </a:lvl9pPr>
           </a:lstStyle>
           <a:p>
-            <a:endParaRPr lang="en-US"/>
-          </a:p>
-        </p:txBody>
-      </p:sp>
-      <p:sp>
-        <p:nvSpPr>
-          <p:cNvPr id="4" name="Text Placeholder 3">
-            <a:extLst>
-              <a:ext uri="{FF2B5EF4-FFF2-40B4-BE49-F238E27FC236}">
-                <a16:creationId xmlns:a16="http://schemas.microsoft.com/office/drawing/2014/main" id="{D306CA66-AFFC-9043-B758-C51CA5A626E7}"/>
-              </a:ext>
-            </a:extLst>
-          </p:cNvPr>
+            <a:r>
+              <a:rPr lang="en-US"/>
+              <a:t>Click icon to add picture</a:t>
+            </a:r>
+            <a:endParaRPr lang="en-US" dirty="0"/>
+          </a:p>
+        </p:txBody>
+      </p:sp>
+      <p:sp>
+        <p:nvSpPr>
+          <p:cNvPr id="4" name="Text Placeholder 3"/>
           <p:cNvSpPr>
             <a:spLocks noGrp="1"/>
           </p:cNvSpPr>
@@ -2594,16 +6214,18 @@
         </p:nvSpPr>
         <p:spPr>
           <a:xfrm>
-            <a:off x="839788" y="2057400"/>
-            <a:ext cx="3932237" cy="3811588"/>
+            <a:off x="1450329" y="3145992"/>
+            <a:ext cx="5524404" cy="2003742"/>
           </a:xfrm>
         </p:spPr>
         <p:txBody>
-          <a:bodyPr/>
+          <a:bodyPr>
+            <a:normAutofit/>
+          </a:bodyPr>
           <a:lstStyle>
-            <a:lvl1pPr marL="0" indent="0">
+            <a:lvl1pPr marL="0" indent="0" algn="l">
               <a:buNone/>
-              <a:defRPr sz="1600"/>
+              <a:defRPr sz="1800"/>
             </a:lvl1pPr>
             <a:lvl2pPr marL="457200" indent="0">
               <a:buNone/>
@@ -2649,13 +6271,7 @@
       </p:sp>
       <p:sp>
         <p:nvSpPr>
-          <p:cNvPr id="5" name="Date Placeholder 4">
-            <a:extLst>
-              <a:ext uri="{FF2B5EF4-FFF2-40B4-BE49-F238E27FC236}">
-                <a16:creationId xmlns:a16="http://schemas.microsoft.com/office/drawing/2014/main" id="{60992C8C-217A-1D46-8E6C-CE1A66C2F373}"/>
-              </a:ext>
-            </a:extLst>
-          </p:cNvPr>
+          <p:cNvPr id="5" name="Date Placeholder 4"/>
           <p:cNvSpPr>
             <a:spLocks noGrp="1"/>
           </p:cNvSpPr>
@@ -2663,53 +6279,55 @@
             <p:ph type="dt" sz="half" idx="10"/>
           </p:nvPr>
         </p:nvSpPr>
-        <p:spPr/>
+        <p:spPr>
+          <a:xfrm>
+            <a:off x="1447382" y="5469856"/>
+            <a:ext cx="5527351" cy="320123"/>
+          </a:xfrm>
+        </p:spPr>
+        <p:txBody>
+          <a:bodyPr/>
+          <a:lstStyle>
+            <a:lvl1pPr algn="l">
+              <a:defRPr/>
+            </a:lvl1pPr>
+          </a:lstStyle>
+          <a:p>
+            <a:fld id="{BCB843B3-FFFB-EF4E-A60F-DDF5039288AF}" type="datetimeFigureOut">
+              <a:rPr lang="en-US" smtClean="0"/>
+              <a:t>12/15/2018</a:t>
+            </a:fld>
+            <a:endParaRPr lang="en-US"/>
+          </a:p>
+        </p:txBody>
+      </p:sp>
+      <p:sp>
+        <p:nvSpPr>
+          <p:cNvPr id="6" name="Footer Placeholder 5"/>
+          <p:cNvSpPr>
+            <a:spLocks noGrp="1"/>
+          </p:cNvSpPr>
+          <p:nvPr>
+            <p:ph type="ftr" sz="quarter" idx="11"/>
+          </p:nvPr>
+        </p:nvSpPr>
+        <p:spPr>
+          <a:xfrm>
+            <a:off x="1447382" y="318640"/>
+            <a:ext cx="5541004" cy="320931"/>
+          </a:xfrm>
+        </p:spPr>
         <p:txBody>
           <a:bodyPr/>
           <a:lstStyle/>
           <a:p>
-            <a:fld id="{BCB843B3-FFFB-EF4E-A60F-DDF5039288AF}" type="datetimeFigureOut">
-              <a:rPr lang="en-US" smtClean="0"/>
-              <a:t>12/14/18</a:t>
-            </a:fld>
             <a:endParaRPr lang="en-US"/>
           </a:p>
         </p:txBody>
       </p:sp>
       <p:sp>
         <p:nvSpPr>
-          <p:cNvPr id="6" name="Footer Placeholder 5">
-            <a:extLst>
-              <a:ext uri="{FF2B5EF4-FFF2-40B4-BE49-F238E27FC236}">
-                <a16:creationId xmlns:a16="http://schemas.microsoft.com/office/drawing/2014/main" id="{953069D7-3198-1048-B902-5FC1006CF133}"/>
-              </a:ext>
-            </a:extLst>
-          </p:cNvPr>
-          <p:cNvSpPr>
-            <a:spLocks noGrp="1"/>
-          </p:cNvSpPr>
-          <p:nvPr>
-            <p:ph type="ftr" sz="quarter" idx="11"/>
-          </p:nvPr>
-        </p:nvSpPr>
-        <p:spPr/>
-        <p:txBody>
-          <a:bodyPr/>
-          <a:lstStyle/>
-          <a:p>
-            <a:endParaRPr lang="en-US"/>
-          </a:p>
-        </p:txBody>
-      </p:sp>
-      <p:sp>
-        <p:nvSpPr>
-          <p:cNvPr id="7" name="Slide Number Placeholder 6">
-            <a:extLst>
-              <a:ext uri="{FF2B5EF4-FFF2-40B4-BE49-F238E27FC236}">
-                <a16:creationId xmlns:a16="http://schemas.microsoft.com/office/drawing/2014/main" id="{A64C534B-406E-9246-891F-C52FAF01B358}"/>
-              </a:ext>
-            </a:extLst>
-          </p:cNvPr>
+          <p:cNvPr id="7" name="Slide Number Placeholder 6"/>
           <p:cNvSpPr>
             <a:spLocks noGrp="1"/>
           </p:cNvSpPr>
@@ -2730,10 +6348,41 @@
           </a:p>
         </p:txBody>
       </p:sp>
+      <p:cxnSp>
+        <p:nvCxnSpPr>
+          <p:cNvPr id="31" name="Straight Connector 30"/>
+          <p:cNvCxnSpPr/>
+          <p:nvPr/>
+        </p:nvCxnSpPr>
+        <p:spPr>
+          <a:xfrm>
+            <a:off x="1447382" y="3143605"/>
+            <a:ext cx="5527351" cy="0"/>
+          </a:xfrm>
+          <a:prstGeom prst="line">
+            <a:avLst/>
+          </a:prstGeom>
+          <a:ln w="31750"/>
+        </p:spPr>
+        <p:style>
+          <a:lnRef idx="3">
+            <a:schemeClr val="accent1"/>
+          </a:lnRef>
+          <a:fillRef idx="0">
+            <a:schemeClr val="accent1"/>
+          </a:fillRef>
+          <a:effectRef idx="2">
+            <a:schemeClr val="accent1"/>
+          </a:effectRef>
+          <a:fontRef idx="minor">
+            <a:schemeClr val="tx1"/>
+          </a:fontRef>
+        </p:style>
+      </p:cxnSp>
     </p:spTree>
     <p:extLst>
       <p:ext uri="{BB962C8B-B14F-4D97-AF65-F5344CB8AC3E}">
-        <p14:creationId xmlns:p14="http://schemas.microsoft.com/office/powerpoint/2010/main" val="1566581394"/>
+        <p14:creationId xmlns:p14="http://schemas.microsoft.com/office/powerpoint/2010/main" val="3552344500"/>
       </p:ext>
     </p:extLst>
   </p:cSld>
@@ -2747,8 +6396,8 @@
 <p:sldMaster xmlns:a="http://schemas.openxmlformats.org/drawingml/2006/main" xmlns:r="http://schemas.openxmlformats.org/officeDocument/2006/relationships" xmlns:p="http://schemas.openxmlformats.org/presentationml/2006/main">
   <p:cSld>
     <p:bg>
-      <p:bgRef idx="1001">
-        <a:schemeClr val="bg1"/>
+      <p:bgRef idx="1003">
+        <a:schemeClr val="bg2"/>
       </p:bgRef>
     </p:bg>
     <p:spTree>
@@ -2767,139 +6416,200 @@
       </p:grpSpPr>
       <p:sp>
         <p:nvSpPr>
-          <p:cNvPr id="2" name="Title Placeholder 1">
+          <p:cNvPr id="8" name="Rectangle 7"/>
+          <p:cNvSpPr/>
+          <p:nvPr/>
+        </p:nvSpPr>
+        <p:spPr>
+          <a:xfrm>
+            <a:off x="0" y="2019476"/>
+            <a:ext cx="12192000" cy="4105941"/>
+          </a:xfrm>
+          <a:prstGeom prst="rect">
+            <a:avLst/>
+          </a:prstGeom>
+          <a:gradFill flip="none" rotWithShape="1">
+            <a:gsLst>
+              <a:gs pos="0">
+                <a:schemeClr val="bg2">
+                  <a:alpha val="0"/>
+                </a:schemeClr>
+              </a:gs>
+              <a:gs pos="100000">
+                <a:schemeClr val="bg2"/>
+              </a:gs>
+            </a:gsLst>
+            <a:lin ang="5400000" scaled="0"/>
+            <a:tileRect/>
+          </a:gradFill>
+          <a:ln>
+            <a:noFill/>
+          </a:ln>
+        </p:spPr>
+        <p:style>
+          <a:lnRef idx="2">
+            <a:schemeClr val="accent1">
+              <a:shade val="50000"/>
+            </a:schemeClr>
+          </a:lnRef>
+          <a:fillRef idx="1">
+            <a:schemeClr val="accent1"/>
+          </a:fillRef>
+          <a:effectRef idx="0">
+            <a:schemeClr val="accent1"/>
+          </a:effectRef>
+          <a:fontRef idx="minor">
+            <a:schemeClr val="lt1"/>
+          </a:fontRef>
+        </p:style>
+      </p:sp>
+      <p:pic>
+        <p:nvPicPr>
+          <p:cNvPr id="7" name="Picture 6"/>
+          <p:cNvPicPr>
+            <a:picLocks noChangeAspect="1"/>
+          </p:cNvPicPr>
+          <p:nvPr/>
+        </p:nvPicPr>
+        <p:blipFill rotWithShape="1">
+          <a:blip r:embed="rId13">
             <a:extLst>
-              <a:ext uri="{FF2B5EF4-FFF2-40B4-BE49-F238E27FC236}">
-                <a16:creationId xmlns:a16="http://schemas.microsoft.com/office/drawing/2014/main" id="{25C0F0E2-9FAB-DE40-9A48-F5A9ECDA6918}"/>
+              <a:ext uri="{28A0092B-C50C-407E-A947-70E740481C1C}">
+                <a14:useLocalDpi xmlns:a14="http://schemas.microsoft.com/office/drawing/2010/main" val="0"/>
               </a:ext>
             </a:extLst>
-          </p:cNvPr>
-          <p:cNvSpPr>
-            <a:spLocks noGrp="1"/>
-          </p:cNvSpPr>
-          <p:nvPr>
-            <p:ph type="title"/>
-          </p:nvPr>
-        </p:nvSpPr>
-        <p:spPr>
+          </a:blip>
+          <a:srcRect t="1538" b="-1538"/>
+          <a:stretch/>
+        </p:blipFill>
+        <p:spPr bwMode="black">
           <a:xfrm>
-            <a:off x="838200" y="365125"/>
-            <a:ext cx="10515600" cy="1325563"/>
+            <a:off x="0" y="6126480"/>
+            <a:ext cx="12192000" cy="742950"/>
           </a:xfrm>
           <a:prstGeom prst="rect">
             <a:avLst/>
           </a:prstGeom>
         </p:spPr>
-        <p:txBody>
-          <a:bodyPr vert="horz" lIns="91440" tIns="45720" rIns="91440" bIns="45720" rtlCol="0" anchor="ctr">
-            <a:normAutofit/>
-          </a:bodyPr>
-          <a:lstStyle/>
-          <a:p>
-            <a:r>
-              <a:rPr lang="en-US"/>
-              <a:t>Click to edit Master title style</a:t>
-            </a:r>
-          </a:p>
-        </p:txBody>
-      </p:sp>
-      <p:sp>
-        <p:nvSpPr>
-          <p:cNvPr id="3" name="Text Placeholder 2">
-            <a:extLst>
-              <a:ext uri="{FF2B5EF4-FFF2-40B4-BE49-F238E27FC236}">
-                <a16:creationId xmlns:a16="http://schemas.microsoft.com/office/drawing/2014/main" id="{6DB99586-3A63-4A49-98D3-52382FD85427}"/>
-              </a:ext>
-            </a:extLst>
-          </p:cNvPr>
+      </p:pic>
+      <p:sp>
+        <p:nvSpPr>
+          <p:cNvPr id="2" name="Title Placeholder 1"/>
           <p:cNvSpPr>
             <a:spLocks noGrp="1"/>
           </p:cNvSpPr>
           <p:nvPr>
-            <p:ph type="body" idx="1"/>
+            <p:ph type="title"/>
           </p:nvPr>
         </p:nvSpPr>
         <p:spPr>
           <a:xfrm>
-            <a:off x="838200" y="1825625"/>
-            <a:ext cx="10515600" cy="4351338"/>
+            <a:off x="1451579" y="804519"/>
+            <a:ext cx="9603275" cy="1049235"/>
           </a:xfrm>
           <a:prstGeom prst="rect">
             <a:avLst/>
           </a:prstGeom>
         </p:spPr>
         <p:txBody>
-          <a:bodyPr vert="horz" lIns="91440" tIns="45720" rIns="91440" bIns="45720" rtlCol="0">
+          <a:bodyPr vert="horz" lIns="91440" tIns="45720" rIns="91440" bIns="45720" rtlCol="0" anchor="t">
             <a:normAutofit/>
           </a:bodyPr>
           <a:lstStyle/>
           <a:p>
-            <a:pPr lvl="0"/>
             <a:r>
               <a:rPr lang="en-US"/>
-              <a:t>Edit Master text styles</a:t>
-            </a:r>
-          </a:p>
-          <a:p>
-            <a:pPr lvl="1"/>
-            <a:r>
-              <a:rPr lang="en-US"/>
-              <a:t>Second level</a:t>
-            </a:r>
-          </a:p>
-          <a:p>
-            <a:pPr lvl="2"/>
-            <a:r>
-              <a:rPr lang="en-US"/>
-              <a:t>Third level</a:t>
-            </a:r>
-          </a:p>
-          <a:p>
-            <a:pPr lvl="3"/>
-            <a:r>
-              <a:rPr lang="en-US"/>
-              <a:t>Fourth level</a:t>
-            </a:r>
-          </a:p>
-          <a:p>
-            <a:pPr lvl="4"/>
-            <a:r>
-              <a:rPr lang="en-US"/>
-              <a:t>Fifth level</a:t>
-            </a:r>
-          </a:p>
-        </p:txBody>
-      </p:sp>
-      <p:sp>
-        <p:nvSpPr>
-          <p:cNvPr id="4" name="Date Placeholder 3">
-            <a:extLst>
-              <a:ext uri="{FF2B5EF4-FFF2-40B4-BE49-F238E27FC236}">
-                <a16:creationId xmlns:a16="http://schemas.microsoft.com/office/drawing/2014/main" id="{E8C0DD56-C556-C649-B346-1B40461FCECF}"/>
-              </a:ext>
-            </a:extLst>
-          </p:cNvPr>
+              <a:t>Click to edit Master title style</a:t>
+            </a:r>
+            <a:endParaRPr lang="en-US" dirty="0"/>
+          </a:p>
+        </p:txBody>
+      </p:sp>
+      <p:sp>
+        <p:nvSpPr>
+          <p:cNvPr id="3" name="Text Placeholder 2"/>
           <p:cNvSpPr>
             <a:spLocks noGrp="1"/>
           </p:cNvSpPr>
           <p:nvPr>
-            <p:ph type="dt" sz="half" idx="2"/>
+            <p:ph type="body" idx="1"/>
           </p:nvPr>
         </p:nvSpPr>
         <p:spPr>
           <a:xfrm>
-            <a:off x="838200" y="6356350"/>
-            <a:ext cx="2743200" cy="365125"/>
+            <a:off x="1451579" y="2015732"/>
+            <a:ext cx="9603275" cy="3450613"/>
           </a:xfrm>
           <a:prstGeom prst="rect">
             <a:avLst/>
           </a:prstGeom>
         </p:spPr>
         <p:txBody>
+          <a:bodyPr vert="horz" lIns="91440" tIns="45720" rIns="91440" bIns="45720" rtlCol="0">
+            <a:normAutofit/>
+          </a:bodyPr>
+          <a:lstStyle/>
+          <a:p>
+            <a:pPr lvl="0"/>
+            <a:r>
+              <a:rPr lang="en-US" dirty="0"/>
+              <a:t>Edit Master text styles</a:t>
+            </a:r>
+          </a:p>
+          <a:p>
+            <a:pPr lvl="1"/>
+            <a:r>
+              <a:rPr lang="en-US" dirty="0"/>
+              <a:t>Second level</a:t>
+            </a:r>
+          </a:p>
+          <a:p>
+            <a:pPr lvl="2"/>
+            <a:r>
+              <a:rPr lang="en-US" dirty="0"/>
+              <a:t>Third level</a:t>
+            </a:r>
+          </a:p>
+          <a:p>
+            <a:pPr lvl="3"/>
+            <a:r>
+              <a:rPr lang="en-US" dirty="0"/>
+              <a:t>Fourth level</a:t>
+            </a:r>
+          </a:p>
+          <a:p>
+            <a:pPr lvl="4"/>
+            <a:r>
+              <a:rPr lang="en-US" dirty="0"/>
+              <a:t>Fifth level</a:t>
+            </a:r>
+          </a:p>
+        </p:txBody>
+      </p:sp>
+      <p:sp>
+        <p:nvSpPr>
+          <p:cNvPr id="4" name="Date Placeholder 3"/>
+          <p:cNvSpPr>
+            <a:spLocks noGrp="1"/>
+          </p:cNvSpPr>
+          <p:nvPr>
+            <p:ph type="dt" sz="half" idx="2"/>
+          </p:nvPr>
+        </p:nvSpPr>
+        <p:spPr>
+          <a:xfrm>
+            <a:off x="7554138" y="330370"/>
+            <a:ext cx="3500715" cy="309201"/>
+          </a:xfrm>
+          <a:prstGeom prst="rect">
+            <a:avLst/>
+          </a:prstGeom>
+        </p:spPr>
+        <p:txBody>
           <a:bodyPr vert="horz" lIns="91440" tIns="45720" rIns="91440" bIns="45720" rtlCol="0" anchor="ctr"/>
           <a:lstStyle>
-            <a:lvl1pPr algn="l">
-              <a:defRPr sz="1200">
+            <a:lvl1pPr algn="r">
+              <a:defRPr sz="1000">
                 <a:solidFill>
                   <a:schemeClr val="tx1">
                     <a:tint val="75000"/>
@@ -2911,7 +6621,7 @@
           <a:p>
             <a:fld id="{BCB843B3-FFFB-EF4E-A60F-DDF5039288AF}" type="datetimeFigureOut">
               <a:rPr lang="en-US" smtClean="0"/>
-              <a:t>12/14/18</a:t>
+              <a:t>12/15/2018</a:t>
             </a:fld>
             <a:endParaRPr lang="en-US"/>
           </a:p>
@@ -2919,13 +6629,7 @@
       </p:sp>
       <p:sp>
         <p:nvSpPr>
-          <p:cNvPr id="5" name="Footer Placeholder 4">
-            <a:extLst>
-              <a:ext uri="{FF2B5EF4-FFF2-40B4-BE49-F238E27FC236}">
-                <a16:creationId xmlns:a16="http://schemas.microsoft.com/office/drawing/2014/main" id="{03C6684B-DAF5-1B4C-A915-46FDFB62AF3F}"/>
-              </a:ext>
-            </a:extLst>
-          </p:cNvPr>
+          <p:cNvPr id="5" name="Footer Placeholder 4"/>
           <p:cNvSpPr>
             <a:spLocks noGrp="1"/>
           </p:cNvSpPr>
@@ -2935,8 +6639,8 @@
         </p:nvSpPr>
         <p:spPr>
           <a:xfrm>
-            <a:off x="4038600" y="6356350"/>
-            <a:ext cx="4114800" cy="365125"/>
+            <a:off x="1451579" y="329307"/>
+            <a:ext cx="5938836" cy="309201"/>
           </a:xfrm>
           <a:prstGeom prst="rect">
             <a:avLst/>
@@ -2945,8 +6649,8 @@
         <p:txBody>
           <a:bodyPr vert="horz" lIns="91440" tIns="45720" rIns="91440" bIns="45720" rtlCol="0" anchor="ctr"/>
           <a:lstStyle>
-            <a:lvl1pPr algn="ctr">
-              <a:defRPr sz="1200">
+            <a:lvl1pPr algn="l">
+              <a:defRPr sz="1000">
                 <a:solidFill>
                   <a:schemeClr val="tx1">
                     <a:tint val="75000"/>
@@ -2962,13 +6666,7 @@
       </p:sp>
       <p:sp>
         <p:nvSpPr>
-          <p:cNvPr id="6" name="Slide Number Placeholder 5">
-            <a:extLst>
-              <a:ext uri="{FF2B5EF4-FFF2-40B4-BE49-F238E27FC236}">
-                <a16:creationId xmlns:a16="http://schemas.microsoft.com/office/drawing/2014/main" id="{E9EA50A0-BA3B-C34C-93CD-E54B4A57D26F}"/>
-              </a:ext>
-            </a:extLst>
-          </p:cNvPr>
+          <p:cNvPr id="6" name="Slide Number Placeholder 5"/>
           <p:cNvSpPr>
             <a:spLocks noGrp="1"/>
           </p:cNvSpPr>
@@ -2978,22 +6676,20 @@
         </p:nvSpPr>
         <p:spPr>
           <a:xfrm>
-            <a:off x="8610600" y="6356350"/>
-            <a:ext cx="2743200" cy="365125"/>
+            <a:off x="480060" y="798973"/>
+            <a:ext cx="811019" cy="503578"/>
           </a:xfrm>
           <a:prstGeom prst="rect">
             <a:avLst/>
           </a:prstGeom>
         </p:spPr>
         <p:txBody>
-          <a:bodyPr vert="horz" lIns="91440" tIns="45720" rIns="91440" bIns="45720" rtlCol="0" anchor="ctr"/>
+          <a:bodyPr vert="horz" lIns="91440" tIns="45720" rIns="91440" bIns="45720" rtlCol="0" anchor="t"/>
           <a:lstStyle>
             <a:lvl1pPr algn="r">
-              <a:defRPr sz="1200">
+              <a:defRPr sz="2800">
                 <a:solidFill>
-                  <a:schemeClr val="tx1">
-                    <a:tint val="75000"/>
-                  </a:schemeClr>
+                  <a:schemeClr val="accent1"/>
                 </a:solidFill>
               </a:defRPr>
             </a:lvl1pPr>
@@ -3007,26 +6703,63 @@
           </a:p>
         </p:txBody>
       </p:sp>
+      <p:cxnSp>
+        <p:nvCxnSpPr>
+          <p:cNvPr id="10" name="Straight Connector 9"/>
+          <p:cNvCxnSpPr/>
+          <p:nvPr/>
+        </p:nvCxnSpPr>
+        <p:spPr>
+          <a:xfrm>
+            <a:off x="0" y="6128413"/>
+            <a:ext cx="12192000" cy="0"/>
+          </a:xfrm>
+          <a:prstGeom prst="line">
+            <a:avLst/>
+          </a:prstGeom>
+          <a:ln w="12700">
+            <a:solidFill>
+              <a:srgbClr val="000001">
+                <a:alpha val="20000"/>
+              </a:srgbClr>
+            </a:solidFill>
+          </a:ln>
+        </p:spPr>
+        <p:style>
+          <a:lnRef idx="1">
+            <a:schemeClr val="accent1"/>
+          </a:lnRef>
+          <a:fillRef idx="0">
+            <a:schemeClr val="accent1"/>
+          </a:fillRef>
+          <a:effectRef idx="0">
+            <a:schemeClr val="accent1"/>
+          </a:effectRef>
+          <a:fontRef idx="minor">
+            <a:schemeClr val="tx1"/>
+          </a:fontRef>
+        </p:style>
+      </p:cxnSp>
     </p:spTree>
     <p:extLst>
       <p:ext uri="{BB962C8B-B14F-4D97-AF65-F5344CB8AC3E}">
-        <p14:creationId xmlns:p14="http://schemas.microsoft.com/office/powerpoint/2010/main" val="669445334"/>
+        <p14:creationId xmlns:p14="http://schemas.microsoft.com/office/powerpoint/2010/main" val="1358752358"/>
       </p:ext>
     </p:extLst>
   </p:cSld>
   <p:clrMap bg1="lt1" tx1="dk1" bg2="lt2" tx2="dk2" accent1="accent1" accent2="accent2" accent3="accent3" accent4="accent4" accent5="accent5" accent6="accent6" hlink="hlink" folHlink="folHlink"/>
   <p:sldLayoutIdLst>
-    <p:sldLayoutId id="2147483649" r:id="rId1"/>
-    <p:sldLayoutId id="2147483650" r:id="rId2"/>
-    <p:sldLayoutId id="2147483651" r:id="rId3"/>
-    <p:sldLayoutId id="2147483652" r:id="rId4"/>
-    <p:sldLayoutId id="2147483653" r:id="rId5"/>
-    <p:sldLayoutId id="2147483654" r:id="rId6"/>
-    <p:sldLayoutId id="2147483655" r:id="rId7"/>
-    <p:sldLayoutId id="2147483656" r:id="rId8"/>
-    <p:sldLayoutId id="2147483657" r:id="rId9"/>
-    <p:sldLayoutId id="2147483658" r:id="rId10"/>
-    <p:sldLayoutId id="2147483659" r:id="rId11"/>
+    <p:sldLayoutId id="2147483690" r:id="rId1"/>
+    <p:sldLayoutId id="2147483691" r:id="rId2"/>
+    <p:sldLayoutId id="2147483692" r:id="rId3"/>
+    <p:sldLayoutId id="2147483693" r:id="rId4"/>
+    <p:sldLayoutId id="2147483694" r:id="rId5"/>
+    <p:sldLayoutId id="2147483695" r:id="rId6"/>
+    <p:sldLayoutId id="2147483696" r:id="rId7"/>
+    <p:sldLayoutId id="2147483697" r:id="rId8"/>
+    <p:sldLayoutId id="2147483698" r:id="rId9"/>
+    <p:sldLayoutId id="2147483699" r:id="rId10"/>
+    <p:sldLayoutId id="2147483700" r:id="rId11"/>
   </p:sldLayoutIdLst>
   <p:txStyles>
     <p:titleStyle>
@@ -3038,10 +6771,11 @@
           <a:spcPct val="0"/>
         </a:spcBef>
         <a:buNone/>
-        <a:defRPr sz="4400" kern="1200">
+        <a:defRPr sz="3200" b="0" i="0" kern="1200" cap="all">
           <a:solidFill>
             <a:schemeClr val="tx1"/>
           </a:solidFill>
+          <a:effectLst/>
           <a:latin typeface="+mj-lt"/>
           <a:ea typeface="+mj-ea"/>
           <a:cs typeface="+mj-cs"/>
@@ -3051,17 +6785,22 @@
     <p:bodyStyle>
       <a:lvl1pPr marL="228600" indent="-228600" algn="l" defTabSz="914400" rtl="0" eaLnBrk="1" latinLnBrk="0" hangingPunct="1">
         <a:lnSpc>
-          <a:spcPct val="90000"/>
+          <a:spcPct val="120000"/>
         </a:lnSpc>
         <a:spcBef>
           <a:spcPts val="1000"/>
         </a:spcBef>
+        <a:buClr>
+          <a:schemeClr val="accent1"/>
+        </a:buClr>
+        <a:buSzPct val="100000"/>
         <a:buFont typeface="Arial" panose="020B0604020202020204" pitchFamily="34" charset="0"/>
         <a:buChar char="•"/>
-        <a:defRPr sz="2800" kern="1200">
+        <a:defRPr sz="2000" kern="1200">
           <a:solidFill>
             <a:schemeClr val="tx1"/>
           </a:solidFill>
+          <a:effectLst/>
           <a:latin typeface="+mn-lt"/>
           <a:ea typeface="+mn-ea"/>
           <a:cs typeface="+mn-cs"/>
@@ -3069,17 +6808,22 @@
       </a:lvl1pPr>
       <a:lvl2pPr marL="685800" indent="-228600" algn="l" defTabSz="914400" rtl="0" eaLnBrk="1" latinLnBrk="0" hangingPunct="1">
         <a:lnSpc>
-          <a:spcPct val="90000"/>
+          <a:spcPct val="120000"/>
         </a:lnSpc>
         <a:spcBef>
           <a:spcPts val="500"/>
         </a:spcBef>
+        <a:buClr>
+          <a:schemeClr val="accent1"/>
+        </a:buClr>
+        <a:buSzPct val="100000"/>
         <a:buFont typeface="Arial" panose="020B0604020202020204" pitchFamily="34" charset="0"/>
         <a:buChar char="•"/>
-        <a:defRPr sz="2400" kern="1200">
+        <a:defRPr sz="1800" kern="1200" cap="none" baseline="0">
           <a:solidFill>
             <a:schemeClr val="tx1"/>
           </a:solidFill>
+          <a:effectLst/>
           <a:latin typeface="+mn-lt"/>
           <a:ea typeface="+mn-ea"/>
           <a:cs typeface="+mn-cs"/>
@@ -3087,17 +6831,22 @@
       </a:lvl2pPr>
       <a:lvl3pPr marL="1143000" indent="-228600" algn="l" defTabSz="914400" rtl="0" eaLnBrk="1" latinLnBrk="0" hangingPunct="1">
         <a:lnSpc>
-          <a:spcPct val="90000"/>
+          <a:spcPct val="120000"/>
         </a:lnSpc>
         <a:spcBef>
           <a:spcPts val="500"/>
         </a:spcBef>
+        <a:buClr>
+          <a:schemeClr val="accent1"/>
+        </a:buClr>
+        <a:buSzPct val="100000"/>
         <a:buFont typeface="Arial" panose="020B0604020202020204" pitchFamily="34" charset="0"/>
         <a:buChar char="•"/>
-        <a:defRPr sz="2000" kern="1200">
+        <a:defRPr sz="1600" kern="1200">
           <a:solidFill>
             <a:schemeClr val="tx1"/>
           </a:solidFill>
+          <a:effectLst/>
           <a:latin typeface="+mn-lt"/>
           <a:ea typeface="+mn-ea"/>
           <a:cs typeface="+mn-cs"/>
@@ -3105,17 +6854,22 @@
       </a:lvl3pPr>
       <a:lvl4pPr marL="1600200" indent="-228600" algn="l" defTabSz="914400" rtl="0" eaLnBrk="1" latinLnBrk="0" hangingPunct="1">
         <a:lnSpc>
-          <a:spcPct val="90000"/>
+          <a:spcPct val="120000"/>
         </a:lnSpc>
         <a:spcBef>
           <a:spcPts val="500"/>
         </a:spcBef>
+        <a:buClr>
+          <a:schemeClr val="accent1"/>
+        </a:buClr>
+        <a:buSzPct val="100000"/>
         <a:buFont typeface="Arial" panose="020B0604020202020204" pitchFamily="34" charset="0"/>
         <a:buChar char="•"/>
-        <a:defRPr sz="1800" kern="1200">
+        <a:defRPr sz="1400" kern="1200" cap="none" baseline="0">
           <a:solidFill>
             <a:schemeClr val="tx1"/>
           </a:solidFill>
+          <a:effectLst/>
           <a:latin typeface="+mn-lt"/>
           <a:ea typeface="+mn-ea"/>
           <a:cs typeface="+mn-cs"/>
@@ -3123,17 +6877,22 @@
       </a:lvl4pPr>
       <a:lvl5pPr marL="2057400" indent="-228600" algn="l" defTabSz="914400" rtl="0" eaLnBrk="1" latinLnBrk="0" hangingPunct="1">
         <a:lnSpc>
-          <a:spcPct val="90000"/>
+          <a:spcPct val="120000"/>
         </a:lnSpc>
         <a:spcBef>
           <a:spcPts val="500"/>
         </a:spcBef>
+        <a:buClr>
+          <a:schemeClr val="accent1"/>
+        </a:buClr>
+        <a:buSzPct val="100000"/>
         <a:buFont typeface="Arial" panose="020B0604020202020204" pitchFamily="34" charset="0"/>
         <a:buChar char="•"/>
-        <a:defRPr sz="1800" kern="1200">
+        <a:defRPr sz="1200" kern="1200">
           <a:solidFill>
             <a:schemeClr val="tx1"/>
           </a:solidFill>
+          <a:effectLst/>
           <a:latin typeface="+mn-lt"/>
           <a:ea typeface="+mn-ea"/>
           <a:cs typeface="+mn-cs"/>
@@ -3141,17 +6900,22 @@
       </a:lvl5pPr>
       <a:lvl6pPr marL="2514600" indent="-228600" algn="l" defTabSz="914400" rtl="0" eaLnBrk="1" latinLnBrk="0" hangingPunct="1">
         <a:lnSpc>
-          <a:spcPct val="90000"/>
+          <a:spcPct val="120000"/>
         </a:lnSpc>
         <a:spcBef>
           <a:spcPts val="500"/>
         </a:spcBef>
+        <a:buClr>
+          <a:schemeClr val="accent1"/>
+        </a:buClr>
+        <a:buSzPct val="100000"/>
         <a:buFont typeface="Arial" panose="020B0604020202020204" pitchFamily="34" charset="0"/>
         <a:buChar char="•"/>
-        <a:defRPr sz="1800" kern="1200">
+        <a:defRPr sz="1200" kern="1200">
           <a:solidFill>
             <a:schemeClr val="tx1"/>
           </a:solidFill>
+          <a:effectLst/>
           <a:latin typeface="+mn-lt"/>
           <a:ea typeface="+mn-ea"/>
           <a:cs typeface="+mn-cs"/>
@@ -3159,17 +6923,22 @@
       </a:lvl6pPr>
       <a:lvl7pPr marL="2971800" indent="-228600" algn="l" defTabSz="914400" rtl="0" eaLnBrk="1" latinLnBrk="0" hangingPunct="1">
         <a:lnSpc>
-          <a:spcPct val="90000"/>
+          <a:spcPct val="120000"/>
         </a:lnSpc>
         <a:spcBef>
           <a:spcPts val="500"/>
         </a:spcBef>
+        <a:buClr>
+          <a:schemeClr val="accent1"/>
+        </a:buClr>
+        <a:buSzPct val="100000"/>
         <a:buFont typeface="Arial" panose="020B0604020202020204" pitchFamily="34" charset="0"/>
         <a:buChar char="•"/>
-        <a:defRPr sz="1800" kern="1200">
+        <a:defRPr sz="1200" kern="1200">
           <a:solidFill>
             <a:schemeClr val="tx1"/>
           </a:solidFill>
+          <a:effectLst/>
           <a:latin typeface="+mn-lt"/>
           <a:ea typeface="+mn-ea"/>
           <a:cs typeface="+mn-cs"/>
@@ -3177,17 +6946,22 @@
       </a:lvl7pPr>
       <a:lvl8pPr marL="3429000" indent="-228600" algn="l" defTabSz="914400" rtl="0" eaLnBrk="1" latinLnBrk="0" hangingPunct="1">
         <a:lnSpc>
-          <a:spcPct val="90000"/>
+          <a:spcPct val="120000"/>
         </a:lnSpc>
         <a:spcBef>
           <a:spcPts val="500"/>
         </a:spcBef>
+        <a:buClr>
+          <a:schemeClr val="accent1"/>
+        </a:buClr>
+        <a:buSzPct val="100000"/>
         <a:buFont typeface="Arial" panose="020B0604020202020204" pitchFamily="34" charset="0"/>
         <a:buChar char="•"/>
-        <a:defRPr sz="1800" kern="1200">
+        <a:defRPr sz="1200" kern="1200" baseline="0">
           <a:solidFill>
             <a:schemeClr val="tx1"/>
           </a:solidFill>
+          <a:effectLst/>
           <a:latin typeface="+mn-lt"/>
           <a:ea typeface="+mn-ea"/>
           <a:cs typeface="+mn-cs"/>
@@ -3195,17 +6969,22 @@
       </a:lvl8pPr>
       <a:lvl9pPr marL="3886200" indent="-228600" algn="l" defTabSz="914400" rtl="0" eaLnBrk="1" latinLnBrk="0" hangingPunct="1">
         <a:lnSpc>
-          <a:spcPct val="90000"/>
+          <a:spcPct val="120000"/>
         </a:lnSpc>
         <a:spcBef>
           <a:spcPts val="500"/>
         </a:spcBef>
+        <a:buClr>
+          <a:schemeClr val="accent1"/>
+        </a:buClr>
+        <a:buSzPct val="100000"/>
         <a:buFont typeface="Arial" panose="020B0604020202020204" pitchFamily="34" charset="0"/>
         <a:buChar char="•"/>
-        <a:defRPr sz="1800" kern="1200">
+        <a:defRPr sz="1200" kern="1200" baseline="0">
           <a:solidFill>
             <a:schemeClr val="tx1"/>
           </a:solidFill>
+          <a:effectLst/>
           <a:latin typeface="+mn-lt"/>
           <a:ea typeface="+mn-ea"/>
           <a:cs typeface="+mn-cs"/>
@@ -3415,13 +7194,13 @@
         </p:spPr>
         <p:txBody>
           <a:bodyPr>
-            <a:normAutofit lnSpcReduction="10000"/>
+            <a:normAutofit fontScale="77500" lnSpcReduction="20000"/>
           </a:bodyPr>
           <a:lstStyle/>
           <a:p>
             <a:pPr algn="l"/>
             <a:r>
-              <a:rPr lang="en-US" sz="4000" b="1" dirty="0">
+              <a:rPr lang="en-US" sz="3600" b="1" dirty="0">
                 <a:effectLst>
                   <a:outerShdw blurRad="50800" dist="114300" dir="4080000" algn="tl" rotWithShape="0">
                     <a:prstClr val="black">
@@ -3519,7 +7298,107 @@
     </p:spTree>
     <p:extLst>
       <p:ext uri="{BB962C8B-B14F-4D97-AF65-F5344CB8AC3E}">
-        <p14:creationId xmlns:p14="http://schemas.microsoft.com/office/powerpoint/2010/main" val="1862989150"/>
+        <p14:creationId xmlns:p14="http://schemas.microsoft.com/office/powerpoint/2010/main" val="3550369396"/>
+      </p:ext>
+    </p:extLst>
+  </p:cSld>
+  <p:clrMapOvr>
+    <a:masterClrMapping/>
+  </p:clrMapOvr>
+</p:sld>
+</file>
+
+<file path=ppt/slides/slide10.xml><?xml version="1.0" encoding="utf-8"?>
+<p:sld xmlns:a="http://schemas.openxmlformats.org/drawingml/2006/main" xmlns:r="http://schemas.openxmlformats.org/officeDocument/2006/relationships" xmlns:p="http://schemas.openxmlformats.org/presentationml/2006/main">
+  <p:cSld>
+    <p:spTree>
+      <p:nvGrpSpPr>
+        <p:cNvPr id="1" name=""/>
+        <p:cNvGrpSpPr/>
+        <p:nvPr/>
+      </p:nvGrpSpPr>
+      <p:grpSpPr>
+        <a:xfrm>
+          <a:off x="0" y="0"/>
+          <a:ext cx="0" cy="0"/>
+          <a:chOff x="0" y="0"/>
+          <a:chExt cx="0" cy="0"/>
+        </a:xfrm>
+      </p:grpSpPr>
+      <p:pic>
+        <p:nvPicPr>
+          <p:cNvPr id="5" name="Content Placeholder 4" descr="A screenshot of a computer&#10;&#10;Description automatically generated">
+            <a:extLst>
+              <a:ext uri="{FF2B5EF4-FFF2-40B4-BE49-F238E27FC236}">
+                <a16:creationId xmlns:a16="http://schemas.microsoft.com/office/drawing/2014/main" id="{B27FC7B1-5C18-47AB-982A-DFE5903469F4}"/>
+              </a:ext>
+            </a:extLst>
+          </p:cNvPr>
+          <p:cNvPicPr>
+            <a:picLocks noGrp="1" noChangeAspect="1"/>
+          </p:cNvPicPr>
+          <p:nvPr>
+            <p:ph idx="1"/>
+          </p:nvPr>
+        </p:nvPicPr>
+        <p:blipFill>
+          <a:blip r:embed="rId2"/>
+          <a:stretch>
+            <a:fillRect/>
+          </a:stretch>
+        </p:blipFill>
+        <p:spPr>
+          <a:xfrm>
+            <a:off x="812643" y="52680"/>
+            <a:ext cx="9821569" cy="5012178"/>
+          </a:xfrm>
+        </p:spPr>
+      </p:pic>
+      <p:sp>
+        <p:nvSpPr>
+          <p:cNvPr id="7" name="TextBox 6">
+            <a:extLst>
+              <a:ext uri="{FF2B5EF4-FFF2-40B4-BE49-F238E27FC236}">
+                <a16:creationId xmlns:a16="http://schemas.microsoft.com/office/drawing/2014/main" id="{766235BB-AD20-4403-B917-0C0B06EC9DDA}"/>
+              </a:ext>
+            </a:extLst>
+          </p:cNvPr>
+          <p:cNvSpPr txBox="1"/>
+          <p:nvPr/>
+        </p:nvSpPr>
+        <p:spPr>
+          <a:xfrm>
+            <a:off x="916815" y="5064858"/>
+            <a:ext cx="9821569" cy="830997"/>
+          </a:xfrm>
+          <a:prstGeom prst="rect">
+            <a:avLst/>
+          </a:prstGeom>
+          <a:noFill/>
+        </p:spPr>
+        <p:txBody>
+          <a:bodyPr wrap="square" rtlCol="0">
+            <a:spAutoFit/>
+          </a:bodyPr>
+          <a:lstStyle/>
+          <a:p>
+            <a:r>
+              <a:rPr lang="en-US" sz="1600" b="1" dirty="0"/>
+              <a:t> AS WE CAN SEE AUSTIN AIRPORT BECAME A SECOND AIRPORT GROWING IN USA.</a:t>
+            </a:r>
+          </a:p>
+          <a:p>
+            <a:r>
+              <a:rPr lang="en-US" sz="1600" b="1" dirty="0"/>
+              <a:t>INCREASED UP TO 62%. DECLINE AND GROWTH ARE BASED ON TOTAL OF NUMBER OF PASSENGERS. AND THE AVERAGE FARE.</a:t>
+            </a:r>
+          </a:p>
+        </p:txBody>
+      </p:sp>
+    </p:spTree>
+    <p:extLst>
+      <p:ext uri="{BB962C8B-B14F-4D97-AF65-F5344CB8AC3E}">
+        <p14:creationId xmlns:p14="http://schemas.microsoft.com/office/powerpoint/2010/main" val="1350041501"/>
       </p:ext>
     </p:extLst>
   </p:cSld>
@@ -3590,14 +7469,35 @@
             <p:ph idx="1"/>
           </p:nvPr>
         </p:nvSpPr>
-        <p:spPr/>
-        <p:txBody>
-          <a:bodyPr/>
+        <p:spPr>
+          <a:xfrm>
+            <a:off x="1451579" y="2015732"/>
+            <a:ext cx="9603275" cy="3922613"/>
+          </a:xfrm>
+        </p:spPr>
+        <p:txBody>
+          <a:bodyPr>
+            <a:normAutofit fontScale="92500" lnSpcReduction="20000"/>
+          </a:bodyPr>
           <a:lstStyle/>
           <a:p>
             <a:r>
               <a:rPr lang="en-US" dirty="0"/>
               <a:t>Austin-Bergstrom International Airport opened on May 23, 1999, on what used to be Bergstrom Air Force Base. Travis County’s population that year was 788,500. By 2017, Travis County had 1.2 million residents, not counting growth in Williamson County to the north and Hays County to the south. </a:t>
+            </a:r>
+          </a:p>
+          <a:p>
+            <a:r>
+              <a:rPr lang="en-US" dirty="0"/>
+              <a:t>.</a:t>
+            </a:r>
+            <a:r>
+              <a:rPr lang="en-US" u="sng" dirty="0"/>
+              <a:t>Austin-Bergstrom International (AUS)</a:t>
+            </a:r>
+            <a:r>
+              <a:rPr lang="en-US" dirty="0"/>
+              <a:t>: In 10 years, the explosive growth of the Austin airport is undeniable. In a trend that is not expected to slow soon,  Austin experienced as much as 12 percent growth in the years 2016 and 2017 alone.  Though the airport is expanding to try and keep up, the increased domestic routes provided by AUS make facility expansion challenging.</a:t>
             </a:r>
           </a:p>
           <a:p>
@@ -3630,6 +7530,30 @@
 <file path=ppt/slides/slide3.xml><?xml version="1.0" encoding="utf-8"?>
 <p:sld xmlns:a="http://schemas.openxmlformats.org/drawingml/2006/main" xmlns:r="http://schemas.openxmlformats.org/officeDocument/2006/relationships" xmlns:p="http://schemas.openxmlformats.org/presentationml/2006/main">
   <p:cSld>
+    <p:bg>
+      <p:bgPr>
+        <a:gradFill rotWithShape="1">
+          <a:gsLst>
+            <a:gs pos="0">
+              <a:schemeClr val="bg2">
+                <a:tint val="94000"/>
+                <a:satMod val="80000"/>
+                <a:lumMod val="106000"/>
+              </a:schemeClr>
+            </a:gs>
+            <a:gs pos="100000">
+              <a:schemeClr val="bg2">
+                <a:shade val="80000"/>
+              </a:schemeClr>
+            </a:gs>
+          </a:gsLst>
+          <a:path path="circle">
+            <a:fillToRect l="43000" r="43000" b="100000"/>
+          </a:path>
+        </a:gradFill>
+        <a:effectLst/>
+      </p:bgPr>
+    </p:bg>
     <p:spTree>
       <p:nvGrpSpPr>
         <p:cNvPr id="1" name=""/>
@@ -3660,9 +7584,16 @@
             <p:ph type="title"/>
           </p:nvPr>
         </p:nvSpPr>
-        <p:spPr/>
-        <p:txBody>
-          <a:bodyPr/>
+        <p:spPr>
+          <a:xfrm>
+            <a:off x="1451579" y="804519"/>
+            <a:ext cx="9603275" cy="1049235"/>
+          </a:xfrm>
+        </p:spPr>
+        <p:txBody>
+          <a:bodyPr>
+            <a:normAutofit/>
+          </a:bodyPr>
           <a:lstStyle/>
           <a:p>
             <a:r>
@@ -3672,111 +7603,37 @@
           </a:p>
         </p:txBody>
       </p:sp>
-      <p:sp>
-        <p:nvSpPr>
-          <p:cNvPr id="3" name="Content Placeholder 2">
+      <p:graphicFrame>
+        <p:nvGraphicFramePr>
+          <p:cNvPr id="5" name="Content Placeholder 2">
             <a:extLst>
               <a:ext uri="{FF2B5EF4-FFF2-40B4-BE49-F238E27FC236}">
-                <a16:creationId xmlns:a16="http://schemas.microsoft.com/office/drawing/2014/main" id="{B7F949BA-E8D5-6848-BFAF-3CDC49856E90}"/>
+                <a16:creationId xmlns:a16="http://schemas.microsoft.com/office/drawing/2014/main" id="{0030C84A-170B-4D0A-9275-D126C48DC107}"/>
               </a:ext>
             </a:extLst>
           </p:cNvPr>
-          <p:cNvSpPr>
-            <a:spLocks noGrp="1"/>
-          </p:cNvSpPr>
+          <p:cNvGraphicFramePr>
+            <a:graphicFrameLocks noGrp="1"/>
+          </p:cNvGraphicFramePr>
           <p:nvPr>
             <p:ph idx="1"/>
-          </p:nvPr>
-        </p:nvSpPr>
-        <p:spPr/>
-        <p:txBody>
-          <a:bodyPr/>
-          <a:lstStyle/>
-          <a:p>
-            <a:pPr marL="0" indent="0">
-              <a:buNone/>
-            </a:pPr>
-            <a:r>
-              <a:rPr lang="en-US" dirty="0"/>
-              <a:t>PRIMARY SOURCES</a:t>
-            </a:r>
-          </a:p>
-          <a:p>
-            <a:pPr marL="0" indent="0">
-              <a:buNone/>
-            </a:pPr>
-            <a:r>
-              <a:rPr lang="en-US" dirty="0"/>
-              <a:t>• Bureau of Transportation Statistics: </a:t>
-            </a:r>
-            <a:r>
-              <a:rPr lang="en-US" dirty="0" err="1"/>
-              <a:t>www.bts.gov</a:t>
-            </a:r>
-            <a:endParaRPr lang="en-US" dirty="0"/>
-          </a:p>
-          <a:p>
-            <a:pPr marL="0" indent="0">
-              <a:buNone/>
-            </a:pPr>
-            <a:r>
-              <a:rPr lang="en-US" dirty="0"/>
-              <a:t>Available data included fares, passenger counts, and destinations</a:t>
-            </a:r>
-          </a:p>
-          <a:p>
-            <a:pPr marL="0" indent="0">
-              <a:buNone/>
-            </a:pPr>
-            <a:r>
-              <a:rPr lang="en-US" dirty="0"/>
-              <a:t>• City of Austin: </a:t>
-            </a:r>
-            <a:r>
-              <a:rPr lang="en-US" dirty="0" err="1"/>
-              <a:t>data.austintexas.gov</a:t>
-            </a:r>
-            <a:endParaRPr lang="en-US" dirty="0"/>
-          </a:p>
-          <a:p>
-            <a:pPr marL="0" indent="0">
-              <a:buNone/>
-            </a:pPr>
-            <a:r>
-              <a:rPr lang="en-US" dirty="0"/>
-              <a:t>Available data included passenger counts and customer surveys</a:t>
-            </a:r>
-          </a:p>
-          <a:p>
-            <a:pPr marL="0" indent="0">
-              <a:buNone/>
-            </a:pPr>
-            <a:endParaRPr lang="en-US" dirty="0"/>
-          </a:p>
-          <a:p>
-            <a:pPr marL="0" indent="0">
-              <a:buNone/>
-            </a:pPr>
-            <a:r>
-              <a:rPr lang="en-US" dirty="0"/>
-              <a:t>SUPPLEMENTAL SOURCES</a:t>
-            </a:r>
-          </a:p>
-          <a:p>
-            <a:pPr marL="0" indent="0">
-              <a:buNone/>
-            </a:pPr>
-            <a:r>
-              <a:rPr lang="en-US" dirty="0" err="1"/>
-              <a:t>Census.gov</a:t>
-            </a:r>
-            <a:r>
-              <a:rPr lang="en-US" dirty="0"/>
-              <a:t>, ABIA website</a:t>
-            </a:r>
-          </a:p>
-        </p:txBody>
-      </p:sp>
+            <p:extLst>
+              <p:ext uri="{D42A27DB-BD31-4B8C-83A1-F6EECF244321}">
+                <p14:modId xmlns:p14="http://schemas.microsoft.com/office/powerpoint/2010/main" val="2082233710"/>
+              </p:ext>
+            </p:extLst>
+          </p:nvPr>
+        </p:nvGraphicFramePr>
+        <p:xfrm>
+          <a:off x="1450975" y="2340435"/>
+          <a:ext cx="9604375" cy="3324494"/>
+        </p:xfrm>
+        <a:graphic>
+          <a:graphicData uri="http://schemas.openxmlformats.org/drawingml/2006/diagram">
+            <dgm:relIds xmlns:dgm="http://schemas.openxmlformats.org/drawingml/2006/diagram" xmlns:r="http://schemas.openxmlformats.org/officeDocument/2006/relationships" r:dm="rId2" r:lo="rId3" r:qs="rId4" r:cs="rId5"/>
+          </a:graphicData>
+        </a:graphic>
+      </p:graphicFrame>
     </p:spTree>
     <p:extLst>
       <p:ext uri="{BB962C8B-B14F-4D97-AF65-F5344CB8AC3E}">
@@ -3974,21 +7831,35 @@
           </a:bodyPr>
           <a:lstStyle/>
           <a:p>
+            <a:pPr marL="0" indent="0">
+              <a:buNone/>
+            </a:pPr>
             <a:r>
               <a:rPr lang="en-US" dirty="0"/>
-              <a:t>How much did passenger volume change? ✅</a:t>
-            </a:r>
-          </a:p>
-          <a:p>
+              <a:t>✅ How much did passenger volume change? </a:t>
+            </a:r>
+          </a:p>
+          <a:p>
+            <a:pPr marL="0" indent="0">
+              <a:buNone/>
+            </a:pPr>
             <a:r>
               <a:rPr lang="en-US" dirty="0"/>
-              <a:t>How much did the average fare change? Is there a relationship between fares and passenger volume? ✅</a:t>
-            </a:r>
-          </a:p>
-          <a:p>
-            <a:r>
-              <a:rPr lang="en-US" dirty="0"/>
-              <a:t>Did the number of airline serving ABIA change? How much? </a:t>
+              <a:t>✅ How much did the average fare change? Is there a relationship between fares and passenger volume? </a:t>
+            </a:r>
+          </a:p>
+          <a:p>
+            <a:pPr marL="0" indent="0">
+              <a:buNone/>
+            </a:pPr>
+            <a:r>
+              <a:rPr lang="en-US" sz="2400" dirty="0">
+                <a:solidFill>
+                  <a:srgbClr val="FF0000"/>
+                </a:solidFill>
+                <a:latin typeface="Brush Script MT" panose="03060802040406070304" pitchFamily="66" charset="-122"/>
+              </a:rPr>
+              <a:t>X </a:t>
             </a:r>
             <a:r>
               <a:rPr lang="en-US" dirty="0">
@@ -3997,7 +7868,11 @@
                 </a:solidFill>
                 <a:latin typeface="Brush Script MT" panose="03060802040406070304" pitchFamily="66" charset="-122"/>
               </a:rPr>
-              <a:t>X</a:t>
+              <a:t> </a:t>
+            </a:r>
+            <a:r>
+              <a:rPr lang="en-US" dirty="0"/>
+              <a:t>Did the number of airline serving ABIA change? How much? We could not locate a data source to answer this question. </a:t>
             </a:r>
           </a:p>
           <a:p>
@@ -4006,7 +7881,7 @@
             </a:pPr>
             <a:r>
               <a:rPr lang="en-US" dirty="0"/>
-              <a:t>	We could not locate a data source to answer this question. </a:t>
+              <a:t>✅ Which routes had the most passengers? Did that change over time? </a:t>
             </a:r>
           </a:p>
           <a:p>
@@ -4015,13 +7890,7 @@
             </a:pPr>
             <a:r>
               <a:rPr lang="en-US" dirty="0"/>
-              <a:t>• Which routes had the most passengers? Did that change over time? ✅</a:t>
-            </a:r>
-          </a:p>
-          <a:p>
-            <a:r>
-              <a:rPr lang="en-US" dirty="0"/>
-              <a:t>Did the percentage of on-time arrivals and departures change? ✅</a:t>
+              <a:t>✅ Did the percentage of on-time arrivals and departures change? </a:t>
             </a:r>
           </a:p>
         </p:txBody>
@@ -4105,9 +7974,17 @@
           <a:bodyPr/>
           <a:lstStyle/>
           <a:p>
-            <a:r>
-              <a:rPr lang="en-US" dirty="0"/>
-              <a:t>Did customer satisfaction with the airport and its services change? </a:t>
+            <a:pPr marL="0" indent="0">
+              <a:buNone/>
+            </a:pPr>
+            <a:r>
+              <a:rPr lang="en-US" sz="2400" dirty="0">
+                <a:solidFill>
+                  <a:srgbClr val="FF0000"/>
+                </a:solidFill>
+                <a:latin typeface="Brush Script MT" panose="03060802040406070304" pitchFamily="66" charset="-122"/>
+              </a:rPr>
+              <a:t>X</a:t>
             </a:r>
             <a:r>
               <a:rPr lang="en-US" dirty="0">
@@ -4116,17 +7993,11 @@
                 </a:solidFill>
                 <a:latin typeface="Brush Script MT" panose="03060802040406070304" pitchFamily="66" charset="-122"/>
               </a:rPr>
-              <a:t>X</a:t>
-            </a:r>
-            <a:endParaRPr lang="en-US" dirty="0"/>
-          </a:p>
-          <a:p>
-            <a:pPr marL="0" indent="0">
-              <a:buNone/>
-            </a:pPr>
+              <a:t> </a:t>
+            </a:r>
             <a:r>
               <a:rPr lang="en-US" dirty="0"/>
-              <a:t>	The city of Austin has a data set with responses to a customer satisfaction survey, but it only has two years of data. We deemed that insufficient for the comparison we sought.</a:t>
+              <a:t>Did customer satisfaction with the airport and its services change? 	The city of Austin has a data set with responses to a customer satisfaction survey, but it only has two years of data. We deemed that insufficient for the comparison we sought.</a:t>
             </a:r>
           </a:p>
           <a:p>
@@ -4337,13 +8208,8 @@
           <a:p>
             <a:r>
               <a:rPr lang="en-US" dirty="0"/>
-              <a:t>Some data just wasn’t available. For example, we were initially excited to research a fare question: How much of the total fare is the flight, and how much is made up of extras such as baggage fees and the like? That information surely exists somewhere, but we couldn’t find a public data </a:t>
-            </a:r>
-            <a:r>
-              <a:rPr lang="en-US"/>
-              <a:t>set that has it.</a:t>
-            </a:r>
-            <a:endParaRPr lang="en-US" dirty="0"/>
+              <a:t>Some data just wasn’t available. For example, we were initially excited to research a fare question: How much of the total fare is the flight, and how much is made up of extras such as baggage fees and the like? That information surely exists somewhere, but we couldn’t find a public data set that has it.</a:t>
+            </a:r>
           </a:p>
         </p:txBody>
       </p:sp>
@@ -4360,7 +8226,354 @@
 </p:sld>
 </file>
 
+<file path=ppt/slides/slide9.xml><?xml version="1.0" encoding="utf-8"?>
+<p:sld xmlns:a="http://schemas.openxmlformats.org/drawingml/2006/main" xmlns:r="http://schemas.openxmlformats.org/officeDocument/2006/relationships" xmlns:p="http://schemas.openxmlformats.org/presentationml/2006/main">
+  <p:cSld>
+    <p:spTree>
+      <p:nvGrpSpPr>
+        <p:cNvPr id="1" name=""/>
+        <p:cNvGrpSpPr/>
+        <p:nvPr/>
+      </p:nvGrpSpPr>
+      <p:grpSpPr>
+        <a:xfrm>
+          <a:off x="0" y="0"/>
+          <a:ext cx="0" cy="0"/>
+          <a:chOff x="0" y="0"/>
+          <a:chExt cx="0" cy="0"/>
+        </a:xfrm>
+      </p:grpSpPr>
+      <p:sp>
+        <p:nvSpPr>
+          <p:cNvPr id="2" name="Title 1">
+            <a:extLst>
+              <a:ext uri="{FF2B5EF4-FFF2-40B4-BE49-F238E27FC236}">
+                <a16:creationId xmlns:a16="http://schemas.microsoft.com/office/drawing/2014/main" id="{0F59FDF7-B81D-174F-ADD2-585F96637E23}"/>
+              </a:ext>
+            </a:extLst>
+          </p:cNvPr>
+          <p:cNvSpPr>
+            <a:spLocks noGrp="1"/>
+          </p:cNvSpPr>
+          <p:nvPr>
+            <p:ph type="title"/>
+          </p:nvPr>
+        </p:nvSpPr>
+        <p:spPr/>
+        <p:txBody>
+          <a:bodyPr/>
+          <a:lstStyle/>
+          <a:p>
+            <a:r>
+              <a:rPr lang="en-US" dirty="0"/>
+              <a:t>The Process (cont’d)</a:t>
+            </a:r>
+          </a:p>
+        </p:txBody>
+      </p:sp>
+      <p:sp>
+        <p:nvSpPr>
+          <p:cNvPr id="3" name="Content Placeholder 2">
+            <a:extLst>
+              <a:ext uri="{FF2B5EF4-FFF2-40B4-BE49-F238E27FC236}">
+                <a16:creationId xmlns:a16="http://schemas.microsoft.com/office/drawing/2014/main" id="{FCE7663F-CA74-BE42-B5F0-335DEA407901}"/>
+              </a:ext>
+            </a:extLst>
+          </p:cNvPr>
+          <p:cNvSpPr>
+            <a:spLocks noGrp="1"/>
+          </p:cNvSpPr>
+          <p:nvPr>
+            <p:ph idx="1"/>
+          </p:nvPr>
+        </p:nvSpPr>
+        <p:spPr/>
+        <p:txBody>
+          <a:bodyPr>
+            <a:normAutofit/>
+          </a:bodyPr>
+          <a:lstStyle/>
+          <a:p>
+            <a:r>
+              <a:rPr lang="en-US" dirty="0"/>
+              <a:t>The heatmap was initially off because the latitude and longitude in the dataset corresponded to the city markets as opposed to specific airports.  This resulted in inaccurate heatmap plots in cities with more than one airport.  By using Google’s Geocode API the correct airport coordinates were obtained for an accurate map.</a:t>
+            </a:r>
+          </a:p>
+          <a:p>
+            <a:r>
+              <a:rPr lang="en-US" dirty="0"/>
+              <a:t>Some data needed to be scaled to map accurately. The passenger counts ran into the hundreds of thousands, which resulted in heatmap plots that were ridiculously large. Proportionately reducing those figures made for accurate plots that represented air travel.</a:t>
+            </a:r>
+          </a:p>
+        </p:txBody>
+      </p:sp>
+    </p:spTree>
+    <p:extLst>
+      <p:ext uri="{BB962C8B-B14F-4D97-AF65-F5344CB8AC3E}">
+        <p14:creationId xmlns:p14="http://schemas.microsoft.com/office/powerpoint/2010/main" val="1748392902"/>
+      </p:ext>
+    </p:extLst>
+  </p:cSld>
+  <p:clrMapOvr>
+    <a:masterClrMapping/>
+  </p:clrMapOvr>
+</p:sld>
+</file>
+
 <file path=ppt/theme/theme1.xml><?xml version="1.0" encoding="utf-8"?>
+<a:theme xmlns:a="http://schemas.openxmlformats.org/drawingml/2006/main" name="Gallery">
+  <a:themeElements>
+    <a:clrScheme name="Gallery">
+      <a:dk1>
+        <a:sysClr val="windowText" lastClr="000000"/>
+      </a:dk1>
+      <a:lt1>
+        <a:sysClr val="window" lastClr="FFFFFF"/>
+      </a:lt1>
+      <a:dk2>
+        <a:srgbClr val="454545"/>
+      </a:dk2>
+      <a:lt2>
+        <a:srgbClr val="DFDBD5"/>
+      </a:lt2>
+      <a:accent1>
+        <a:srgbClr val="B71E42"/>
+      </a:accent1>
+      <a:accent2>
+        <a:srgbClr val="DE478E"/>
+      </a:accent2>
+      <a:accent3>
+        <a:srgbClr val="BC72F0"/>
+      </a:accent3>
+      <a:accent4>
+        <a:srgbClr val="795FAF"/>
+      </a:accent4>
+      <a:accent5>
+        <a:srgbClr val="586EA6"/>
+      </a:accent5>
+      <a:accent6>
+        <a:srgbClr val="6892A0"/>
+      </a:accent6>
+      <a:hlink>
+        <a:srgbClr val="FA2B5C"/>
+      </a:hlink>
+      <a:folHlink>
+        <a:srgbClr val="BC658E"/>
+      </a:folHlink>
+    </a:clrScheme>
+    <a:fontScheme name="Gallery">
+      <a:majorFont>
+        <a:latin typeface="Gill Sans MT" panose="020B0502020104020203"/>
+        <a:ea typeface=""/>
+        <a:cs typeface=""/>
+        <a:font script="Jpan" typeface="游ゴシック Light"/>
+        <a:font script="Hang" typeface="맑은 고딕"/>
+        <a:font script="Hans" typeface="等线 Light"/>
+        <a:font script="Hant" typeface="新細明體"/>
+        <a:font script="Arab" typeface="Times New Roman"/>
+        <a:font script="Hebr" typeface="Times New Roman"/>
+        <a:font script="Thai" typeface="Angsana New"/>
+        <a:font script="Ethi" typeface="Nyala"/>
+        <a:font script="Beng" typeface="Vrinda"/>
+        <a:font script="Gujr" typeface="Shruti"/>
+        <a:font script="Khmr" typeface="MoolBoran"/>
+        <a:font script="Knda" typeface="Tunga"/>
+        <a:font script="Guru" typeface="Raavi"/>
+        <a:font script="Cans" typeface="Euphemia"/>
+        <a:font script="Cher" typeface="Plantagenet Cherokee"/>
+        <a:font script="Yiii" typeface="Microsoft Yi Baiti"/>
+        <a:font script="Tibt" typeface="Microsoft Himalaya"/>
+        <a:font script="Thaa" typeface="MV Boli"/>
+        <a:font script="Deva" typeface="Mangal"/>
+        <a:font script="Telu" typeface="Gautami"/>
+        <a:font script="Taml" typeface="Latha"/>
+        <a:font script="Syrc" typeface="Estrangelo Edessa"/>
+        <a:font script="Orya" typeface="Kalinga"/>
+        <a:font script="Mlym" typeface="Kartika"/>
+        <a:font script="Laoo" typeface="DokChampa"/>
+        <a:font script="Sinh" typeface="Iskoola Pota"/>
+        <a:font script="Mong" typeface="Mongolian Baiti"/>
+        <a:font script="Viet" typeface="Times New Roman"/>
+        <a:font script="Uigh" typeface="Microsoft Uighur"/>
+        <a:font script="Geor" typeface="Sylfaen"/>
+      </a:majorFont>
+      <a:minorFont>
+        <a:latin typeface="Gill Sans MT" panose="020B0502020104020203"/>
+        <a:ea typeface=""/>
+        <a:cs typeface=""/>
+        <a:font script="Jpan" typeface="游ゴシック"/>
+        <a:font script="Hang" typeface="맑은 고딕"/>
+        <a:font script="Hans" typeface="等线"/>
+        <a:font script="Hant" typeface="新細明體"/>
+        <a:font script="Arab" typeface="Arial"/>
+        <a:font script="Hebr" typeface="Arial"/>
+        <a:font script="Thai" typeface="Cordia New"/>
+        <a:font script="Ethi" typeface="Nyala"/>
+        <a:font script="Beng" typeface="Vrinda"/>
+        <a:font script="Gujr" typeface="Shruti"/>
+        <a:font script="Khmr" typeface="DaunPenh"/>
+        <a:font script="Knda" typeface="Tunga"/>
+        <a:font script="Guru" typeface="Raavi"/>
+        <a:font script="Cans" typeface="Euphemia"/>
+        <a:font script="Cher" typeface="Plantagenet Cherokee"/>
+        <a:font script="Yiii" typeface="Microsoft Yi Baiti"/>
+        <a:font script="Tibt" typeface="Microsoft Himalaya"/>
+        <a:font script="Thaa" typeface="MV Boli"/>
+        <a:font script="Deva" typeface="Mangal"/>
+        <a:font script="Telu" typeface="Gautami"/>
+        <a:font script="Taml" typeface="Latha"/>
+        <a:font script="Syrc" typeface="Estrangelo Edessa"/>
+        <a:font script="Orya" typeface="Kalinga"/>
+        <a:font script="Mlym" typeface="Kartika"/>
+        <a:font script="Laoo" typeface="DokChampa"/>
+        <a:font script="Sinh" typeface="Iskoola Pota"/>
+        <a:font script="Mong" typeface="Mongolian Baiti"/>
+        <a:font script="Viet" typeface="Arial"/>
+        <a:font script="Uigh" typeface="Microsoft Uighur"/>
+        <a:font script="Geor" typeface="Sylfaen"/>
+      </a:minorFont>
+    </a:fontScheme>
+    <a:fmtScheme name="Gallery">
+      <a:fillStyleLst>
+        <a:solidFill>
+          <a:schemeClr val="phClr"/>
+        </a:solidFill>
+        <a:gradFill rotWithShape="1">
+          <a:gsLst>
+            <a:gs pos="0">
+              <a:schemeClr val="phClr">
+                <a:tint val="54000"/>
+                <a:alpha val="100000"/>
+                <a:satMod val="105000"/>
+                <a:lumMod val="110000"/>
+              </a:schemeClr>
+            </a:gs>
+            <a:gs pos="100000">
+              <a:schemeClr val="phClr">
+                <a:tint val="78000"/>
+                <a:alpha val="92000"/>
+                <a:satMod val="109000"/>
+                <a:lumMod val="100000"/>
+              </a:schemeClr>
+            </a:gs>
+          </a:gsLst>
+          <a:lin ang="5400000" scaled="0"/>
+        </a:gradFill>
+        <a:gradFill rotWithShape="1">
+          <a:gsLst>
+            <a:gs pos="0">
+              <a:schemeClr val="phClr">
+                <a:tint val="98000"/>
+                <a:satMod val="110000"/>
+                <a:lumMod val="104000"/>
+              </a:schemeClr>
+            </a:gs>
+            <a:gs pos="69000">
+              <a:schemeClr val="phClr">
+                <a:shade val="88000"/>
+                <a:satMod val="130000"/>
+                <a:lumMod val="92000"/>
+              </a:schemeClr>
+            </a:gs>
+            <a:gs pos="100000">
+              <a:schemeClr val="phClr">
+                <a:shade val="78000"/>
+                <a:satMod val="130000"/>
+                <a:lumMod val="92000"/>
+              </a:schemeClr>
+            </a:gs>
+          </a:gsLst>
+          <a:lin ang="5400000" scaled="0"/>
+        </a:gradFill>
+      </a:fillStyleLst>
+      <a:lnStyleLst>
+        <a:ln w="9525" cap="flat" cmpd="sng" algn="ctr">
+          <a:solidFill>
+            <a:schemeClr val="phClr"/>
+          </a:solidFill>
+          <a:prstDash val="solid"/>
+        </a:ln>
+        <a:ln w="15875" cap="flat" cmpd="sng" algn="ctr">
+          <a:solidFill>
+            <a:schemeClr val="phClr"/>
+          </a:solidFill>
+          <a:prstDash val="solid"/>
+        </a:ln>
+        <a:ln w="22225" cap="flat" cmpd="sng" algn="ctr">
+          <a:solidFill>
+            <a:schemeClr val="phClr"/>
+          </a:solidFill>
+          <a:prstDash val="solid"/>
+        </a:ln>
+      </a:lnStyleLst>
+      <a:effectStyleLst>
+        <a:effectStyle>
+          <a:effectLst/>
+        </a:effectStyle>
+        <a:effectStyle>
+          <a:effectLst/>
+        </a:effectStyle>
+        <a:effectStyle>
+          <a:effectLst>
+            <a:outerShdw blurRad="50800" dist="50800" dir="5400000" sx="96000" sy="96000" rotWithShape="0">
+              <a:srgbClr val="000000">
+                <a:alpha val="48000"/>
+              </a:srgbClr>
+            </a:outerShdw>
+          </a:effectLst>
+          <a:scene3d>
+            <a:camera prst="orthographicFront">
+              <a:rot lat="0" lon="0" rev="0"/>
+            </a:camera>
+            <a:lightRig rig="balanced" dir="t">
+              <a:rot lat="0" lon="0" rev="1080000"/>
+            </a:lightRig>
+          </a:scene3d>
+          <a:sp3d>
+            <a:bevelT w="38100" h="12700" prst="softRound"/>
+          </a:sp3d>
+        </a:effectStyle>
+      </a:effectStyleLst>
+      <a:bgFillStyleLst>
+        <a:solidFill>
+          <a:schemeClr val="phClr"/>
+        </a:solidFill>
+        <a:solidFill>
+          <a:schemeClr val="phClr"/>
+        </a:solidFill>
+        <a:gradFill rotWithShape="1">
+          <a:gsLst>
+            <a:gs pos="0">
+              <a:schemeClr val="phClr">
+                <a:tint val="94000"/>
+                <a:satMod val="80000"/>
+                <a:lumMod val="106000"/>
+              </a:schemeClr>
+            </a:gs>
+            <a:gs pos="100000">
+              <a:schemeClr val="phClr">
+                <a:shade val="80000"/>
+              </a:schemeClr>
+            </a:gs>
+          </a:gsLst>
+          <a:path path="circle">
+            <a:fillToRect l="43000" r="43000" b="100000"/>
+          </a:path>
+        </a:gradFill>
+      </a:bgFillStyleLst>
+    </a:fmtScheme>
+  </a:themeElements>
+  <a:objectDefaults/>
+  <a:extraClrSchemeLst/>
+  <a:extLst>
+    <a:ext uri="{05A4C25C-085E-4340-85A3-A5531E510DB2}">
+      <thm15:themeFamily xmlns:thm15="http://schemas.microsoft.com/office/thememl/2012/main" name="Gallery" id="{BBFCD31E-59A1-489D-B089-A3EAD7CAE12E}" vid="{F5E91637-A7B6-4E27-B710-77DA7014EE1E}"/>
+    </a:ext>
+  </a:extLst>
+</a:theme>
+</file>
+
+<file path=ppt/theme/theme2.xml><?xml version="1.0" encoding="utf-8"?>
 <a:theme xmlns:a="http://schemas.openxmlformats.org/drawingml/2006/main" name="Office Theme">
   <a:themeElements>
     <a:clrScheme name="Office">
